--- a/final review.pptx
+++ b/final review.pptx
@@ -4,17 +4,23 @@
   <p:sldMasterIdLst>
     <p:sldMasterId id="2147483648" r:id="rId1"/>
   </p:sldMasterIdLst>
+  <p:notesMasterIdLst>
+    <p:notesMasterId r:id="rId15"/>
+  </p:notesMasterIdLst>
   <p:sldIdLst>
     <p:sldId id="256" r:id="rId2"/>
     <p:sldId id="257" r:id="rId3"/>
     <p:sldId id="258" r:id="rId4"/>
-    <p:sldId id="259" r:id="rId5"/>
-    <p:sldId id="261" r:id="rId6"/>
-    <p:sldId id="262" r:id="rId7"/>
-    <p:sldId id="263" r:id="rId8"/>
-    <p:sldId id="264" r:id="rId9"/>
-    <p:sldId id="266" r:id="rId10"/>
-    <p:sldId id="265" r:id="rId11"/>
+    <p:sldId id="271" r:id="rId5"/>
+    <p:sldId id="269" r:id="rId6"/>
+    <p:sldId id="259" r:id="rId7"/>
+    <p:sldId id="261" r:id="rId8"/>
+    <p:sldId id="262" r:id="rId9"/>
+    <p:sldId id="272" r:id="rId10"/>
+    <p:sldId id="263" r:id="rId11"/>
+    <p:sldId id="273" r:id="rId12"/>
+    <p:sldId id="266" r:id="rId13"/>
+    <p:sldId id="265" r:id="rId14"/>
   </p:sldIdLst>
   <p:sldSz cx="12192000" cy="6858000"/>
   <p:notesSz cx="6858000" cy="9144000"/>
@@ -121,6 +127,356 @@
 </p:presentation>
 </file>
 
+<file path=ppt/notesMasters/notesMaster1.xml><?xml version="1.0" encoding="utf-8"?>
+<p:notesMaster xmlns:a="http://schemas.openxmlformats.org/drawingml/2006/main" xmlns:r="http://schemas.openxmlformats.org/officeDocument/2006/relationships" xmlns:p="http://schemas.openxmlformats.org/presentationml/2006/main">
+  <p:cSld>
+    <p:bg>
+      <p:bgRef idx="1001">
+        <a:schemeClr val="bg1"/>
+      </p:bgRef>
+    </p:bg>
+    <p:spTree>
+      <p:nvGrpSpPr>
+        <p:cNvPr id="1" name=""/>
+        <p:cNvGrpSpPr/>
+        <p:nvPr/>
+      </p:nvGrpSpPr>
+      <p:grpSpPr>
+        <a:xfrm>
+          <a:off x="0" y="0"/>
+          <a:ext cx="0" cy="0"/>
+          <a:chOff x="0" y="0"/>
+          <a:chExt cx="0" cy="0"/>
+        </a:xfrm>
+      </p:grpSpPr>
+      <p:sp>
+        <p:nvSpPr>
+          <p:cNvPr id="2" name="Header Placeholder 1"/>
+          <p:cNvSpPr>
+            <a:spLocks noGrp="1"/>
+          </p:cNvSpPr>
+          <p:nvPr>
+            <p:ph type="hdr" sz="quarter"/>
+          </p:nvPr>
+        </p:nvSpPr>
+        <p:spPr>
+          <a:xfrm>
+            <a:off x="0" y="0"/>
+            <a:ext cx="2971800" cy="458788"/>
+          </a:xfrm>
+          <a:prstGeom prst="rect">
+            <a:avLst/>
+          </a:prstGeom>
+        </p:spPr>
+        <p:txBody>
+          <a:bodyPr vert="horz" lIns="91440" tIns="45720" rIns="91440" bIns="45720" rtlCol="0"/>
+          <a:lstStyle>
+            <a:lvl1pPr algn="l">
+              <a:defRPr sz="1200"/>
+            </a:lvl1pPr>
+          </a:lstStyle>
+          <a:p>
+            <a:endParaRPr lang="en-US"/>
+          </a:p>
+        </p:txBody>
+      </p:sp>
+      <p:sp>
+        <p:nvSpPr>
+          <p:cNvPr id="3" name="Date Placeholder 2"/>
+          <p:cNvSpPr>
+            <a:spLocks noGrp="1"/>
+          </p:cNvSpPr>
+          <p:nvPr>
+            <p:ph type="dt" idx="1"/>
+          </p:nvPr>
+        </p:nvSpPr>
+        <p:spPr>
+          <a:xfrm>
+            <a:off x="3884613" y="0"/>
+            <a:ext cx="2971800" cy="458788"/>
+          </a:xfrm>
+          <a:prstGeom prst="rect">
+            <a:avLst/>
+          </a:prstGeom>
+        </p:spPr>
+        <p:txBody>
+          <a:bodyPr vert="horz" lIns="91440" tIns="45720" rIns="91440" bIns="45720" rtlCol="0"/>
+          <a:lstStyle>
+            <a:lvl1pPr algn="r">
+              <a:defRPr sz="1200"/>
+            </a:lvl1pPr>
+          </a:lstStyle>
+          <a:p>
+            <a:fld id="{70073A6E-8688-CC41-921E-E451BE011200}" type="datetimeFigureOut">
+              <a:rPr lang="en-US" smtClean="0"/>
+              <a:t>5/3/17</a:t>
+            </a:fld>
+            <a:endParaRPr lang="en-US"/>
+          </a:p>
+        </p:txBody>
+      </p:sp>
+      <p:sp>
+        <p:nvSpPr>
+          <p:cNvPr id="4" name="Slide Image Placeholder 3"/>
+          <p:cNvSpPr>
+            <a:spLocks noGrp="1" noRot="1" noChangeAspect="1"/>
+          </p:cNvSpPr>
+          <p:nvPr>
+            <p:ph type="sldImg" idx="2"/>
+          </p:nvPr>
+        </p:nvSpPr>
+        <p:spPr>
+          <a:xfrm>
+            <a:off x="685800" y="1143000"/>
+            <a:ext cx="5486400" cy="3086100"/>
+          </a:xfrm>
+          <a:prstGeom prst="rect">
+            <a:avLst/>
+          </a:prstGeom>
+          <a:noFill/>
+          <a:ln w="12700">
+            <a:solidFill>
+              <a:prstClr val="black"/>
+            </a:solidFill>
+          </a:ln>
+        </p:spPr>
+        <p:txBody>
+          <a:bodyPr vert="horz" lIns="91440" tIns="45720" rIns="91440" bIns="45720" rtlCol="0" anchor="ctr"/>
+          <a:lstStyle/>
+          <a:p>
+            <a:endParaRPr lang="en-US"/>
+          </a:p>
+        </p:txBody>
+      </p:sp>
+      <p:sp>
+        <p:nvSpPr>
+          <p:cNvPr id="5" name="Notes Placeholder 4"/>
+          <p:cNvSpPr>
+            <a:spLocks noGrp="1"/>
+          </p:cNvSpPr>
+          <p:nvPr>
+            <p:ph type="body" sz="quarter" idx="3"/>
+          </p:nvPr>
+        </p:nvSpPr>
+        <p:spPr>
+          <a:xfrm>
+            <a:off x="685800" y="4400550"/>
+            <a:ext cx="5486400" cy="3600450"/>
+          </a:xfrm>
+          <a:prstGeom prst="rect">
+            <a:avLst/>
+          </a:prstGeom>
+        </p:spPr>
+        <p:txBody>
+          <a:bodyPr vert="horz" lIns="91440" tIns="45720" rIns="91440" bIns="45720" rtlCol="0"/>
+          <a:lstStyle/>
+          <a:p>
+            <a:pPr lvl="0"/>
+            <a:r>
+              <a:rPr lang="en-US" smtClean="0"/>
+              <a:t>Click to edit Master text styles</a:t>
+            </a:r>
+          </a:p>
+          <a:p>
+            <a:pPr lvl="1"/>
+            <a:r>
+              <a:rPr lang="en-US" smtClean="0"/>
+              <a:t>Second level</a:t>
+            </a:r>
+          </a:p>
+          <a:p>
+            <a:pPr lvl="2"/>
+            <a:r>
+              <a:rPr lang="en-US" smtClean="0"/>
+              <a:t>Third level</a:t>
+            </a:r>
+          </a:p>
+          <a:p>
+            <a:pPr lvl="3"/>
+            <a:r>
+              <a:rPr lang="en-US" smtClean="0"/>
+              <a:t>Fourth level</a:t>
+            </a:r>
+          </a:p>
+          <a:p>
+            <a:pPr lvl="4"/>
+            <a:r>
+              <a:rPr lang="en-US" smtClean="0"/>
+              <a:t>Fifth level</a:t>
+            </a:r>
+            <a:endParaRPr lang="en-US"/>
+          </a:p>
+        </p:txBody>
+      </p:sp>
+      <p:sp>
+        <p:nvSpPr>
+          <p:cNvPr id="6" name="Footer Placeholder 5"/>
+          <p:cNvSpPr>
+            <a:spLocks noGrp="1"/>
+          </p:cNvSpPr>
+          <p:nvPr>
+            <p:ph type="ftr" sz="quarter" idx="4"/>
+          </p:nvPr>
+        </p:nvSpPr>
+        <p:spPr>
+          <a:xfrm>
+            <a:off x="0" y="8685213"/>
+            <a:ext cx="2971800" cy="458787"/>
+          </a:xfrm>
+          <a:prstGeom prst="rect">
+            <a:avLst/>
+          </a:prstGeom>
+        </p:spPr>
+        <p:txBody>
+          <a:bodyPr vert="horz" lIns="91440" tIns="45720" rIns="91440" bIns="45720" rtlCol="0" anchor="b"/>
+          <a:lstStyle>
+            <a:lvl1pPr algn="l">
+              <a:defRPr sz="1200"/>
+            </a:lvl1pPr>
+          </a:lstStyle>
+          <a:p>
+            <a:endParaRPr lang="en-US"/>
+          </a:p>
+        </p:txBody>
+      </p:sp>
+      <p:sp>
+        <p:nvSpPr>
+          <p:cNvPr id="7" name="Slide Number Placeholder 6"/>
+          <p:cNvSpPr>
+            <a:spLocks noGrp="1"/>
+          </p:cNvSpPr>
+          <p:nvPr>
+            <p:ph type="sldNum" sz="quarter" idx="5"/>
+          </p:nvPr>
+        </p:nvSpPr>
+        <p:spPr>
+          <a:xfrm>
+            <a:off x="3884613" y="8685213"/>
+            <a:ext cx="2971800" cy="458787"/>
+          </a:xfrm>
+          <a:prstGeom prst="rect">
+            <a:avLst/>
+          </a:prstGeom>
+        </p:spPr>
+        <p:txBody>
+          <a:bodyPr vert="horz" lIns="91440" tIns="45720" rIns="91440" bIns="45720" rtlCol="0" anchor="b"/>
+          <a:lstStyle>
+            <a:lvl1pPr algn="r">
+              <a:defRPr sz="1200"/>
+            </a:lvl1pPr>
+          </a:lstStyle>
+          <a:p>
+            <a:fld id="{9E1C6797-9D1C-0444-AF91-DE4A8F058668}" type="slidenum">
+              <a:rPr lang="en-US" smtClean="0"/>
+              <a:t>‹#›</a:t>
+            </a:fld>
+            <a:endParaRPr lang="en-US"/>
+          </a:p>
+        </p:txBody>
+      </p:sp>
+    </p:spTree>
+    <p:extLst>
+      <p:ext uri="{BB962C8B-B14F-4D97-AF65-F5344CB8AC3E}">
+        <p14:creationId xmlns:p14="http://schemas.microsoft.com/office/powerpoint/2010/main" val="219743611"/>
+      </p:ext>
+    </p:extLst>
+  </p:cSld>
+  <p:clrMap bg1="lt1" tx1="dk1" bg2="lt2" tx2="dk2" accent1="accent1" accent2="accent2" accent3="accent3" accent4="accent4" accent5="accent5" accent6="accent6" hlink="hlink" folHlink="folHlink"/>
+  <p:notesStyle>
+    <a:lvl1pPr marL="0" algn="l" defTabSz="914400" rtl="0" eaLnBrk="1" latinLnBrk="0" hangingPunct="1">
+      <a:defRPr sz="1200" kern="1200">
+        <a:solidFill>
+          <a:schemeClr val="tx1"/>
+        </a:solidFill>
+        <a:latin typeface="+mn-lt"/>
+        <a:ea typeface="+mn-ea"/>
+        <a:cs typeface="+mn-cs"/>
+      </a:defRPr>
+    </a:lvl1pPr>
+    <a:lvl2pPr marL="457200" algn="l" defTabSz="914400" rtl="0" eaLnBrk="1" latinLnBrk="0" hangingPunct="1">
+      <a:defRPr sz="1200" kern="1200">
+        <a:solidFill>
+          <a:schemeClr val="tx1"/>
+        </a:solidFill>
+        <a:latin typeface="+mn-lt"/>
+        <a:ea typeface="+mn-ea"/>
+        <a:cs typeface="+mn-cs"/>
+      </a:defRPr>
+    </a:lvl2pPr>
+    <a:lvl3pPr marL="914400" algn="l" defTabSz="914400" rtl="0" eaLnBrk="1" latinLnBrk="0" hangingPunct="1">
+      <a:defRPr sz="1200" kern="1200">
+        <a:solidFill>
+          <a:schemeClr val="tx1"/>
+        </a:solidFill>
+        <a:latin typeface="+mn-lt"/>
+        <a:ea typeface="+mn-ea"/>
+        <a:cs typeface="+mn-cs"/>
+      </a:defRPr>
+    </a:lvl3pPr>
+    <a:lvl4pPr marL="1371600" algn="l" defTabSz="914400" rtl="0" eaLnBrk="1" latinLnBrk="0" hangingPunct="1">
+      <a:defRPr sz="1200" kern="1200">
+        <a:solidFill>
+          <a:schemeClr val="tx1"/>
+        </a:solidFill>
+        <a:latin typeface="+mn-lt"/>
+        <a:ea typeface="+mn-ea"/>
+        <a:cs typeface="+mn-cs"/>
+      </a:defRPr>
+    </a:lvl4pPr>
+    <a:lvl5pPr marL="1828800" algn="l" defTabSz="914400" rtl="0" eaLnBrk="1" latinLnBrk="0" hangingPunct="1">
+      <a:defRPr sz="1200" kern="1200">
+        <a:solidFill>
+          <a:schemeClr val="tx1"/>
+        </a:solidFill>
+        <a:latin typeface="+mn-lt"/>
+        <a:ea typeface="+mn-ea"/>
+        <a:cs typeface="+mn-cs"/>
+      </a:defRPr>
+    </a:lvl5pPr>
+    <a:lvl6pPr marL="2286000" algn="l" defTabSz="914400" rtl="0" eaLnBrk="1" latinLnBrk="0" hangingPunct="1">
+      <a:defRPr sz="1200" kern="1200">
+        <a:solidFill>
+          <a:schemeClr val="tx1"/>
+        </a:solidFill>
+        <a:latin typeface="+mn-lt"/>
+        <a:ea typeface="+mn-ea"/>
+        <a:cs typeface="+mn-cs"/>
+      </a:defRPr>
+    </a:lvl6pPr>
+    <a:lvl7pPr marL="2743200" algn="l" defTabSz="914400" rtl="0" eaLnBrk="1" latinLnBrk="0" hangingPunct="1">
+      <a:defRPr sz="1200" kern="1200">
+        <a:solidFill>
+          <a:schemeClr val="tx1"/>
+        </a:solidFill>
+        <a:latin typeface="+mn-lt"/>
+        <a:ea typeface="+mn-ea"/>
+        <a:cs typeface="+mn-cs"/>
+      </a:defRPr>
+    </a:lvl7pPr>
+    <a:lvl8pPr marL="3200400" algn="l" defTabSz="914400" rtl="0" eaLnBrk="1" latinLnBrk="0" hangingPunct="1">
+      <a:defRPr sz="1200" kern="1200">
+        <a:solidFill>
+          <a:schemeClr val="tx1"/>
+        </a:solidFill>
+        <a:latin typeface="+mn-lt"/>
+        <a:ea typeface="+mn-ea"/>
+        <a:cs typeface="+mn-cs"/>
+      </a:defRPr>
+    </a:lvl8pPr>
+    <a:lvl9pPr marL="3657600" algn="l" defTabSz="914400" rtl="0" eaLnBrk="1" latinLnBrk="0" hangingPunct="1">
+      <a:defRPr sz="1200" kern="1200">
+        <a:solidFill>
+          <a:schemeClr val="tx1"/>
+        </a:solidFill>
+        <a:latin typeface="+mn-lt"/>
+        <a:ea typeface="+mn-ea"/>
+        <a:cs typeface="+mn-cs"/>
+      </a:defRPr>
+    </a:lvl9pPr>
+  </p:notesStyle>
+</p:notesMaster>
+</file>
+
 <file path=ppt/slideLayouts/slideLayout1.xml><?xml version="1.0" encoding="utf-8"?>
 <p:sldLayout xmlns:a="http://schemas.openxmlformats.org/drawingml/2006/main" xmlns:r="http://schemas.openxmlformats.org/officeDocument/2006/relationships" xmlns:p="http://schemas.openxmlformats.org/presentationml/2006/main" type="title" preserve="1">
   <p:cSld name="标题幻灯片">
@@ -252,7 +608,7 @@
           <a:p>
             <a:fld id="{B537FE5E-B1C9-FC46-A51B-3B3EFB6CE5C5}" type="datetimeFigureOut">
               <a:rPr kumimoji="1" lang="zh-CN" altLang="en-US" smtClean="0"/>
-              <a:t>2017/5/2</a:t>
+              <a:t>2017/5/3</a:t>
             </a:fld>
             <a:endParaRPr kumimoji="1" lang="zh-CN" altLang="en-US"/>
           </a:p>
@@ -422,7 +778,7 @@
           <a:p>
             <a:fld id="{B537FE5E-B1C9-FC46-A51B-3B3EFB6CE5C5}" type="datetimeFigureOut">
               <a:rPr kumimoji="1" lang="zh-CN" altLang="en-US" smtClean="0"/>
-              <a:t>2017/5/2</a:t>
+              <a:t>2017/5/3</a:t>
             </a:fld>
             <a:endParaRPr kumimoji="1" lang="zh-CN" altLang="en-US"/>
           </a:p>
@@ -602,7 +958,7 @@
           <a:p>
             <a:fld id="{B537FE5E-B1C9-FC46-A51B-3B3EFB6CE5C5}" type="datetimeFigureOut">
               <a:rPr kumimoji="1" lang="zh-CN" altLang="en-US" smtClean="0"/>
-              <a:t>2017/5/2</a:t>
+              <a:t>2017/5/3</a:t>
             </a:fld>
             <a:endParaRPr kumimoji="1" lang="zh-CN" altLang="en-US"/>
           </a:p>
@@ -772,7 +1128,7 @@
           <a:p>
             <a:fld id="{B537FE5E-B1C9-FC46-A51B-3B3EFB6CE5C5}" type="datetimeFigureOut">
               <a:rPr kumimoji="1" lang="zh-CN" altLang="en-US" smtClean="0"/>
-              <a:t>2017/5/2</a:t>
+              <a:t>2017/5/3</a:t>
             </a:fld>
             <a:endParaRPr kumimoji="1" lang="zh-CN" altLang="en-US"/>
           </a:p>
@@ -1018,7 +1374,7 @@
           <a:p>
             <a:fld id="{B537FE5E-B1C9-FC46-A51B-3B3EFB6CE5C5}" type="datetimeFigureOut">
               <a:rPr kumimoji="1" lang="zh-CN" altLang="en-US" smtClean="0"/>
-              <a:t>2017/5/2</a:t>
+              <a:t>2017/5/3</a:t>
             </a:fld>
             <a:endParaRPr kumimoji="1" lang="zh-CN" altLang="en-US"/>
           </a:p>
@@ -1250,7 +1606,7 @@
           <a:p>
             <a:fld id="{B537FE5E-B1C9-FC46-A51B-3B3EFB6CE5C5}" type="datetimeFigureOut">
               <a:rPr kumimoji="1" lang="zh-CN" altLang="en-US" smtClean="0"/>
-              <a:t>2017/5/2</a:t>
+              <a:t>2017/5/3</a:t>
             </a:fld>
             <a:endParaRPr kumimoji="1" lang="zh-CN" altLang="en-US"/>
           </a:p>
@@ -1617,7 +1973,7 @@
           <a:p>
             <a:fld id="{B537FE5E-B1C9-FC46-A51B-3B3EFB6CE5C5}" type="datetimeFigureOut">
               <a:rPr kumimoji="1" lang="zh-CN" altLang="en-US" smtClean="0"/>
-              <a:t>2017/5/2</a:t>
+              <a:t>2017/5/3</a:t>
             </a:fld>
             <a:endParaRPr kumimoji="1" lang="zh-CN" altLang="en-US"/>
           </a:p>
@@ -1735,7 +2091,7 @@
           <a:p>
             <a:fld id="{B537FE5E-B1C9-FC46-A51B-3B3EFB6CE5C5}" type="datetimeFigureOut">
               <a:rPr kumimoji="1" lang="zh-CN" altLang="en-US" smtClean="0"/>
-              <a:t>2017/5/2</a:t>
+              <a:t>2017/5/3</a:t>
             </a:fld>
             <a:endParaRPr kumimoji="1" lang="zh-CN" altLang="en-US"/>
           </a:p>
@@ -1830,7 +2186,7 @@
           <a:p>
             <a:fld id="{B537FE5E-B1C9-FC46-A51B-3B3EFB6CE5C5}" type="datetimeFigureOut">
               <a:rPr kumimoji="1" lang="zh-CN" altLang="en-US" smtClean="0"/>
-              <a:t>2017/5/2</a:t>
+              <a:t>2017/5/3</a:t>
             </a:fld>
             <a:endParaRPr kumimoji="1" lang="zh-CN" altLang="en-US"/>
           </a:p>
@@ -2107,7 +2463,7 @@
           <a:p>
             <a:fld id="{B537FE5E-B1C9-FC46-A51B-3B3EFB6CE5C5}" type="datetimeFigureOut">
               <a:rPr kumimoji="1" lang="zh-CN" altLang="en-US" smtClean="0"/>
-              <a:t>2017/5/2</a:t>
+              <a:t>2017/5/3</a:t>
             </a:fld>
             <a:endParaRPr kumimoji="1" lang="zh-CN" altLang="en-US"/>
           </a:p>
@@ -2360,7 +2716,7 @@
           <a:p>
             <a:fld id="{B537FE5E-B1C9-FC46-A51B-3B3EFB6CE5C5}" type="datetimeFigureOut">
               <a:rPr kumimoji="1" lang="zh-CN" altLang="en-US" smtClean="0"/>
-              <a:t>2017/5/2</a:t>
+              <a:t>2017/5/3</a:t>
             </a:fld>
             <a:endParaRPr kumimoji="1" lang="zh-CN" altLang="en-US"/>
           </a:p>
@@ -2582,7 +2938,7 @@
           <a:p>
             <a:fld id="{B537FE5E-B1C9-FC46-A51B-3B3EFB6CE5C5}" type="datetimeFigureOut">
               <a:rPr kumimoji="1" lang="zh-CN" altLang="en-US" smtClean="0"/>
-              <a:t>2017/5/2</a:t>
+              <a:t>2017/5/3</a:t>
             </a:fld>
             <a:endParaRPr kumimoji="1" lang="zh-CN" altLang="en-US"/>
           </a:p>
@@ -3049,14 +3405,238 @@
       </p:grpSpPr>
       <p:sp>
         <p:nvSpPr>
+          <p:cNvPr id="2" name="标题 1"/>
+          <p:cNvSpPr>
+            <a:spLocks noGrp="1"/>
+          </p:cNvSpPr>
+          <p:nvPr>
+            <p:ph type="title"/>
+          </p:nvPr>
+        </p:nvSpPr>
+        <p:spPr/>
+        <p:txBody>
+          <a:bodyPr/>
+          <a:lstStyle/>
+          <a:p>
+            <a:r>
+              <a:rPr lang="en-US" dirty="0" smtClean="0"/>
+              <a:t>Social MF</a:t>
+            </a:r>
+            <a:endParaRPr lang="en-US" dirty="0"/>
+          </a:p>
+        </p:txBody>
+      </p:sp>
+      <p:sp>
+        <p:nvSpPr>
+          <p:cNvPr id="3" name="内容占位符 2"/>
+          <p:cNvSpPr>
+            <a:spLocks noGrp="1"/>
+          </p:cNvSpPr>
+          <p:nvPr>
+            <p:ph idx="1"/>
+          </p:nvPr>
+        </p:nvSpPr>
+        <p:spPr/>
+        <p:txBody>
+          <a:bodyPr/>
+          <a:lstStyle/>
+          <a:p>
+            <a:r>
+              <a:rPr lang="en-US" dirty="0" smtClean="0"/>
+              <a:t>Users </a:t>
+            </a:r>
+            <a:r>
+              <a:rPr lang="en-US" dirty="0" smtClean="0"/>
+              <a:t>are </a:t>
+            </a:r>
+            <a:r>
+              <a:rPr lang="en-US" dirty="0"/>
+              <a:t>likely to ask for suggestions from their local </a:t>
+            </a:r>
+            <a:r>
+              <a:rPr lang="en-US" dirty="0" smtClean="0"/>
+              <a:t>friends</a:t>
+            </a:r>
+          </a:p>
+          <a:p>
+            <a:r>
+              <a:rPr lang="en-US" dirty="0" smtClean="0"/>
+              <a:t>Users tend </a:t>
+            </a:r>
+            <a:r>
+              <a:rPr lang="en-US" dirty="0"/>
+              <a:t>to seek suggestions from </a:t>
+            </a:r>
+            <a:r>
+              <a:rPr lang="en-US" dirty="0" smtClean="0"/>
+              <a:t>those </a:t>
+            </a:r>
+            <a:r>
+              <a:rPr lang="en-US" dirty="0"/>
+              <a:t>with high </a:t>
+            </a:r>
+            <a:r>
+              <a:rPr lang="en-US" dirty="0" smtClean="0"/>
+              <a:t>reputations</a:t>
+            </a:r>
+          </a:p>
+          <a:p>
+            <a:r>
+              <a:rPr lang="en-US" dirty="0" smtClean="0"/>
+              <a:t>Combined the two indication, social MF is modeled as:</a:t>
+            </a:r>
+            <a:endParaRPr lang="en-US" dirty="0"/>
+          </a:p>
+        </p:txBody>
+      </p:sp>
+      <p:pic>
+        <p:nvPicPr>
+          <p:cNvPr id="4" name="图片 3"/>
+          <p:cNvPicPr>
+            <a:picLocks noChangeAspect="1"/>
+          </p:cNvPicPr>
+          <p:nvPr/>
+        </p:nvPicPr>
+        <p:blipFill>
+          <a:blip r:embed="rId2"/>
+          <a:stretch>
+            <a:fillRect/>
+          </a:stretch>
+        </p:blipFill>
+        <p:spPr>
+          <a:xfrm>
+            <a:off x="3865348" y="3528808"/>
+            <a:ext cx="3886537" cy="533446"/>
+          </a:xfrm>
+          <a:prstGeom prst="rect">
+            <a:avLst/>
+          </a:prstGeom>
+        </p:spPr>
+      </p:pic>
+    </p:spTree>
+    <p:extLst>
+      <p:ext uri="{BB962C8B-B14F-4D97-AF65-F5344CB8AC3E}">
+        <p14:creationId xmlns:p14="http://schemas.microsoft.com/office/powerpoint/2010/main" val="1185038310"/>
+      </p:ext>
+    </p:extLst>
+  </p:cSld>
+  <p:clrMapOvr>
+    <a:masterClrMapping/>
+  </p:clrMapOvr>
+</p:sld>
+</file>
+
+<file path=ppt/slides/slide11.xml><?xml version="1.0" encoding="utf-8"?>
+<p:sld xmlns:a="http://schemas.openxmlformats.org/drawingml/2006/main" xmlns:r="http://schemas.openxmlformats.org/officeDocument/2006/relationships" xmlns:p="http://schemas.openxmlformats.org/presentationml/2006/main">
+  <p:cSld>
+    <p:spTree>
+      <p:nvGrpSpPr>
+        <p:cNvPr id="1" name=""/>
+        <p:cNvGrpSpPr/>
+        <p:nvPr/>
+      </p:nvGrpSpPr>
+      <p:grpSpPr>
+        <a:xfrm>
+          <a:off x="0" y="0"/>
+          <a:ext cx="0" cy="0"/>
+          <a:chOff x="0" y="0"/>
+          <a:chExt cx="0" cy="0"/>
+        </a:xfrm>
+      </p:grpSpPr>
+      <p:pic>
+        <p:nvPicPr>
+          <p:cNvPr id="4" name="Picture 3"/>
+          <p:cNvPicPr>
+            <a:picLocks noChangeAspect="1"/>
+          </p:cNvPicPr>
+          <p:nvPr/>
+        </p:nvPicPr>
+        <p:blipFill>
+          <a:blip r:embed="rId2">
+            <a:extLst>
+              <a:ext uri="{28A0092B-C50C-407E-A947-70E740481C1C}">
+                <a14:useLocalDpi xmlns:a14="http://schemas.microsoft.com/office/drawing/2010/main" val="0"/>
+              </a:ext>
+            </a:extLst>
+          </a:blip>
+          <a:stretch>
+            <a:fillRect/>
+          </a:stretch>
+        </p:blipFill>
+        <p:spPr>
+          <a:xfrm>
+            <a:off x="3192780" y="406400"/>
+            <a:ext cx="5852160" cy="4389120"/>
+          </a:xfrm>
+          <a:prstGeom prst="rect">
+            <a:avLst/>
+          </a:prstGeom>
+        </p:spPr>
+      </p:pic>
+      <p:pic>
+        <p:nvPicPr>
+          <p:cNvPr id="2" name="Picture 1"/>
+          <p:cNvPicPr>
+            <a:picLocks noChangeAspect="1"/>
+          </p:cNvPicPr>
+          <p:nvPr/>
+        </p:nvPicPr>
+        <p:blipFill>
+          <a:blip r:embed="rId3"/>
+          <a:stretch>
+            <a:fillRect/>
+          </a:stretch>
+        </p:blipFill>
+        <p:spPr>
+          <a:xfrm>
+            <a:off x="2499360" y="4795520"/>
+            <a:ext cx="7239000" cy="1701800"/>
+          </a:xfrm>
+          <a:prstGeom prst="rect">
+            <a:avLst/>
+          </a:prstGeom>
+        </p:spPr>
+      </p:pic>
+    </p:spTree>
+    <p:extLst>
+      <p:ext uri="{BB962C8B-B14F-4D97-AF65-F5344CB8AC3E}">
+        <p14:creationId xmlns:p14="http://schemas.microsoft.com/office/powerpoint/2010/main" val="1250436372"/>
+      </p:ext>
+    </p:extLst>
+  </p:cSld>
+  <p:clrMapOvr>
+    <a:masterClrMapping/>
+  </p:clrMapOvr>
+</p:sld>
+</file>
+
+<file path=ppt/slides/slide12.xml><?xml version="1.0" encoding="utf-8"?>
+<p:sld xmlns:a="http://schemas.openxmlformats.org/drawingml/2006/main" xmlns:r="http://schemas.openxmlformats.org/officeDocument/2006/relationships" xmlns:p="http://schemas.openxmlformats.org/presentationml/2006/main">
+  <p:cSld>
+    <p:spTree>
+      <p:nvGrpSpPr>
+        <p:cNvPr id="1" name=""/>
+        <p:cNvGrpSpPr/>
+        <p:nvPr/>
+      </p:nvGrpSpPr>
+      <p:grpSpPr>
+        <a:xfrm>
+          <a:off x="0" y="0"/>
+          <a:ext cx="0" cy="0"/>
+          <a:chOff x="0" y="0"/>
+          <a:chExt cx="0" cy="0"/>
+        </a:xfrm>
+      </p:grpSpPr>
+      <p:sp>
+        <p:nvSpPr>
           <p:cNvPr id="4" name="文本框 3"/>
           <p:cNvSpPr txBox="1"/>
           <p:nvPr/>
         </p:nvSpPr>
         <p:spPr>
           <a:xfrm>
-            <a:off x="5078680" y="602672"/>
-            <a:ext cx="4582886" cy="646331"/>
+            <a:off x="5279570" y="500743"/>
+            <a:ext cx="1415144" cy="646331"/>
           </a:xfrm>
           <a:prstGeom prst="rect">
             <a:avLst/>
@@ -3070,6 +3650,96 @@
           <a:lstStyle/>
           <a:p>
             <a:r>
+              <a:rPr kumimoji="1" lang="en-US" altLang="zh-CN" sz="3600" smtClean="0"/>
+              <a:t>Result</a:t>
+            </a:r>
+            <a:endParaRPr kumimoji="1" lang="zh-CN" altLang="en-US" sz="3600" dirty="0"/>
+          </a:p>
+        </p:txBody>
+      </p:sp>
+      <p:pic>
+        <p:nvPicPr>
+          <p:cNvPr id="2" name="Picture 1"/>
+          <p:cNvPicPr>
+            <a:picLocks noChangeAspect="1"/>
+          </p:cNvPicPr>
+          <p:nvPr/>
+        </p:nvPicPr>
+        <p:blipFill>
+          <a:blip r:embed="rId2">
+            <a:extLst>
+              <a:ext uri="{28A0092B-C50C-407E-A947-70E740481C1C}">
+                <a14:useLocalDpi xmlns:a14="http://schemas.microsoft.com/office/drawing/2010/main" val="0"/>
+              </a:ext>
+            </a:extLst>
+          </a:blip>
+          <a:stretch>
+            <a:fillRect/>
+          </a:stretch>
+        </p:blipFill>
+        <p:spPr>
+          <a:xfrm>
+            <a:off x="2276202" y="1147074"/>
+            <a:ext cx="7421880" cy="5566410"/>
+          </a:xfrm>
+          <a:prstGeom prst="rect">
+            <a:avLst/>
+          </a:prstGeom>
+        </p:spPr>
+      </p:pic>
+    </p:spTree>
+    <p:extLst>
+      <p:ext uri="{BB962C8B-B14F-4D97-AF65-F5344CB8AC3E}">
+        <p14:creationId xmlns:p14="http://schemas.microsoft.com/office/powerpoint/2010/main" val="1930989165"/>
+      </p:ext>
+    </p:extLst>
+  </p:cSld>
+  <p:clrMapOvr>
+    <a:masterClrMapping/>
+  </p:clrMapOvr>
+</p:sld>
+</file>
+
+<file path=ppt/slides/slide13.xml><?xml version="1.0" encoding="utf-8"?>
+<p:sld xmlns:a="http://schemas.openxmlformats.org/drawingml/2006/main" xmlns:r="http://schemas.openxmlformats.org/officeDocument/2006/relationships" xmlns:p="http://schemas.openxmlformats.org/presentationml/2006/main">
+  <p:cSld>
+    <p:spTree>
+      <p:nvGrpSpPr>
+        <p:cNvPr id="1" name=""/>
+        <p:cNvGrpSpPr/>
+        <p:nvPr/>
+      </p:nvGrpSpPr>
+      <p:grpSpPr>
+        <a:xfrm>
+          <a:off x="0" y="0"/>
+          <a:ext cx="0" cy="0"/>
+          <a:chOff x="0" y="0"/>
+          <a:chExt cx="0" cy="0"/>
+        </a:xfrm>
+      </p:grpSpPr>
+      <p:sp>
+        <p:nvSpPr>
+          <p:cNvPr id="4" name="文本框 3"/>
+          <p:cNvSpPr txBox="1"/>
+          <p:nvPr/>
+        </p:nvSpPr>
+        <p:spPr>
+          <a:xfrm>
+            <a:off x="5078680" y="602672"/>
+            <a:ext cx="4582886" cy="646331"/>
+          </a:xfrm>
+          <a:prstGeom prst="rect">
+            <a:avLst/>
+          </a:prstGeom>
+          <a:noFill/>
+        </p:spPr>
+        <p:txBody>
+          <a:bodyPr wrap="square" rtlCol="0">
+            <a:spAutoFit/>
+          </a:bodyPr>
+          <a:lstStyle/>
+          <a:p>
+            <a:r>
               <a:rPr kumimoji="1" lang="en-US" altLang="zh-CN" sz="3600" dirty="0" smtClean="0"/>
               <a:t>Discussion</a:t>
             </a:r>
@@ -3313,11 +3983,7 @@
           <a:p>
             <a:r>
               <a:rPr lang="en-US" altLang="zh-CN" dirty="0" smtClean="0"/>
-              <a:t>Finally</a:t>
-            </a:r>
-            <a:r>
-              <a:rPr lang="en-US" altLang="zh-CN" dirty="0" smtClean="0"/>
-              <a:t>,</a:t>
+              <a:t>Finally,</a:t>
             </a:r>
             <a:r>
               <a:rPr lang="zh-CN" altLang="en-US" dirty="0" smtClean="0"/>
@@ -4153,62 +4819,377 @@
       </p:grpSpPr>
       <p:sp>
         <p:nvSpPr>
-          <p:cNvPr id="4" name="文本框 3"/>
-          <p:cNvSpPr txBox="1"/>
-          <p:nvPr/>
-        </p:nvSpPr>
-        <p:spPr>
-          <a:xfrm>
-            <a:off x="3601453" y="2805545"/>
-            <a:ext cx="6100010" cy="707886"/>
+          <p:cNvPr id="21" name="Rectangle 20"/>
+          <p:cNvSpPr>
+            <a:spLocks noGrp="1" noRot="1" noChangeAspect="1" noMove="1" noResize="1" noEditPoints="1" noAdjustHandles="1" noChangeArrowheads="1" noChangeShapeType="1" noTextEdit="1"/>
+          </p:cNvSpPr>
+          <p:nvPr>
+            <p:extLst>
+              <p:ext uri="{386F3935-93C4-4BCD-93E2-E3B085C9AB24}">
+                <p16:designElem xmlns:p16="http://schemas.microsoft.com/office/powerpoint/2015/main" val="1"/>
+              </p:ext>
+            </p:extLst>
+          </p:nvPr>
+        </p:nvSpPr>
+        <p:spPr bwMode="white">
+          <a:xfrm>
+            <a:off x="0" y="0"/>
+            <a:ext cx="12192000" cy="6858000"/>
           </a:xfrm>
           <a:prstGeom prst="rect">
             <a:avLst/>
           </a:prstGeom>
+          <a:solidFill>
+            <a:schemeClr val="bg1"/>
+          </a:solidFill>
+          <a:ln>
+            <a:noFill/>
+          </a:ln>
+          <a:effectLst/>
+        </p:spPr>
+      </p:sp>
+      <p:sp>
+        <p:nvSpPr>
+          <p:cNvPr id="23" name="Rectangle 22"/>
+          <p:cNvSpPr>
+            <a:spLocks noGrp="1" noRot="1" noChangeAspect="1" noMove="1" noResize="1" noEditPoints="1" noAdjustHandles="1" noChangeArrowheads="1" noChangeShapeType="1" noTextEdit="1"/>
+          </p:cNvSpPr>
+          <p:nvPr>
+            <p:extLst>
+              <p:ext uri="{386F3935-93C4-4BCD-93E2-E3B085C9AB24}">
+                <p16:designElem xmlns:p16="http://schemas.microsoft.com/office/powerpoint/2015/main" val="1"/>
+              </p:ext>
+            </p:extLst>
+          </p:nvPr>
+        </p:nvSpPr>
+        <p:spPr>
+          <a:xfrm>
+            <a:off x="0" y="0"/>
+            <a:ext cx="12192000" cy="6858000"/>
+          </a:xfrm>
+          <a:prstGeom prst="rect">
+            <a:avLst/>
+          </a:prstGeom>
+          <a:solidFill>
+            <a:schemeClr val="bg2"/>
+          </a:solidFill>
+          <a:ln>
+            <a:noFill/>
+          </a:ln>
+        </p:spPr>
+        <p:style>
+          <a:lnRef idx="2">
+            <a:schemeClr val="accent1">
+              <a:shade val="50000"/>
+            </a:schemeClr>
+          </a:lnRef>
+          <a:fillRef idx="1">
+            <a:schemeClr val="accent1"/>
+          </a:fillRef>
+          <a:effectRef idx="0">
+            <a:schemeClr val="accent1"/>
+          </a:effectRef>
+          <a:fontRef idx="minor">
+            <a:schemeClr val="lt1"/>
+          </a:fontRef>
+        </p:style>
+        <p:txBody>
+          <a:bodyPr rtlCol="0" anchor="ctr"/>
+          <a:lstStyle/>
+          <a:p>
+            <a:pPr algn="ctr"/>
+            <a:endParaRPr lang="en-US"/>
+          </a:p>
+        </p:txBody>
+      </p:sp>
+      <p:sp>
+        <p:nvSpPr>
+          <p:cNvPr id="25" name="Rectangle 24"/>
+          <p:cNvSpPr>
+            <a:spLocks noGrp="1" noRot="1" noChangeAspect="1" noMove="1" noResize="1" noEditPoints="1" noAdjustHandles="1" noChangeArrowheads="1" noChangeShapeType="1" noTextEdit="1"/>
+          </p:cNvSpPr>
+          <p:nvPr>
+            <p:extLst>
+              <p:ext uri="{386F3935-93C4-4BCD-93E2-E3B085C9AB24}">
+                <p16:designElem xmlns:p16="http://schemas.microsoft.com/office/powerpoint/2015/main" val="1"/>
+              </p:ext>
+            </p:extLst>
+          </p:nvPr>
+        </p:nvSpPr>
+        <p:spPr>
+          <a:xfrm>
+            <a:off x="477012" y="480060"/>
+            <a:ext cx="11237976" cy="5897880"/>
+          </a:xfrm>
+          <a:prstGeom prst="rect">
+            <a:avLst/>
+          </a:prstGeom>
+          <a:solidFill>
+            <a:srgbClr val="FFFFFF"/>
+          </a:solidFill>
+          <a:ln w="9525">
+            <a:noFill/>
+          </a:ln>
+          <a:effectLst>
+            <a:outerShdw blurRad="63500" dist="17780" dir="5400000" algn="t" rotWithShape="0">
+              <a:prstClr val="black">
+                <a:alpha val="43000"/>
+              </a:prstClr>
+            </a:outerShdw>
+          </a:effectLst>
+        </p:spPr>
+        <p:style>
+          <a:lnRef idx="2">
+            <a:schemeClr val="accent1">
+              <a:shade val="50000"/>
+            </a:schemeClr>
+          </a:lnRef>
+          <a:fillRef idx="1">
+            <a:schemeClr val="accent1"/>
+          </a:fillRef>
+          <a:effectRef idx="0">
+            <a:schemeClr val="accent1"/>
+          </a:effectRef>
+          <a:fontRef idx="minor">
+            <a:schemeClr val="lt1"/>
+          </a:fontRef>
+        </p:style>
+        <p:txBody>
+          <a:bodyPr rtlCol="0" anchor="ctr"/>
+          <a:lstStyle/>
+          <a:p>
+            <a:pPr algn="ctr"/>
+            <a:endParaRPr lang="en-US"/>
+          </a:p>
+        </p:txBody>
+      </p:sp>
+      <p:pic>
+        <p:nvPicPr>
+          <p:cNvPr id="5" name="Picture 4"/>
+          <p:cNvPicPr>
+            <a:picLocks noChangeAspect="1"/>
+          </p:cNvPicPr>
+          <p:nvPr/>
+        </p:nvPicPr>
+        <p:blipFill>
+          <a:blip r:embed="rId2">
+            <a:extLst>
+              <a:ext uri="{28A0092B-C50C-407E-A947-70E740481C1C}">
+                <a14:useLocalDpi xmlns:a14="http://schemas.microsoft.com/office/drawing/2010/main" val="0"/>
+              </a:ext>
+            </a:extLst>
+          </a:blip>
+          <a:stretch>
+            <a:fillRect/>
+          </a:stretch>
+        </p:blipFill>
+        <p:spPr>
+          <a:xfrm>
+            <a:off x="6253817" y="1443482"/>
+            <a:ext cx="5294715" cy="3971035"/>
+          </a:xfrm>
+          <a:prstGeom prst="rect">
+            <a:avLst/>
+          </a:prstGeom>
+        </p:spPr>
+      </p:pic>
+      <p:pic>
+        <p:nvPicPr>
+          <p:cNvPr id="4" name="Picture 3"/>
+          <p:cNvPicPr>
+            <a:picLocks noChangeAspect="1"/>
+          </p:cNvPicPr>
+          <p:nvPr/>
+        </p:nvPicPr>
+        <p:blipFill>
+          <a:blip r:embed="rId3">
+            <a:extLst>
+              <a:ext uri="{28A0092B-C50C-407E-A947-70E740481C1C}">
+                <a14:useLocalDpi xmlns:a14="http://schemas.microsoft.com/office/drawing/2010/main" val="0"/>
+              </a:ext>
+            </a:extLst>
+          </a:blip>
+          <a:stretch>
+            <a:fillRect/>
+          </a:stretch>
+        </p:blipFill>
+        <p:spPr>
+          <a:xfrm>
+            <a:off x="643467" y="1443481"/>
+            <a:ext cx="5294716" cy="3971036"/>
+          </a:xfrm>
+          <a:prstGeom prst="rect">
+            <a:avLst/>
+          </a:prstGeom>
+        </p:spPr>
+      </p:pic>
+      <p:cxnSp>
+        <p:nvCxnSpPr>
+          <p:cNvPr id="27" name="Straight Connector 26"/>
+          <p:cNvCxnSpPr>
+            <a:cxnSpLocks noGrp="1" noRot="1" noChangeAspect="1" noMove="1" noResize="1" noEditPoints="1" noAdjustHandles="1" noChangeArrowheads="1" noChangeShapeType="1"/>
+          </p:cNvCxnSpPr>
+          <p:nvPr>
+            <p:extLst>
+              <p:ext uri="{386F3935-93C4-4BCD-93E2-E3B085C9AB24}">
+                <p16:designElem xmlns:p16="http://schemas.microsoft.com/office/powerpoint/2015/main" val="1"/>
+              </p:ext>
+            </p:extLst>
+          </p:nvPr>
+        </p:nvCxnSpPr>
+        <p:spPr>
+          <a:xfrm>
+            <a:off x="6079958" y="1143000"/>
+            <a:ext cx="0" cy="4572000"/>
+          </a:xfrm>
+          <a:prstGeom prst="line">
+            <a:avLst/>
+          </a:prstGeom>
+          <a:ln>
+            <a:solidFill>
+              <a:srgbClr val="4E4E4E"/>
+            </a:solidFill>
+          </a:ln>
+        </p:spPr>
+        <p:style>
+          <a:lnRef idx="1">
+            <a:schemeClr val="accent1"/>
+          </a:lnRef>
+          <a:fillRef idx="0">
+            <a:schemeClr val="accent1"/>
+          </a:fillRef>
+          <a:effectRef idx="0">
+            <a:schemeClr val="accent1"/>
+          </a:effectRef>
+          <a:fontRef idx="minor">
+            <a:schemeClr val="tx1"/>
+          </a:fontRef>
+        </p:style>
+      </p:cxnSp>
+      <p:sp>
+        <p:nvSpPr>
+          <p:cNvPr id="9" name="Oval 8"/>
+          <p:cNvSpPr/>
+          <p:nvPr/>
+        </p:nvSpPr>
+        <p:spPr>
+          <a:xfrm>
+            <a:off x="7566660" y="4366260"/>
+            <a:ext cx="365760" cy="365760"/>
+          </a:xfrm>
+          <a:prstGeom prst="ellipse">
+            <a:avLst/>
+          </a:prstGeom>
           <a:noFill/>
-        </p:spPr>
-        <p:txBody>
-          <a:bodyPr wrap="square" rtlCol="0">
-            <a:spAutoFit/>
-          </a:bodyPr>
+          <a:ln>
+            <a:solidFill>
+              <a:srgbClr val="FF0000"/>
+            </a:solidFill>
+          </a:ln>
+        </p:spPr>
+        <p:style>
+          <a:lnRef idx="2">
+            <a:schemeClr val="accent1">
+              <a:shade val="50000"/>
+            </a:schemeClr>
+          </a:lnRef>
+          <a:fillRef idx="1">
+            <a:schemeClr val="accent1"/>
+          </a:fillRef>
+          <a:effectRef idx="0">
+            <a:schemeClr val="accent1"/>
+          </a:effectRef>
+          <a:fontRef idx="minor">
+            <a:schemeClr val="lt1"/>
+          </a:fontRef>
+        </p:style>
+        <p:txBody>
+          <a:bodyPr rtlCol="0" anchor="ctr"/>
           <a:lstStyle/>
           <a:p>
-            <a:r>
-              <a:rPr kumimoji="1" lang="en-US" altLang="zh-CN" sz="4000" dirty="0" smtClean="0"/>
-              <a:t>Paper</a:t>
-            </a:r>
-            <a:r>
-              <a:rPr kumimoji="1" lang="zh-CN" altLang="en-US" sz="4000" dirty="0" smtClean="0"/>
-              <a:t> </a:t>
-            </a:r>
-            <a:r>
-              <a:rPr kumimoji="1" lang="en-US" altLang="zh-CN" sz="4000" dirty="0" smtClean="0"/>
-              <a:t>&amp;</a:t>
-            </a:r>
-            <a:r>
-              <a:rPr kumimoji="1" lang="zh-CN" altLang="en-US" sz="4000" dirty="0" smtClean="0"/>
-              <a:t> </a:t>
-            </a:r>
-            <a:r>
-              <a:rPr kumimoji="1" lang="en-US" altLang="zh-CN" sz="4000" dirty="0" smtClean="0"/>
-              <a:t>Related</a:t>
-            </a:r>
-            <a:r>
-              <a:rPr kumimoji="1" lang="zh-CN" altLang="en-US" sz="4000" dirty="0" smtClean="0"/>
-              <a:t> </a:t>
-            </a:r>
-            <a:r>
-              <a:rPr kumimoji="1" lang="en-US" altLang="zh-CN" sz="4000" dirty="0" smtClean="0"/>
-              <a:t>Work</a:t>
-            </a:r>
-            <a:endParaRPr kumimoji="1" lang="zh-CN" altLang="en-US" sz="4000" dirty="0"/>
-          </a:p>
-        </p:txBody>
-      </p:sp>
+            <a:pPr algn="ctr"/>
+            <a:endParaRPr lang="en-US"/>
+          </a:p>
+        </p:txBody>
+      </p:sp>
+      <p:cxnSp>
+        <p:nvCxnSpPr>
+          <p:cNvPr id="10" name="Straight Connector 9"/>
+          <p:cNvCxnSpPr>
+            <a:endCxn id="9" idx="0"/>
+          </p:cNvCxnSpPr>
+          <p:nvPr/>
+        </p:nvCxnSpPr>
+        <p:spPr>
+          <a:xfrm>
+            <a:off x="5440680" y="1920240"/>
+            <a:ext cx="2308860" cy="2446020"/>
+          </a:xfrm>
+          <a:prstGeom prst="line">
+            <a:avLst/>
+          </a:prstGeom>
+          <a:ln>
+            <a:solidFill>
+              <a:srgbClr val="FF0000"/>
+            </a:solidFill>
+          </a:ln>
+        </p:spPr>
+        <p:style>
+          <a:lnRef idx="1">
+            <a:schemeClr val="accent1"/>
+          </a:lnRef>
+          <a:fillRef idx="0">
+            <a:schemeClr val="accent1"/>
+          </a:fillRef>
+          <a:effectRef idx="0">
+            <a:schemeClr val="accent1"/>
+          </a:effectRef>
+          <a:fontRef idx="minor">
+            <a:schemeClr val="tx1"/>
+          </a:fontRef>
+        </p:style>
+      </p:cxnSp>
+      <p:cxnSp>
+        <p:nvCxnSpPr>
+          <p:cNvPr id="13" name="Straight Connector 12"/>
+          <p:cNvCxnSpPr>
+            <a:endCxn id="9" idx="4"/>
+          </p:cNvCxnSpPr>
+          <p:nvPr/>
+        </p:nvCxnSpPr>
+        <p:spPr>
+          <a:xfrm flipV="1">
+            <a:off x="5440680" y="4732020"/>
+            <a:ext cx="2308860" cy="251460"/>
+          </a:xfrm>
+          <a:prstGeom prst="line">
+            <a:avLst/>
+          </a:prstGeom>
+          <a:ln>
+            <a:solidFill>
+              <a:srgbClr val="FF0000"/>
+            </a:solidFill>
+          </a:ln>
+        </p:spPr>
+        <p:style>
+          <a:lnRef idx="1">
+            <a:schemeClr val="accent1"/>
+          </a:lnRef>
+          <a:fillRef idx="0">
+            <a:schemeClr val="accent1"/>
+          </a:fillRef>
+          <a:effectRef idx="0">
+            <a:schemeClr val="accent1"/>
+          </a:effectRef>
+          <a:fontRef idx="minor">
+            <a:schemeClr val="tx1"/>
+          </a:fontRef>
+        </p:style>
+      </p:cxnSp>
     </p:spTree>
     <p:extLst>
       <p:ext uri="{BB962C8B-B14F-4D97-AF65-F5344CB8AC3E}">
-        <p14:creationId xmlns:p14="http://schemas.microsoft.com/office/powerpoint/2010/main" val="1998626500"/>
+        <p14:creationId xmlns:p14="http://schemas.microsoft.com/office/powerpoint/2010/main" val="2146090283"/>
       </p:ext>
     </p:extLst>
   </p:cSld>
@@ -4237,93 +5218,174 @@
       </p:grpSpPr>
       <p:sp>
         <p:nvSpPr>
-          <p:cNvPr id="2" name="标题 1"/>
-          <p:cNvSpPr>
-            <a:spLocks noGrp="1"/>
-          </p:cNvSpPr>
-          <p:nvPr>
-            <p:ph type="title"/>
-          </p:nvPr>
-        </p:nvSpPr>
-        <p:spPr/>
-        <p:txBody>
-          <a:bodyPr/>
+          <p:cNvPr id="10" name="Rectangle 9"/>
+          <p:cNvSpPr>
+            <a:spLocks noGrp="1" noRot="1" noChangeAspect="1" noMove="1" noResize="1" noEditPoints="1" noAdjustHandles="1" noChangeArrowheads="1" noChangeShapeType="1" noTextEdit="1"/>
+          </p:cNvSpPr>
+          <p:nvPr>
+            <p:extLst>
+              <p:ext uri="{386F3935-93C4-4BCD-93E2-E3B085C9AB24}">
+                <p16:designElem xmlns:p16="http://schemas.microsoft.com/office/powerpoint/2015/main" val="1"/>
+              </p:ext>
+            </p:extLst>
+          </p:nvPr>
+        </p:nvSpPr>
+        <p:spPr bwMode="white">
+          <a:xfrm>
+            <a:off x="0" y="0"/>
+            <a:ext cx="12192000" cy="6858000"/>
+          </a:xfrm>
+          <a:prstGeom prst="rect">
+            <a:avLst/>
+          </a:prstGeom>
+          <a:solidFill>
+            <a:schemeClr val="bg1"/>
+          </a:solidFill>
+          <a:ln>
+            <a:noFill/>
+          </a:ln>
+          <a:effectLst/>
+        </p:spPr>
+      </p:sp>
+      <p:sp>
+        <p:nvSpPr>
+          <p:cNvPr id="12" name="Rectangle 11"/>
+          <p:cNvSpPr>
+            <a:spLocks noGrp="1" noRot="1" noChangeAspect="1" noMove="1" noResize="1" noEditPoints="1" noAdjustHandles="1" noChangeArrowheads="1" noChangeShapeType="1" noTextEdit="1"/>
+          </p:cNvSpPr>
+          <p:nvPr>
+            <p:extLst>
+              <p:ext uri="{386F3935-93C4-4BCD-93E2-E3B085C9AB24}">
+                <p16:designElem xmlns:p16="http://schemas.microsoft.com/office/powerpoint/2015/main" val="1"/>
+              </p:ext>
+            </p:extLst>
+          </p:nvPr>
+        </p:nvSpPr>
+        <p:spPr>
+          <a:xfrm>
+            <a:off x="0" y="0"/>
+            <a:ext cx="12192000" cy="6858000"/>
+          </a:xfrm>
+          <a:prstGeom prst="rect">
+            <a:avLst/>
+          </a:prstGeom>
+          <a:solidFill>
+            <a:schemeClr val="bg2"/>
+          </a:solidFill>
+          <a:ln>
+            <a:noFill/>
+          </a:ln>
+        </p:spPr>
+        <p:style>
+          <a:lnRef idx="2">
+            <a:schemeClr val="accent1">
+              <a:shade val="50000"/>
+            </a:schemeClr>
+          </a:lnRef>
+          <a:fillRef idx="1">
+            <a:schemeClr val="accent1"/>
+          </a:fillRef>
+          <a:effectRef idx="0">
+            <a:schemeClr val="accent1"/>
+          </a:effectRef>
+          <a:fontRef idx="minor">
+            <a:schemeClr val="lt1"/>
+          </a:fontRef>
+        </p:style>
+        <p:txBody>
+          <a:bodyPr rtlCol="0" anchor="ctr"/>
           <a:lstStyle/>
           <a:p>
-            <a:r>
-              <a:rPr lang="en-US" dirty="0" smtClean="0"/>
-              <a:t>Basic MF</a:t>
-            </a:r>
-            <a:endParaRPr lang="en-US" dirty="0"/>
-          </a:p>
-        </p:txBody>
-      </p:sp>
-      <p:sp>
-        <p:nvSpPr>
-          <p:cNvPr id="3" name="内容占位符 2"/>
-          <p:cNvSpPr>
-            <a:spLocks noGrp="1"/>
-          </p:cNvSpPr>
-          <p:nvPr>
-            <p:ph idx="1"/>
-          </p:nvPr>
-        </p:nvSpPr>
-        <p:spPr>
-          <a:xfrm>
-            <a:off x="838200" y="1825625"/>
-            <a:ext cx="6241869" cy="4351338"/>
-          </a:xfrm>
-        </p:spPr>
-        <p:txBody>
-          <a:bodyPr/>
+            <a:pPr algn="ctr"/>
+            <a:endParaRPr lang="en-US"/>
+          </a:p>
+        </p:txBody>
+      </p:sp>
+      <p:sp>
+        <p:nvSpPr>
+          <p:cNvPr id="14" name="Rectangle 13"/>
+          <p:cNvSpPr>
+            <a:spLocks noGrp="1" noRot="1" noChangeAspect="1" noMove="1" noResize="1" noEditPoints="1" noAdjustHandles="1" noChangeArrowheads="1" noChangeShapeType="1" noTextEdit="1"/>
+          </p:cNvSpPr>
+          <p:nvPr>
+            <p:extLst>
+              <p:ext uri="{386F3935-93C4-4BCD-93E2-E3B085C9AB24}">
+                <p16:designElem xmlns:p16="http://schemas.microsoft.com/office/powerpoint/2015/main" val="1"/>
+              </p:ext>
+            </p:extLst>
+          </p:nvPr>
+        </p:nvSpPr>
+        <p:spPr>
+          <a:xfrm>
+            <a:off x="477012" y="480060"/>
+            <a:ext cx="11237976" cy="5897880"/>
+          </a:xfrm>
+          <a:prstGeom prst="rect">
+            <a:avLst/>
+          </a:prstGeom>
+          <a:solidFill>
+            <a:srgbClr val="FFFFFF"/>
+          </a:solidFill>
+          <a:ln w="9525">
+            <a:noFill/>
+          </a:ln>
+          <a:effectLst>
+            <a:outerShdw blurRad="63500" dist="17780" dir="5400000" algn="t" rotWithShape="0">
+              <a:prstClr val="black">
+                <a:alpha val="43000"/>
+              </a:prstClr>
+            </a:outerShdw>
+          </a:effectLst>
+        </p:spPr>
+        <p:style>
+          <a:lnRef idx="2">
+            <a:schemeClr val="accent1">
+              <a:shade val="50000"/>
+            </a:schemeClr>
+          </a:lnRef>
+          <a:fillRef idx="1">
+            <a:schemeClr val="accent1"/>
+          </a:fillRef>
+          <a:effectRef idx="0">
+            <a:schemeClr val="accent1"/>
+          </a:effectRef>
+          <a:fontRef idx="minor">
+            <a:schemeClr val="lt1"/>
+          </a:fontRef>
+        </p:style>
+        <p:txBody>
+          <a:bodyPr rtlCol="0" anchor="ctr"/>
           <a:lstStyle/>
           <a:p>
-            <a:r>
-              <a:rPr lang="en-US" dirty="0" smtClean="0"/>
-              <a:t>Basic MF uses SVD method to deposit the rating matrix into U*V</a:t>
-            </a:r>
-          </a:p>
-          <a:p>
-            <a:endParaRPr lang="en-US" dirty="0"/>
-          </a:p>
-          <a:p>
-            <a:endParaRPr lang="en-US" dirty="0"/>
-          </a:p>
-          <a:p>
-            <a:r>
-              <a:rPr lang="en-US" dirty="0" smtClean="0"/>
-              <a:t>Predict unknown rating by U*V</a:t>
-            </a:r>
-          </a:p>
-          <a:p>
-            <a:endParaRPr lang="en-US" dirty="0"/>
-          </a:p>
-          <a:p>
-            <a:r>
-              <a:rPr lang="en-US" dirty="0" smtClean="0"/>
-              <a:t>The latent factor number K chosen 30</a:t>
-            </a:r>
+            <a:pPr algn="ctr"/>
+            <a:endParaRPr lang="en-US"/>
           </a:p>
         </p:txBody>
       </p:sp>
       <p:pic>
         <p:nvPicPr>
-          <p:cNvPr id="4" name="图片 3"/>
+          <p:cNvPr id="4" name="Picture 3"/>
           <p:cNvPicPr>
             <a:picLocks noChangeAspect="1"/>
           </p:cNvPicPr>
           <p:nvPr/>
         </p:nvPicPr>
         <p:blipFill>
-          <a:blip r:embed="rId2"/>
+          <a:blip r:embed="rId2">
+            <a:extLst>
+              <a:ext uri="{28A0092B-C50C-407E-A947-70E740481C1C}">
+                <a14:useLocalDpi xmlns:a14="http://schemas.microsoft.com/office/drawing/2010/main" val="0"/>
+              </a:ext>
+            </a:extLst>
+          </a:blip>
           <a:stretch>
             <a:fillRect/>
           </a:stretch>
         </p:blipFill>
         <p:spPr>
           <a:xfrm>
-            <a:off x="2287006" y="4231806"/>
-            <a:ext cx="2990492" cy="514364"/>
+            <a:off x="6253817" y="1443482"/>
+            <a:ext cx="5294715" cy="3971035"/>
           </a:xfrm>
           <a:prstGeom prst="rect">
             <a:avLst/>
@@ -4332,80 +5394,81 @@
       </p:pic>
       <p:pic>
         <p:nvPicPr>
-          <p:cNvPr id="5" name="图片 4"/>
+          <p:cNvPr id="5" name="Picture 4"/>
           <p:cNvPicPr>
             <a:picLocks noChangeAspect="1"/>
           </p:cNvPicPr>
           <p:nvPr/>
         </p:nvPicPr>
         <p:blipFill>
-          <a:blip r:embed="rId3"/>
+          <a:blip r:embed="rId3">
+            <a:extLst>
+              <a:ext uri="{28A0092B-C50C-407E-A947-70E740481C1C}">
+                <a14:useLocalDpi xmlns:a14="http://schemas.microsoft.com/office/drawing/2010/main" val="0"/>
+              </a:ext>
+            </a:extLst>
+          </a:blip>
           <a:stretch>
             <a:fillRect/>
           </a:stretch>
         </p:blipFill>
         <p:spPr>
           <a:xfrm>
-            <a:off x="7080069" y="880450"/>
-            <a:ext cx="4101737" cy="2820692"/>
+            <a:off x="643467" y="1443481"/>
+            <a:ext cx="5294716" cy="3971036"/>
           </a:xfrm>
           <a:prstGeom prst="rect">
             <a:avLst/>
           </a:prstGeom>
         </p:spPr>
       </p:pic>
-      <p:pic>
-        <p:nvPicPr>
-          <p:cNvPr id="6" name="图片 5"/>
-          <p:cNvPicPr>
-            <a:picLocks noChangeAspect="1"/>
-          </p:cNvPicPr>
-          <p:nvPr/>
-        </p:nvPicPr>
-        <p:blipFill>
-          <a:blip r:embed="rId4"/>
-          <a:stretch>
-            <a:fillRect/>
-          </a:stretch>
-        </p:blipFill>
-        <p:spPr>
-          <a:xfrm>
-            <a:off x="2165086" y="2920386"/>
-            <a:ext cx="3826160" cy="493373"/>
-          </a:xfrm>
-          <a:prstGeom prst="rect">
+      <p:cxnSp>
+        <p:nvCxnSpPr>
+          <p:cNvPr id="16" name="Straight Connector 15"/>
+          <p:cNvCxnSpPr>
+            <a:cxnSpLocks noGrp="1" noRot="1" noChangeAspect="1" noMove="1" noResize="1" noEditPoints="1" noAdjustHandles="1" noChangeArrowheads="1" noChangeShapeType="1"/>
+          </p:cNvCxnSpPr>
+          <p:nvPr>
+            <p:extLst>
+              <p:ext uri="{386F3935-93C4-4BCD-93E2-E3B085C9AB24}">
+                <p16:designElem xmlns:p16="http://schemas.microsoft.com/office/powerpoint/2015/main" val="1"/>
+              </p:ext>
+            </p:extLst>
+          </p:nvPr>
+        </p:nvCxnSpPr>
+        <p:spPr>
+          <a:xfrm>
+            <a:off x="6079958" y="1143000"/>
+            <a:ext cx="0" cy="4572000"/>
+          </a:xfrm>
+          <a:prstGeom prst="line">
             <a:avLst/>
           </a:prstGeom>
-        </p:spPr>
-      </p:pic>
-      <p:pic>
-        <p:nvPicPr>
-          <p:cNvPr id="7" name="图片 6"/>
-          <p:cNvPicPr>
-            <a:picLocks noChangeAspect="1"/>
-          </p:cNvPicPr>
-          <p:nvPr/>
-        </p:nvPicPr>
-        <p:blipFill>
-          <a:blip r:embed="rId5"/>
-          <a:stretch>
-            <a:fillRect/>
-          </a:stretch>
-        </p:blipFill>
-        <p:spPr>
-          <a:xfrm>
-            <a:off x="7080069" y="3701142"/>
-            <a:ext cx="4101737" cy="2842847"/>
-          </a:xfrm>
-          <a:prstGeom prst="rect">
-            <a:avLst/>
-          </a:prstGeom>
-        </p:spPr>
-      </p:pic>
+          <a:ln>
+            <a:solidFill>
+              <a:srgbClr val="4E4E4E"/>
+            </a:solidFill>
+          </a:ln>
+        </p:spPr>
+        <p:style>
+          <a:lnRef idx="1">
+            <a:schemeClr val="accent1"/>
+          </a:lnRef>
+          <a:fillRef idx="0">
+            <a:schemeClr val="accent1"/>
+          </a:fillRef>
+          <a:effectRef idx="0">
+            <a:schemeClr val="accent1"/>
+          </a:effectRef>
+          <a:fontRef idx="minor">
+            <a:schemeClr val="tx1"/>
+          </a:fontRef>
+        </p:style>
+      </p:cxnSp>
     </p:spTree>
     <p:extLst>
       <p:ext uri="{BB962C8B-B14F-4D97-AF65-F5344CB8AC3E}">
-        <p14:creationId xmlns:p14="http://schemas.microsoft.com/office/powerpoint/2010/main" val="1099051979"/>
+        <p14:creationId xmlns:p14="http://schemas.microsoft.com/office/powerpoint/2010/main" val="387162530"/>
       </p:ext>
     </p:extLst>
   </p:cSld>
@@ -4434,201 +5497,62 @@
       </p:grpSpPr>
       <p:sp>
         <p:nvSpPr>
-          <p:cNvPr id="2" name="标题 1"/>
-          <p:cNvSpPr>
-            <a:spLocks noGrp="1"/>
-          </p:cNvSpPr>
-          <p:nvPr>
-            <p:ph type="title"/>
-          </p:nvPr>
-        </p:nvSpPr>
-        <p:spPr/>
-        <p:txBody>
-          <a:bodyPr/>
-          <a:lstStyle/>
-          <a:p>
-            <a:r>
-              <a:rPr lang="en-US" dirty="0" smtClean="0"/>
-              <a:t>Topic MF</a:t>
-            </a:r>
-            <a:endParaRPr lang="en-US" dirty="0"/>
-          </a:p>
-        </p:txBody>
-      </p:sp>
-      <p:sp>
-        <p:nvSpPr>
-          <p:cNvPr id="3" name="内容占位符 2"/>
-          <p:cNvSpPr>
-            <a:spLocks noGrp="1"/>
-          </p:cNvSpPr>
-          <p:nvPr>
-            <p:ph idx="1"/>
-          </p:nvPr>
-        </p:nvSpPr>
-        <p:spPr>
-          <a:xfrm>
-            <a:off x="838200" y="1825625"/>
-            <a:ext cx="6616337" cy="4351338"/>
-          </a:xfrm>
-        </p:spPr>
-        <p:txBody>
-          <a:bodyPr/>
-          <a:lstStyle/>
-          <a:p>
-            <a:r>
-              <a:rPr lang="en-US" dirty="0"/>
-              <a:t>To get the topic distribution of reviews and words, LDA (Latent </a:t>
-            </a:r>
-            <a:r>
-              <a:rPr lang="en-US" dirty="0" err="1"/>
-              <a:t>Dirichlet</a:t>
-            </a:r>
-            <a:r>
-              <a:rPr lang="en-US" dirty="0"/>
-              <a:t> Allocation) is </a:t>
-            </a:r>
-            <a:r>
-              <a:rPr lang="en-US" dirty="0" smtClean="0"/>
-              <a:t>used</a:t>
-            </a:r>
-          </a:p>
-          <a:p>
-            <a:r>
-              <a:rPr lang="en-US" dirty="0" smtClean="0"/>
-              <a:t>The model is trained as:</a:t>
-            </a:r>
-          </a:p>
-          <a:p>
-            <a:endParaRPr lang="en-US" dirty="0" smtClean="0"/>
-          </a:p>
-          <a:p>
-            <a:endParaRPr lang="en-US" dirty="0"/>
-          </a:p>
-          <a:p>
-            <a:r>
-              <a:rPr lang="en-US" dirty="0" smtClean="0"/>
-              <a:t>Result after parameter adjust,</a:t>
-            </a:r>
-            <a:r>
-              <a:rPr lang="en-US" altLang="en-US" dirty="0">
-                <a:solidFill>
-                  <a:srgbClr val="000000"/>
-                </a:solidFill>
-                <a:latin typeface="Courier New" panose="02070309020205020404" pitchFamily="49" charset="0"/>
-                <a:cs typeface="Courier New" panose="02070309020205020404" pitchFamily="49" charset="0"/>
-              </a:rPr>
-              <a:t> 0.907157138867</a:t>
-            </a:r>
-            <a:r>
-              <a:rPr lang="en-US" dirty="0" smtClean="0"/>
-              <a:t> </a:t>
-            </a:r>
-          </a:p>
-          <a:p>
-            <a:endParaRPr lang="en-US" dirty="0"/>
-          </a:p>
-        </p:txBody>
-      </p:sp>
-      <p:pic>
-        <p:nvPicPr>
-          <p:cNvPr id="4" name="图片 3"/>
-          <p:cNvPicPr>
-            <a:picLocks noChangeAspect="1"/>
-          </p:cNvPicPr>
+          <p:cNvPr id="4" name="文本框 3"/>
+          <p:cNvSpPr txBox="1"/>
           <p:nvPr/>
-        </p:nvPicPr>
-        <p:blipFill>
-          <a:blip r:embed="rId2"/>
-          <a:stretch>
-            <a:fillRect/>
-          </a:stretch>
-        </p:blipFill>
-        <p:spPr>
-          <a:xfrm>
-            <a:off x="2163383" y="3715519"/>
-            <a:ext cx="3528366" cy="571550"/>
+        </p:nvSpPr>
+        <p:spPr>
+          <a:xfrm>
+            <a:off x="3601453" y="2805545"/>
+            <a:ext cx="6100010" cy="707886"/>
           </a:xfrm>
           <a:prstGeom prst="rect">
             <a:avLst/>
           </a:prstGeom>
-        </p:spPr>
-      </p:pic>
-      <p:pic>
-        <p:nvPicPr>
-          <p:cNvPr id="8" name="图片 7"/>
-          <p:cNvPicPr>
-            <a:picLocks noChangeAspect="1"/>
-          </p:cNvPicPr>
-          <p:nvPr/>
-        </p:nvPicPr>
-        <p:blipFill>
-          <a:blip r:embed="rId3"/>
-          <a:stretch>
-            <a:fillRect/>
-          </a:stretch>
-        </p:blipFill>
-        <p:spPr>
-          <a:xfrm>
-            <a:off x="7606714" y="234494"/>
-            <a:ext cx="3143251" cy="2232632"/>
-          </a:xfrm>
-          <a:prstGeom prst="rect">
-            <a:avLst/>
-          </a:prstGeom>
-        </p:spPr>
-      </p:pic>
-      <p:pic>
-        <p:nvPicPr>
-          <p:cNvPr id="9" name="图片 8"/>
-          <p:cNvPicPr>
-            <a:picLocks noChangeAspect="1"/>
-          </p:cNvPicPr>
-          <p:nvPr/>
-        </p:nvPicPr>
-        <p:blipFill>
-          <a:blip r:embed="rId4"/>
-          <a:stretch>
-            <a:fillRect/>
-          </a:stretch>
-        </p:blipFill>
-        <p:spPr>
-          <a:xfrm>
-            <a:off x="7606715" y="2466367"/>
-            <a:ext cx="3143250" cy="2180700"/>
-          </a:xfrm>
-          <a:prstGeom prst="rect">
-            <a:avLst/>
-          </a:prstGeom>
-        </p:spPr>
-      </p:pic>
-      <p:pic>
-        <p:nvPicPr>
-          <p:cNvPr id="10" name="图片 9"/>
-          <p:cNvPicPr>
-            <a:picLocks noChangeAspect="1"/>
-          </p:cNvPicPr>
-          <p:nvPr/>
-        </p:nvPicPr>
-        <p:blipFill>
-          <a:blip r:embed="rId5"/>
-          <a:stretch>
-            <a:fillRect/>
-          </a:stretch>
-        </p:blipFill>
-        <p:spPr>
-          <a:xfrm>
-            <a:off x="7606714" y="4639837"/>
-            <a:ext cx="3143251" cy="2147121"/>
-          </a:xfrm>
-          <a:prstGeom prst="rect">
-            <a:avLst/>
-          </a:prstGeom>
-        </p:spPr>
-      </p:pic>
+          <a:noFill/>
+        </p:spPr>
+        <p:txBody>
+          <a:bodyPr wrap="square" rtlCol="0">
+            <a:spAutoFit/>
+          </a:bodyPr>
+          <a:lstStyle/>
+          <a:p>
+            <a:r>
+              <a:rPr kumimoji="1" lang="en-US" altLang="zh-CN" sz="4000" dirty="0" smtClean="0"/>
+              <a:t>Paper</a:t>
+            </a:r>
+            <a:r>
+              <a:rPr kumimoji="1" lang="zh-CN" altLang="en-US" sz="4000" dirty="0" smtClean="0"/>
+              <a:t> </a:t>
+            </a:r>
+            <a:r>
+              <a:rPr kumimoji="1" lang="en-US" altLang="zh-CN" sz="4000" dirty="0" smtClean="0"/>
+              <a:t>&amp;</a:t>
+            </a:r>
+            <a:r>
+              <a:rPr kumimoji="1" lang="zh-CN" altLang="en-US" sz="4000" dirty="0" smtClean="0"/>
+              <a:t> </a:t>
+            </a:r>
+            <a:r>
+              <a:rPr kumimoji="1" lang="en-US" altLang="zh-CN" sz="4000" dirty="0" smtClean="0"/>
+              <a:t>Related</a:t>
+            </a:r>
+            <a:r>
+              <a:rPr kumimoji="1" lang="zh-CN" altLang="en-US" sz="4000" dirty="0" smtClean="0"/>
+              <a:t> </a:t>
+            </a:r>
+            <a:r>
+              <a:rPr kumimoji="1" lang="en-US" altLang="zh-CN" sz="4000" dirty="0" smtClean="0"/>
+              <a:t>Work</a:t>
+            </a:r>
+            <a:endParaRPr kumimoji="1" lang="zh-CN" altLang="en-US" sz="4000" dirty="0"/>
+          </a:p>
+        </p:txBody>
+      </p:sp>
     </p:spTree>
     <p:extLst>
       <p:ext uri="{BB962C8B-B14F-4D97-AF65-F5344CB8AC3E}">
-        <p14:creationId xmlns:p14="http://schemas.microsoft.com/office/powerpoint/2010/main" val="341617437"/>
+        <p14:creationId xmlns:p14="http://schemas.microsoft.com/office/powerpoint/2010/main" val="1998626500"/>
       </p:ext>
     </p:extLst>
   </p:cSld>
@@ -4672,7 +5596,7 @@
           <a:p>
             <a:r>
               <a:rPr lang="en-US" dirty="0" smtClean="0"/>
-              <a:t>Social MF</a:t>
+              <a:t>Basic MF</a:t>
             </a:r>
             <a:endParaRPr lang="en-US" dirty="0"/>
           </a:p>
@@ -4688,56 +5612,41 @@
             <p:ph idx="1"/>
           </p:nvPr>
         </p:nvSpPr>
-        <p:spPr/>
+        <p:spPr>
+          <a:xfrm>
+            <a:off x="838200" y="1825625"/>
+            <a:ext cx="6241869" cy="4351338"/>
+          </a:xfrm>
+        </p:spPr>
         <p:txBody>
           <a:bodyPr/>
           <a:lstStyle/>
           <a:p>
             <a:r>
-              <a:rPr lang="en-US" dirty="0"/>
-              <a:t> Users </a:t>
-            </a:r>
-            <a:r>
               <a:rPr lang="en-US" dirty="0" smtClean="0"/>
-              <a:t>are </a:t>
-            </a:r>
-            <a:r>
-              <a:rPr lang="en-US" dirty="0"/>
-              <a:t>likely to ask for suggestions from their local </a:t>
-            </a:r>
+              <a:t>Basic MF uses SVD method to deposit the rating matrix into U*V</a:t>
+            </a:r>
+          </a:p>
+          <a:p>
+            <a:endParaRPr lang="en-US" dirty="0"/>
+          </a:p>
+          <a:p>
+            <a:endParaRPr lang="en-US" dirty="0"/>
+          </a:p>
+          <a:p>
             <a:r>
               <a:rPr lang="en-US" dirty="0" smtClean="0"/>
-              <a:t>friends</a:t>
-            </a:r>
+              <a:t>Predict unknown rating by U*V</a:t>
+            </a:r>
+          </a:p>
+          <a:p>
+            <a:endParaRPr lang="en-US" dirty="0"/>
           </a:p>
           <a:p>
             <a:r>
               <a:rPr lang="en-US" dirty="0" smtClean="0"/>
-              <a:t>Users tend </a:t>
-            </a:r>
-            <a:r>
-              <a:rPr lang="en-US" dirty="0"/>
-              <a:t>to seek suggestions from </a:t>
-            </a:r>
-            <a:r>
-              <a:rPr lang="en-US" dirty="0" smtClean="0"/>
-              <a:t>those </a:t>
-            </a:r>
-            <a:r>
-              <a:rPr lang="en-US" dirty="0"/>
-              <a:t>with high </a:t>
-            </a:r>
-            <a:r>
-              <a:rPr lang="en-US" dirty="0" smtClean="0"/>
-              <a:t>reputations</a:t>
-            </a:r>
-          </a:p>
-          <a:p>
-            <a:r>
-              <a:rPr lang="en-US" dirty="0" smtClean="0"/>
-              <a:t>Combined the two indication, social MF is modeled as:</a:t>
-            </a:r>
-            <a:endParaRPr lang="en-US" dirty="0"/>
+              <a:t>The latent factor number K chosen 30</a:t>
+            </a:r>
           </a:p>
         </p:txBody>
       </p:sp>
@@ -4757,8 +5666,80 @@
         </p:blipFill>
         <p:spPr>
           <a:xfrm>
-            <a:off x="3865348" y="3528808"/>
-            <a:ext cx="3886537" cy="533446"/>
+            <a:off x="2287006" y="4231806"/>
+            <a:ext cx="2990492" cy="514364"/>
+          </a:xfrm>
+          <a:prstGeom prst="rect">
+            <a:avLst/>
+          </a:prstGeom>
+        </p:spPr>
+      </p:pic>
+      <p:pic>
+        <p:nvPicPr>
+          <p:cNvPr id="5" name="图片 4"/>
+          <p:cNvPicPr>
+            <a:picLocks noChangeAspect="1"/>
+          </p:cNvPicPr>
+          <p:nvPr/>
+        </p:nvPicPr>
+        <p:blipFill>
+          <a:blip r:embed="rId3"/>
+          <a:stretch>
+            <a:fillRect/>
+          </a:stretch>
+        </p:blipFill>
+        <p:spPr>
+          <a:xfrm>
+            <a:off x="7080069" y="880450"/>
+            <a:ext cx="4101737" cy="2820692"/>
+          </a:xfrm>
+          <a:prstGeom prst="rect">
+            <a:avLst/>
+          </a:prstGeom>
+        </p:spPr>
+      </p:pic>
+      <p:pic>
+        <p:nvPicPr>
+          <p:cNvPr id="6" name="图片 5"/>
+          <p:cNvPicPr>
+            <a:picLocks noChangeAspect="1"/>
+          </p:cNvPicPr>
+          <p:nvPr/>
+        </p:nvPicPr>
+        <p:blipFill>
+          <a:blip r:embed="rId4"/>
+          <a:stretch>
+            <a:fillRect/>
+          </a:stretch>
+        </p:blipFill>
+        <p:spPr>
+          <a:xfrm>
+            <a:off x="2165086" y="2920386"/>
+            <a:ext cx="3826160" cy="493373"/>
+          </a:xfrm>
+          <a:prstGeom prst="rect">
+            <a:avLst/>
+          </a:prstGeom>
+        </p:spPr>
+      </p:pic>
+      <p:pic>
+        <p:nvPicPr>
+          <p:cNvPr id="7" name="图片 6"/>
+          <p:cNvPicPr>
+            <a:picLocks noChangeAspect="1"/>
+          </p:cNvPicPr>
+          <p:nvPr/>
+        </p:nvPicPr>
+        <p:blipFill>
+          <a:blip r:embed="rId5"/>
+          <a:stretch>
+            <a:fillRect/>
+          </a:stretch>
+        </p:blipFill>
+        <p:spPr>
+          <a:xfrm>
+            <a:off x="7080069" y="3701142"/>
+            <a:ext cx="4101737" cy="2842847"/>
           </a:xfrm>
           <a:prstGeom prst="rect">
             <a:avLst/>
@@ -4768,7 +5749,7 @@
     </p:spTree>
     <p:extLst>
       <p:ext uri="{BB962C8B-B14F-4D97-AF65-F5344CB8AC3E}">
-        <p14:creationId xmlns:p14="http://schemas.microsoft.com/office/powerpoint/2010/main" val="1185038310"/>
+        <p14:creationId xmlns:p14="http://schemas.microsoft.com/office/powerpoint/2010/main" val="1099051979"/>
       </p:ext>
     </p:extLst>
   </p:cSld>
@@ -4797,46 +5778,201 @@
       </p:grpSpPr>
       <p:sp>
         <p:nvSpPr>
-          <p:cNvPr id="4" name="文本框 3"/>
-          <p:cNvSpPr txBox="1"/>
+          <p:cNvPr id="2" name="标题 1"/>
+          <p:cNvSpPr>
+            <a:spLocks noGrp="1"/>
+          </p:cNvSpPr>
+          <p:nvPr>
+            <p:ph type="title"/>
+          </p:nvPr>
+        </p:nvSpPr>
+        <p:spPr/>
+        <p:txBody>
+          <a:bodyPr/>
+          <a:lstStyle/>
+          <a:p>
+            <a:r>
+              <a:rPr lang="en-US" dirty="0" smtClean="0"/>
+              <a:t>Topic MF</a:t>
+            </a:r>
+            <a:endParaRPr lang="en-US" dirty="0"/>
+          </a:p>
+        </p:txBody>
+      </p:sp>
+      <p:sp>
+        <p:nvSpPr>
+          <p:cNvPr id="3" name="内容占位符 2"/>
+          <p:cNvSpPr>
+            <a:spLocks noGrp="1"/>
+          </p:cNvSpPr>
+          <p:nvPr>
+            <p:ph idx="1"/>
+          </p:nvPr>
+        </p:nvSpPr>
+        <p:spPr>
+          <a:xfrm>
+            <a:off x="838200" y="1825625"/>
+            <a:ext cx="6616337" cy="4351338"/>
+          </a:xfrm>
+        </p:spPr>
+        <p:txBody>
+          <a:bodyPr/>
+          <a:lstStyle/>
+          <a:p>
+            <a:r>
+              <a:rPr lang="en-US" dirty="0"/>
+              <a:t>To get the topic distribution of reviews and words, LDA (Latent </a:t>
+            </a:r>
+            <a:r>
+              <a:rPr lang="en-US" dirty="0" err="1"/>
+              <a:t>Dirichlet</a:t>
+            </a:r>
+            <a:r>
+              <a:rPr lang="en-US" dirty="0"/>
+              <a:t> Allocation) is </a:t>
+            </a:r>
+            <a:r>
+              <a:rPr lang="en-US" dirty="0" smtClean="0"/>
+              <a:t>used</a:t>
+            </a:r>
+          </a:p>
+          <a:p>
+            <a:r>
+              <a:rPr lang="en-US" dirty="0" smtClean="0"/>
+              <a:t>The model is trained as:</a:t>
+            </a:r>
+          </a:p>
+          <a:p>
+            <a:endParaRPr lang="en-US" dirty="0" smtClean="0"/>
+          </a:p>
+          <a:p>
+            <a:endParaRPr lang="en-US" dirty="0"/>
+          </a:p>
+          <a:p>
+            <a:r>
+              <a:rPr lang="en-US" dirty="0" smtClean="0"/>
+              <a:t>Result after parameter adjust,</a:t>
+            </a:r>
+            <a:r>
+              <a:rPr lang="en-US" altLang="en-US" dirty="0">
+                <a:solidFill>
+                  <a:srgbClr val="000000"/>
+                </a:solidFill>
+                <a:latin typeface="Courier New" panose="02070309020205020404" pitchFamily="49" charset="0"/>
+                <a:cs typeface="Courier New" panose="02070309020205020404" pitchFamily="49" charset="0"/>
+              </a:rPr>
+              <a:t> 0.907157138867</a:t>
+            </a:r>
+            <a:r>
+              <a:rPr lang="en-US" dirty="0" smtClean="0"/>
+              <a:t> </a:t>
+            </a:r>
+          </a:p>
+          <a:p>
+            <a:endParaRPr lang="en-US" dirty="0"/>
+          </a:p>
+        </p:txBody>
+      </p:sp>
+      <p:pic>
+        <p:nvPicPr>
+          <p:cNvPr id="4" name="图片 3"/>
+          <p:cNvPicPr>
+            <a:picLocks noChangeAspect="1"/>
+          </p:cNvPicPr>
           <p:nvPr/>
-        </p:nvSpPr>
-        <p:spPr>
-          <a:xfrm>
-            <a:off x="4060371" y="446314"/>
-            <a:ext cx="3929743" cy="646331"/>
+        </p:nvPicPr>
+        <p:blipFill>
+          <a:blip r:embed="rId2"/>
+          <a:stretch>
+            <a:fillRect/>
+          </a:stretch>
+        </p:blipFill>
+        <p:spPr>
+          <a:xfrm>
+            <a:off x="2163383" y="3715519"/>
+            <a:ext cx="3528366" cy="571550"/>
           </a:xfrm>
           <a:prstGeom prst="rect">
             <a:avLst/>
           </a:prstGeom>
-          <a:noFill/>
-        </p:spPr>
-        <p:txBody>
-          <a:bodyPr wrap="square" rtlCol="0">
-            <a:spAutoFit/>
-          </a:bodyPr>
-          <a:lstStyle/>
-          <a:p>
-            <a:r>
-              <a:rPr kumimoji="1" lang="en-US" altLang="zh-CN" sz="3600" dirty="0" smtClean="0"/>
-              <a:t>Improved</a:t>
-            </a:r>
-            <a:r>
-              <a:rPr kumimoji="1" lang="zh-CN" altLang="en-US" sz="3600" dirty="0" smtClean="0"/>
-              <a:t> </a:t>
-            </a:r>
-            <a:r>
-              <a:rPr kumimoji="1" lang="en-US" altLang="zh-CN" sz="3600" dirty="0" smtClean="0"/>
-              <a:t>Work</a:t>
-            </a:r>
-            <a:endParaRPr kumimoji="1" lang="zh-CN" altLang="en-US" sz="3600" dirty="0"/>
-          </a:p>
-        </p:txBody>
-      </p:sp>
+        </p:spPr>
+      </p:pic>
+      <p:pic>
+        <p:nvPicPr>
+          <p:cNvPr id="8" name="图片 7"/>
+          <p:cNvPicPr>
+            <a:picLocks noChangeAspect="1"/>
+          </p:cNvPicPr>
+          <p:nvPr/>
+        </p:nvPicPr>
+        <p:blipFill>
+          <a:blip r:embed="rId3"/>
+          <a:stretch>
+            <a:fillRect/>
+          </a:stretch>
+        </p:blipFill>
+        <p:spPr>
+          <a:xfrm>
+            <a:off x="7606714" y="234494"/>
+            <a:ext cx="3143251" cy="2232632"/>
+          </a:xfrm>
+          <a:prstGeom prst="rect">
+            <a:avLst/>
+          </a:prstGeom>
+        </p:spPr>
+      </p:pic>
+      <p:pic>
+        <p:nvPicPr>
+          <p:cNvPr id="9" name="图片 8"/>
+          <p:cNvPicPr>
+            <a:picLocks noChangeAspect="1"/>
+          </p:cNvPicPr>
+          <p:nvPr/>
+        </p:nvPicPr>
+        <p:blipFill>
+          <a:blip r:embed="rId4"/>
+          <a:stretch>
+            <a:fillRect/>
+          </a:stretch>
+        </p:blipFill>
+        <p:spPr>
+          <a:xfrm>
+            <a:off x="7606715" y="2466367"/>
+            <a:ext cx="3143250" cy="2180700"/>
+          </a:xfrm>
+          <a:prstGeom prst="rect">
+            <a:avLst/>
+          </a:prstGeom>
+        </p:spPr>
+      </p:pic>
+      <p:pic>
+        <p:nvPicPr>
+          <p:cNvPr id="10" name="图片 9"/>
+          <p:cNvPicPr>
+            <a:picLocks noChangeAspect="1"/>
+          </p:cNvPicPr>
+          <p:nvPr/>
+        </p:nvPicPr>
+        <p:blipFill>
+          <a:blip r:embed="rId5"/>
+          <a:stretch>
+            <a:fillRect/>
+          </a:stretch>
+        </p:blipFill>
+        <p:spPr>
+          <a:xfrm>
+            <a:off x="7606714" y="4639837"/>
+            <a:ext cx="3143251" cy="2147121"/>
+          </a:xfrm>
+          <a:prstGeom prst="rect">
+            <a:avLst/>
+          </a:prstGeom>
+        </p:spPr>
+      </p:pic>
     </p:spTree>
     <p:extLst>
       <p:ext uri="{BB962C8B-B14F-4D97-AF65-F5344CB8AC3E}">
-        <p14:creationId xmlns:p14="http://schemas.microsoft.com/office/powerpoint/2010/main" val="1592874697"/>
+        <p14:creationId xmlns:p14="http://schemas.microsoft.com/office/powerpoint/2010/main" val="341617437"/>
       </p:ext>
     </p:extLst>
   </p:cSld>
@@ -4863,40 +5999,143 @@
           <a:chExt cx="0" cy="0"/>
         </a:xfrm>
       </p:grpSpPr>
-      <p:sp>
-        <p:nvSpPr>
-          <p:cNvPr id="4" name="文本框 3"/>
-          <p:cNvSpPr txBox="1"/>
+      <p:pic>
+        <p:nvPicPr>
+          <p:cNvPr id="4" name="Picture 3"/>
+          <p:cNvPicPr>
+            <a:picLocks noChangeAspect="1"/>
+          </p:cNvPicPr>
           <p:nvPr/>
-        </p:nvSpPr>
-        <p:spPr>
-          <a:xfrm>
-            <a:off x="5279570" y="500743"/>
-            <a:ext cx="1415144" cy="646331"/>
+        </p:nvPicPr>
+        <p:blipFill>
+          <a:blip r:embed="rId2">
+            <a:extLst>
+              <a:ext uri="{28A0092B-C50C-407E-A947-70E740481C1C}">
+                <a14:useLocalDpi xmlns:a14="http://schemas.microsoft.com/office/drawing/2010/main" val="0"/>
+              </a:ext>
+            </a:extLst>
+          </a:blip>
+          <a:stretch>
+            <a:fillRect/>
+          </a:stretch>
+        </p:blipFill>
+        <p:spPr>
+          <a:xfrm>
+            <a:off x="5562600" y="923290"/>
+            <a:ext cx="5852160" cy="4389120"/>
           </a:xfrm>
           <a:prstGeom prst="rect">
             <a:avLst/>
           </a:prstGeom>
-          <a:noFill/>
-        </p:spPr>
-        <p:txBody>
-          <a:bodyPr wrap="square" rtlCol="0">
+        </p:spPr>
+      </p:pic>
+      <p:sp>
+        <p:nvSpPr>
+          <p:cNvPr id="5" name="Rectangle 4"/>
+          <p:cNvSpPr/>
+          <p:nvPr/>
+        </p:nvSpPr>
+        <p:spPr>
+          <a:xfrm>
+            <a:off x="487680" y="1323340"/>
+            <a:ext cx="4846320" cy="4524315"/>
+          </a:xfrm>
+          <a:prstGeom prst="rect">
+            <a:avLst/>
+          </a:prstGeom>
+        </p:spPr>
+        <p:txBody>
+          <a:bodyPr wrap="square">
             <a:spAutoFit/>
           </a:bodyPr>
           <a:lstStyle/>
           <a:p>
             <a:r>
-              <a:rPr kumimoji="1" lang="en-US" altLang="zh-CN" sz="3600" smtClean="0"/>
-              <a:t>Result</a:t>
-            </a:r>
-            <a:endParaRPr kumimoji="1" lang="zh-CN" altLang="en-US" sz="3600" dirty="0"/>
-          </a:p>
-        </p:txBody>
-      </p:sp>
+              <a:rPr lang="en-US" sz="2400" dirty="0" smtClean="0"/>
+              <a:t>Pre-processed </a:t>
+            </a:r>
+            <a:r>
+              <a:rPr lang="en-US" sz="2400" dirty="0"/>
+              <a:t>all reviews </a:t>
+            </a:r>
+          </a:p>
+          <a:p>
+            <a:endParaRPr lang="en-US" sz="2400" dirty="0"/>
+          </a:p>
+          <a:p>
+            <a:r>
+              <a:rPr lang="en-US" sz="2400" dirty="0" smtClean="0"/>
+              <a:t>For </a:t>
+            </a:r>
+            <a:r>
+              <a:rPr lang="en-US" sz="2400" dirty="0"/>
+              <a:t>each business, we grouped all its reviews in training data as bag-of-words, and then use the LDA library to calculate the topic distribution for each business. </a:t>
+            </a:r>
+            <a:endParaRPr lang="en-US" sz="2400" dirty="0" smtClean="0"/>
+          </a:p>
+          <a:p>
+            <a:endParaRPr lang="en-US" sz="2400" dirty="0"/>
+          </a:p>
+          <a:p>
+            <a:r>
+              <a:rPr lang="en-US" sz="2400" dirty="0" smtClean="0"/>
+              <a:t>For </a:t>
+            </a:r>
+            <a:r>
+              <a:rPr lang="en-US" sz="2400" dirty="0"/>
+              <a:t>each user, we calculate his/her topic rating using linear regression based on his/her real-ratings in </a:t>
+            </a:r>
+            <a:r>
+              <a:rPr lang="en-US" sz="2400" dirty="0" smtClean="0"/>
+              <a:t>training </a:t>
+            </a:r>
+            <a:r>
+              <a:rPr lang="en-US" sz="2400" dirty="0"/>
+              <a:t>data </a:t>
+            </a:r>
+            <a:r>
+              <a:rPr lang="en-US" sz="2400" dirty="0" smtClean="0"/>
+              <a:t>subtract </a:t>
+            </a:r>
+            <a:r>
+              <a:rPr lang="en-US" sz="2400" dirty="0" err="1"/>
+              <a:t>Ubb</a:t>
+            </a:r>
+            <a:r>
+              <a:rPr lang="en-US" sz="2400" dirty="0"/>
+              <a:t>. </a:t>
+            </a:r>
+          </a:p>
+        </p:txBody>
+      </p:sp>
+      <p:pic>
+        <p:nvPicPr>
+          <p:cNvPr id="6" name="Picture 5"/>
+          <p:cNvPicPr>
+            <a:picLocks noChangeAspect="1"/>
+          </p:cNvPicPr>
+          <p:nvPr/>
+        </p:nvPicPr>
+        <p:blipFill>
+          <a:blip r:embed="rId3"/>
+          <a:stretch>
+            <a:fillRect/>
+          </a:stretch>
+        </p:blipFill>
+        <p:spPr>
+          <a:xfrm>
+            <a:off x="5104130" y="5536505"/>
+            <a:ext cx="6769100" cy="622300"/>
+          </a:xfrm>
+          <a:prstGeom prst="rect">
+            <a:avLst/>
+          </a:prstGeom>
+        </p:spPr>
+      </p:pic>
     </p:spTree>
     <p:extLst>
       <p:ext uri="{BB962C8B-B14F-4D97-AF65-F5344CB8AC3E}">
-        <p14:creationId xmlns:p14="http://schemas.microsoft.com/office/powerpoint/2010/main" val="1930989165"/>
+        <p14:creationId xmlns:p14="http://schemas.microsoft.com/office/powerpoint/2010/main" val="798641859"/>
       </p:ext>
     </p:extLst>
   </p:cSld>
@@ -5165,4 +6404,265 @@
     </a:ext>
   </a:extLst>
 </a:theme>
+</file>
+
+<file path=ppt/theme/theme2.xml><?xml version="1.0" encoding="utf-8"?>
+<a:theme xmlns:a="http://schemas.openxmlformats.org/drawingml/2006/main" name="Office Theme">
+  <a:themeElements>
+    <a:clrScheme name="Office">
+      <a:dk1>
+        <a:sysClr val="windowText" lastClr="000000"/>
+      </a:dk1>
+      <a:lt1>
+        <a:sysClr val="window" lastClr="FFFFFF"/>
+      </a:lt1>
+      <a:dk2>
+        <a:srgbClr val="44546A"/>
+      </a:dk2>
+      <a:lt2>
+        <a:srgbClr val="E7E6E6"/>
+      </a:lt2>
+      <a:accent1>
+        <a:srgbClr val="4472C4"/>
+      </a:accent1>
+      <a:accent2>
+        <a:srgbClr val="ED7D31"/>
+      </a:accent2>
+      <a:accent3>
+        <a:srgbClr val="A5A5A5"/>
+      </a:accent3>
+      <a:accent4>
+        <a:srgbClr val="FFC000"/>
+      </a:accent4>
+      <a:accent5>
+        <a:srgbClr val="5B9BD5"/>
+      </a:accent5>
+      <a:accent6>
+        <a:srgbClr val="70AD47"/>
+      </a:accent6>
+      <a:hlink>
+        <a:srgbClr val="0563C1"/>
+      </a:hlink>
+      <a:folHlink>
+        <a:srgbClr val="954F72"/>
+      </a:folHlink>
+    </a:clrScheme>
+    <a:fontScheme name="Office">
+      <a:majorFont>
+        <a:latin typeface="Calibri Light" panose="020F0302020204030204"/>
+        <a:ea typeface=""/>
+        <a:cs typeface=""/>
+        <a:font script="Jpan" typeface="Yu Gothic Light"/>
+        <a:font script="Hang" typeface="맑은 고딕"/>
+        <a:font script="Hans" typeface="DengXian Light"/>
+        <a:font script="Hant" typeface="新細明體"/>
+        <a:font script="Arab" typeface="Times New Roman"/>
+        <a:font script="Hebr" typeface="Times New Roman"/>
+        <a:font script="Thai" typeface="Angsana New"/>
+        <a:font script="Ethi" typeface="Nyala"/>
+        <a:font script="Beng" typeface="Vrinda"/>
+        <a:font script="Gujr" typeface="Shruti"/>
+        <a:font script="Khmr" typeface="MoolBoran"/>
+        <a:font script="Knda" typeface="Tunga"/>
+        <a:font script="Guru" typeface="Raavi"/>
+        <a:font script="Cans" typeface="Euphemia"/>
+        <a:font script="Cher" typeface="Plantagenet Cherokee"/>
+        <a:font script="Yiii" typeface="Microsoft Yi Baiti"/>
+        <a:font script="Tibt" typeface="Microsoft Himalaya"/>
+        <a:font script="Thaa" typeface="MV Boli"/>
+        <a:font script="Deva" typeface="Mangal"/>
+        <a:font script="Telu" typeface="Gautami"/>
+        <a:font script="Taml" typeface="Latha"/>
+        <a:font script="Syrc" typeface="Estrangelo Edessa"/>
+        <a:font script="Orya" typeface="Kalinga"/>
+        <a:font script="Mlym" typeface="Kartika"/>
+        <a:font script="Laoo" typeface="DokChampa"/>
+        <a:font script="Sinh" typeface="Iskoola Pota"/>
+        <a:font script="Mong" typeface="Mongolian Baiti"/>
+        <a:font script="Viet" typeface="Times New Roman"/>
+        <a:font script="Uigh" typeface="Microsoft Uighur"/>
+        <a:font script="Geor" typeface="Sylfaen"/>
+      </a:majorFont>
+      <a:minorFont>
+        <a:latin typeface="Calibri" panose="020F0502020204030204"/>
+        <a:ea typeface=""/>
+        <a:cs typeface=""/>
+        <a:font script="Jpan" typeface="Yu Gothic"/>
+        <a:font script="Hang" typeface="맑은 고딕"/>
+        <a:font script="Hans" typeface="DengXian"/>
+        <a:font script="Hant" typeface="新細明體"/>
+        <a:font script="Arab" typeface="Arial"/>
+        <a:font script="Hebr" typeface="Arial"/>
+        <a:font script="Thai" typeface="Cordia New"/>
+        <a:font script="Ethi" typeface="Nyala"/>
+        <a:font script="Beng" typeface="Vrinda"/>
+        <a:font script="Gujr" typeface="Shruti"/>
+        <a:font script="Khmr" typeface="DaunPenh"/>
+        <a:font script="Knda" typeface="Tunga"/>
+        <a:font script="Guru" typeface="Raavi"/>
+        <a:font script="Cans" typeface="Euphemia"/>
+        <a:font script="Cher" typeface="Plantagenet Cherokee"/>
+        <a:font script="Yiii" typeface="Microsoft Yi Baiti"/>
+        <a:font script="Tibt" typeface="Microsoft Himalaya"/>
+        <a:font script="Thaa" typeface="MV Boli"/>
+        <a:font script="Deva" typeface="Mangal"/>
+        <a:font script="Telu" typeface="Gautami"/>
+        <a:font script="Taml" typeface="Latha"/>
+        <a:font script="Syrc" typeface="Estrangelo Edessa"/>
+        <a:font script="Orya" typeface="Kalinga"/>
+        <a:font script="Mlym" typeface="Kartika"/>
+        <a:font script="Laoo" typeface="DokChampa"/>
+        <a:font script="Sinh" typeface="Iskoola Pota"/>
+        <a:font script="Mong" typeface="Mongolian Baiti"/>
+        <a:font script="Viet" typeface="Arial"/>
+        <a:font script="Uigh" typeface="Microsoft Uighur"/>
+        <a:font script="Geor" typeface="Sylfaen"/>
+      </a:minorFont>
+    </a:fontScheme>
+    <a:fmtScheme name="Office">
+      <a:fillStyleLst>
+        <a:solidFill>
+          <a:schemeClr val="phClr"/>
+        </a:solidFill>
+        <a:gradFill rotWithShape="1">
+          <a:gsLst>
+            <a:gs pos="0">
+              <a:schemeClr val="phClr">
+                <a:lumMod val="110000"/>
+                <a:satMod val="105000"/>
+                <a:tint val="67000"/>
+              </a:schemeClr>
+            </a:gs>
+            <a:gs pos="50000">
+              <a:schemeClr val="phClr">
+                <a:lumMod val="105000"/>
+                <a:satMod val="103000"/>
+                <a:tint val="73000"/>
+              </a:schemeClr>
+            </a:gs>
+            <a:gs pos="100000">
+              <a:schemeClr val="phClr">
+                <a:lumMod val="105000"/>
+                <a:satMod val="109000"/>
+                <a:tint val="81000"/>
+              </a:schemeClr>
+            </a:gs>
+          </a:gsLst>
+          <a:lin ang="5400000" scaled="0"/>
+        </a:gradFill>
+        <a:gradFill rotWithShape="1">
+          <a:gsLst>
+            <a:gs pos="0">
+              <a:schemeClr val="phClr">
+                <a:satMod val="103000"/>
+                <a:lumMod val="102000"/>
+                <a:tint val="94000"/>
+              </a:schemeClr>
+            </a:gs>
+            <a:gs pos="50000">
+              <a:schemeClr val="phClr">
+                <a:satMod val="110000"/>
+                <a:lumMod val="100000"/>
+                <a:shade val="100000"/>
+              </a:schemeClr>
+            </a:gs>
+            <a:gs pos="100000">
+              <a:schemeClr val="phClr">
+                <a:lumMod val="99000"/>
+                <a:satMod val="120000"/>
+                <a:shade val="78000"/>
+              </a:schemeClr>
+            </a:gs>
+          </a:gsLst>
+          <a:lin ang="5400000" scaled="0"/>
+        </a:gradFill>
+      </a:fillStyleLst>
+      <a:lnStyleLst>
+        <a:ln w="6350" cap="flat" cmpd="sng" algn="ctr">
+          <a:solidFill>
+            <a:schemeClr val="phClr"/>
+          </a:solidFill>
+          <a:prstDash val="solid"/>
+          <a:miter lim="800000"/>
+        </a:ln>
+        <a:ln w="12700" cap="flat" cmpd="sng" algn="ctr">
+          <a:solidFill>
+            <a:schemeClr val="phClr"/>
+          </a:solidFill>
+          <a:prstDash val="solid"/>
+          <a:miter lim="800000"/>
+        </a:ln>
+        <a:ln w="19050" cap="flat" cmpd="sng" algn="ctr">
+          <a:solidFill>
+            <a:schemeClr val="phClr"/>
+          </a:solidFill>
+          <a:prstDash val="solid"/>
+          <a:miter lim="800000"/>
+        </a:ln>
+      </a:lnStyleLst>
+      <a:effectStyleLst>
+        <a:effectStyle>
+          <a:effectLst/>
+        </a:effectStyle>
+        <a:effectStyle>
+          <a:effectLst/>
+        </a:effectStyle>
+        <a:effectStyle>
+          <a:effectLst>
+            <a:outerShdw blurRad="57150" dist="19050" dir="5400000" algn="ctr" rotWithShape="0">
+              <a:srgbClr val="000000">
+                <a:alpha val="63000"/>
+              </a:srgbClr>
+            </a:outerShdw>
+          </a:effectLst>
+        </a:effectStyle>
+      </a:effectStyleLst>
+      <a:bgFillStyleLst>
+        <a:solidFill>
+          <a:schemeClr val="phClr"/>
+        </a:solidFill>
+        <a:solidFill>
+          <a:schemeClr val="phClr">
+            <a:tint val="95000"/>
+            <a:satMod val="170000"/>
+          </a:schemeClr>
+        </a:solidFill>
+        <a:gradFill rotWithShape="1">
+          <a:gsLst>
+            <a:gs pos="0">
+              <a:schemeClr val="phClr">
+                <a:tint val="93000"/>
+                <a:satMod val="150000"/>
+                <a:shade val="98000"/>
+                <a:lumMod val="102000"/>
+              </a:schemeClr>
+            </a:gs>
+            <a:gs pos="50000">
+              <a:schemeClr val="phClr">
+                <a:tint val="98000"/>
+                <a:satMod val="130000"/>
+                <a:shade val="90000"/>
+                <a:lumMod val="103000"/>
+              </a:schemeClr>
+            </a:gs>
+            <a:gs pos="100000">
+              <a:schemeClr val="phClr">
+                <a:shade val="63000"/>
+                <a:satMod val="120000"/>
+              </a:schemeClr>
+            </a:gs>
+          </a:gsLst>
+          <a:lin ang="5400000" scaled="0"/>
+        </a:gradFill>
+      </a:bgFillStyleLst>
+    </a:fmtScheme>
+  </a:themeElements>
+  <a:objectDefaults/>
+  <a:extraClrSchemeLst/>
+  <a:extLst>
+    <a:ext uri="{05A4C25C-085E-4340-85A3-A5531E510DB2}">
+      <thm15:themeFamily xmlns:thm15="http://schemas.microsoft.com/office/thememl/2012/main" name="Office Theme" id="{62F939B6-93AF-4DB8-9C6B-D6C7DFDC589F}" vid="{4A3C46E8-61CC-4603-A589-7422A47A8E4A}"/>
+    </a:ext>
+  </a:extLst>
+</a:theme>
 </file>
--- a/final review.pptx
+++ b/final review.pptx
@@ -5,22 +5,19 @@
     <p:sldMasterId id="2147483648" r:id="rId1"/>
   </p:sldMasterIdLst>
   <p:notesMasterIdLst>
-    <p:notesMasterId r:id="rId15"/>
+    <p:notesMasterId r:id="rId12"/>
   </p:notesMasterIdLst>
   <p:sldIdLst>
     <p:sldId id="256" r:id="rId2"/>
     <p:sldId id="257" r:id="rId3"/>
-    <p:sldId id="258" r:id="rId4"/>
-    <p:sldId id="271" r:id="rId5"/>
-    <p:sldId id="269" r:id="rId6"/>
-    <p:sldId id="259" r:id="rId7"/>
-    <p:sldId id="261" r:id="rId8"/>
-    <p:sldId id="262" r:id="rId9"/>
-    <p:sldId id="272" r:id="rId10"/>
-    <p:sldId id="263" r:id="rId11"/>
-    <p:sldId id="273" r:id="rId12"/>
-    <p:sldId id="266" r:id="rId13"/>
-    <p:sldId id="265" r:id="rId14"/>
+    <p:sldId id="271" r:id="rId4"/>
+    <p:sldId id="269" r:id="rId5"/>
+    <p:sldId id="261" r:id="rId6"/>
+    <p:sldId id="262" r:id="rId7"/>
+    <p:sldId id="272" r:id="rId8"/>
+    <p:sldId id="263" r:id="rId9"/>
+    <p:sldId id="273" r:id="rId10"/>
+    <p:sldId id="266" r:id="rId11"/>
   </p:sldIdLst>
   <p:sldSz cx="12192000" cy="6858000"/>
   <p:notesSz cx="6858000" cy="9144000"/>
@@ -608,7 +605,7 @@
           <a:p>
             <a:fld id="{B537FE5E-B1C9-FC46-A51B-3B3EFB6CE5C5}" type="datetimeFigureOut">
               <a:rPr kumimoji="1" lang="zh-CN" altLang="en-US" smtClean="0"/>
-              <a:t>2017/5/3</a:t>
+              <a:t>17/5/3</a:t>
             </a:fld>
             <a:endParaRPr kumimoji="1" lang="zh-CN" altLang="en-US"/>
           </a:p>
@@ -778,7 +775,7 @@
           <a:p>
             <a:fld id="{B537FE5E-B1C9-FC46-A51B-3B3EFB6CE5C5}" type="datetimeFigureOut">
               <a:rPr kumimoji="1" lang="zh-CN" altLang="en-US" smtClean="0"/>
-              <a:t>2017/5/3</a:t>
+              <a:t>17/5/3</a:t>
             </a:fld>
             <a:endParaRPr kumimoji="1" lang="zh-CN" altLang="en-US"/>
           </a:p>
@@ -958,7 +955,7 @@
           <a:p>
             <a:fld id="{B537FE5E-B1C9-FC46-A51B-3B3EFB6CE5C5}" type="datetimeFigureOut">
               <a:rPr kumimoji="1" lang="zh-CN" altLang="en-US" smtClean="0"/>
-              <a:t>2017/5/3</a:t>
+              <a:t>17/5/3</a:t>
             </a:fld>
             <a:endParaRPr kumimoji="1" lang="zh-CN" altLang="en-US"/>
           </a:p>
@@ -1128,7 +1125,7 @@
           <a:p>
             <a:fld id="{B537FE5E-B1C9-FC46-A51B-3B3EFB6CE5C5}" type="datetimeFigureOut">
               <a:rPr kumimoji="1" lang="zh-CN" altLang="en-US" smtClean="0"/>
-              <a:t>2017/5/3</a:t>
+              <a:t>17/5/3</a:t>
             </a:fld>
             <a:endParaRPr kumimoji="1" lang="zh-CN" altLang="en-US"/>
           </a:p>
@@ -1374,7 +1371,7 @@
           <a:p>
             <a:fld id="{B537FE5E-B1C9-FC46-A51B-3B3EFB6CE5C5}" type="datetimeFigureOut">
               <a:rPr kumimoji="1" lang="zh-CN" altLang="en-US" smtClean="0"/>
-              <a:t>2017/5/3</a:t>
+              <a:t>17/5/3</a:t>
             </a:fld>
             <a:endParaRPr kumimoji="1" lang="zh-CN" altLang="en-US"/>
           </a:p>
@@ -1606,7 +1603,7 @@
           <a:p>
             <a:fld id="{B537FE5E-B1C9-FC46-A51B-3B3EFB6CE5C5}" type="datetimeFigureOut">
               <a:rPr kumimoji="1" lang="zh-CN" altLang="en-US" smtClean="0"/>
-              <a:t>2017/5/3</a:t>
+              <a:t>17/5/3</a:t>
             </a:fld>
             <a:endParaRPr kumimoji="1" lang="zh-CN" altLang="en-US"/>
           </a:p>
@@ -1973,7 +1970,7 @@
           <a:p>
             <a:fld id="{B537FE5E-B1C9-FC46-A51B-3B3EFB6CE5C5}" type="datetimeFigureOut">
               <a:rPr kumimoji="1" lang="zh-CN" altLang="en-US" smtClean="0"/>
-              <a:t>2017/5/3</a:t>
+              <a:t>17/5/3</a:t>
             </a:fld>
             <a:endParaRPr kumimoji="1" lang="zh-CN" altLang="en-US"/>
           </a:p>
@@ -2091,7 +2088,7 @@
           <a:p>
             <a:fld id="{B537FE5E-B1C9-FC46-A51B-3B3EFB6CE5C5}" type="datetimeFigureOut">
               <a:rPr kumimoji="1" lang="zh-CN" altLang="en-US" smtClean="0"/>
-              <a:t>2017/5/3</a:t>
+              <a:t>17/5/3</a:t>
             </a:fld>
             <a:endParaRPr kumimoji="1" lang="zh-CN" altLang="en-US"/>
           </a:p>
@@ -2186,7 +2183,7 @@
           <a:p>
             <a:fld id="{B537FE5E-B1C9-FC46-A51B-3B3EFB6CE5C5}" type="datetimeFigureOut">
               <a:rPr kumimoji="1" lang="zh-CN" altLang="en-US" smtClean="0"/>
-              <a:t>2017/5/3</a:t>
+              <a:t>17/5/3</a:t>
             </a:fld>
             <a:endParaRPr kumimoji="1" lang="zh-CN" altLang="en-US"/>
           </a:p>
@@ -2463,7 +2460,7 @@
           <a:p>
             <a:fld id="{B537FE5E-B1C9-FC46-A51B-3B3EFB6CE5C5}" type="datetimeFigureOut">
               <a:rPr kumimoji="1" lang="zh-CN" altLang="en-US" smtClean="0"/>
-              <a:t>2017/5/3</a:t>
+              <a:t>17/5/3</a:t>
             </a:fld>
             <a:endParaRPr kumimoji="1" lang="zh-CN" altLang="en-US"/>
           </a:p>
@@ -2716,7 +2713,7 @@
           <a:p>
             <a:fld id="{B537FE5E-B1C9-FC46-A51B-3B3EFB6CE5C5}" type="datetimeFigureOut">
               <a:rPr kumimoji="1" lang="zh-CN" altLang="en-US" smtClean="0"/>
-              <a:t>2017/5/3</a:t>
+              <a:t>17/5/3</a:t>
             </a:fld>
             <a:endParaRPr kumimoji="1" lang="zh-CN" altLang="en-US"/>
           </a:p>
@@ -2938,7 +2935,7 @@
           <a:p>
             <a:fld id="{B537FE5E-B1C9-FC46-A51B-3B3EFB6CE5C5}" type="datetimeFigureOut">
               <a:rPr kumimoji="1" lang="zh-CN" altLang="en-US" smtClean="0"/>
-              <a:t>2017/5/3</a:t>
+              <a:t>17/5/3</a:t>
             </a:fld>
             <a:endParaRPr kumimoji="1" lang="zh-CN" altLang="en-US"/>
           </a:p>
@@ -3405,238 +3402,14 @@
       </p:grpSpPr>
       <p:sp>
         <p:nvSpPr>
-          <p:cNvPr id="2" name="标题 1"/>
-          <p:cNvSpPr>
-            <a:spLocks noGrp="1"/>
-          </p:cNvSpPr>
-          <p:nvPr>
-            <p:ph type="title"/>
-          </p:nvPr>
-        </p:nvSpPr>
-        <p:spPr/>
-        <p:txBody>
-          <a:bodyPr/>
-          <a:lstStyle/>
-          <a:p>
-            <a:r>
-              <a:rPr lang="en-US" dirty="0" smtClean="0"/>
-              <a:t>Social MF</a:t>
-            </a:r>
-            <a:endParaRPr lang="en-US" dirty="0"/>
-          </a:p>
-        </p:txBody>
-      </p:sp>
-      <p:sp>
-        <p:nvSpPr>
-          <p:cNvPr id="3" name="内容占位符 2"/>
-          <p:cNvSpPr>
-            <a:spLocks noGrp="1"/>
-          </p:cNvSpPr>
-          <p:nvPr>
-            <p:ph idx="1"/>
-          </p:nvPr>
-        </p:nvSpPr>
-        <p:spPr/>
-        <p:txBody>
-          <a:bodyPr/>
-          <a:lstStyle/>
-          <a:p>
-            <a:r>
-              <a:rPr lang="en-US" dirty="0" smtClean="0"/>
-              <a:t>Users </a:t>
-            </a:r>
-            <a:r>
-              <a:rPr lang="en-US" dirty="0" smtClean="0"/>
-              <a:t>are </a:t>
-            </a:r>
-            <a:r>
-              <a:rPr lang="en-US" dirty="0"/>
-              <a:t>likely to ask for suggestions from their local </a:t>
-            </a:r>
-            <a:r>
-              <a:rPr lang="en-US" dirty="0" smtClean="0"/>
-              <a:t>friends</a:t>
-            </a:r>
-          </a:p>
-          <a:p>
-            <a:r>
-              <a:rPr lang="en-US" dirty="0" smtClean="0"/>
-              <a:t>Users tend </a:t>
-            </a:r>
-            <a:r>
-              <a:rPr lang="en-US" dirty="0"/>
-              <a:t>to seek suggestions from </a:t>
-            </a:r>
-            <a:r>
-              <a:rPr lang="en-US" dirty="0" smtClean="0"/>
-              <a:t>those </a:t>
-            </a:r>
-            <a:r>
-              <a:rPr lang="en-US" dirty="0"/>
-              <a:t>with high </a:t>
-            </a:r>
-            <a:r>
-              <a:rPr lang="en-US" dirty="0" smtClean="0"/>
-              <a:t>reputations</a:t>
-            </a:r>
-          </a:p>
-          <a:p>
-            <a:r>
-              <a:rPr lang="en-US" dirty="0" smtClean="0"/>
-              <a:t>Combined the two indication, social MF is modeled as:</a:t>
-            </a:r>
-            <a:endParaRPr lang="en-US" dirty="0"/>
-          </a:p>
-        </p:txBody>
-      </p:sp>
-      <p:pic>
-        <p:nvPicPr>
-          <p:cNvPr id="4" name="图片 3"/>
-          <p:cNvPicPr>
-            <a:picLocks noChangeAspect="1"/>
-          </p:cNvPicPr>
-          <p:nvPr/>
-        </p:nvPicPr>
-        <p:blipFill>
-          <a:blip r:embed="rId2"/>
-          <a:stretch>
-            <a:fillRect/>
-          </a:stretch>
-        </p:blipFill>
-        <p:spPr>
-          <a:xfrm>
-            <a:off x="3865348" y="3528808"/>
-            <a:ext cx="3886537" cy="533446"/>
-          </a:xfrm>
-          <a:prstGeom prst="rect">
-            <a:avLst/>
-          </a:prstGeom>
-        </p:spPr>
-      </p:pic>
-    </p:spTree>
-    <p:extLst>
-      <p:ext uri="{BB962C8B-B14F-4D97-AF65-F5344CB8AC3E}">
-        <p14:creationId xmlns:p14="http://schemas.microsoft.com/office/powerpoint/2010/main" val="1185038310"/>
-      </p:ext>
-    </p:extLst>
-  </p:cSld>
-  <p:clrMapOvr>
-    <a:masterClrMapping/>
-  </p:clrMapOvr>
-</p:sld>
-</file>
-
-<file path=ppt/slides/slide11.xml><?xml version="1.0" encoding="utf-8"?>
-<p:sld xmlns:a="http://schemas.openxmlformats.org/drawingml/2006/main" xmlns:r="http://schemas.openxmlformats.org/officeDocument/2006/relationships" xmlns:p="http://schemas.openxmlformats.org/presentationml/2006/main">
-  <p:cSld>
-    <p:spTree>
-      <p:nvGrpSpPr>
-        <p:cNvPr id="1" name=""/>
-        <p:cNvGrpSpPr/>
-        <p:nvPr/>
-      </p:nvGrpSpPr>
-      <p:grpSpPr>
-        <a:xfrm>
-          <a:off x="0" y="0"/>
-          <a:ext cx="0" cy="0"/>
-          <a:chOff x="0" y="0"/>
-          <a:chExt cx="0" cy="0"/>
-        </a:xfrm>
-      </p:grpSpPr>
-      <p:pic>
-        <p:nvPicPr>
-          <p:cNvPr id="4" name="Picture 3"/>
-          <p:cNvPicPr>
-            <a:picLocks noChangeAspect="1"/>
-          </p:cNvPicPr>
-          <p:nvPr/>
-        </p:nvPicPr>
-        <p:blipFill>
-          <a:blip r:embed="rId2">
-            <a:extLst>
-              <a:ext uri="{28A0092B-C50C-407E-A947-70E740481C1C}">
-                <a14:useLocalDpi xmlns:a14="http://schemas.microsoft.com/office/drawing/2010/main" val="0"/>
-              </a:ext>
-            </a:extLst>
-          </a:blip>
-          <a:stretch>
-            <a:fillRect/>
-          </a:stretch>
-        </p:blipFill>
-        <p:spPr>
-          <a:xfrm>
-            <a:off x="3192780" y="406400"/>
-            <a:ext cx="5852160" cy="4389120"/>
-          </a:xfrm>
-          <a:prstGeom prst="rect">
-            <a:avLst/>
-          </a:prstGeom>
-        </p:spPr>
-      </p:pic>
-      <p:pic>
-        <p:nvPicPr>
-          <p:cNvPr id="2" name="Picture 1"/>
-          <p:cNvPicPr>
-            <a:picLocks noChangeAspect="1"/>
-          </p:cNvPicPr>
-          <p:nvPr/>
-        </p:nvPicPr>
-        <p:blipFill>
-          <a:blip r:embed="rId3"/>
-          <a:stretch>
-            <a:fillRect/>
-          </a:stretch>
-        </p:blipFill>
-        <p:spPr>
-          <a:xfrm>
-            <a:off x="2499360" y="4795520"/>
-            <a:ext cx="7239000" cy="1701800"/>
-          </a:xfrm>
-          <a:prstGeom prst="rect">
-            <a:avLst/>
-          </a:prstGeom>
-        </p:spPr>
-      </p:pic>
-    </p:spTree>
-    <p:extLst>
-      <p:ext uri="{BB962C8B-B14F-4D97-AF65-F5344CB8AC3E}">
-        <p14:creationId xmlns:p14="http://schemas.microsoft.com/office/powerpoint/2010/main" val="1250436372"/>
-      </p:ext>
-    </p:extLst>
-  </p:cSld>
-  <p:clrMapOvr>
-    <a:masterClrMapping/>
-  </p:clrMapOvr>
-</p:sld>
-</file>
-
-<file path=ppt/slides/slide12.xml><?xml version="1.0" encoding="utf-8"?>
-<p:sld xmlns:a="http://schemas.openxmlformats.org/drawingml/2006/main" xmlns:r="http://schemas.openxmlformats.org/officeDocument/2006/relationships" xmlns:p="http://schemas.openxmlformats.org/presentationml/2006/main">
-  <p:cSld>
-    <p:spTree>
-      <p:nvGrpSpPr>
-        <p:cNvPr id="1" name=""/>
-        <p:cNvGrpSpPr/>
-        <p:nvPr/>
-      </p:nvGrpSpPr>
-      <p:grpSpPr>
-        <a:xfrm>
-          <a:off x="0" y="0"/>
-          <a:ext cx="0" cy="0"/>
-          <a:chOff x="0" y="0"/>
-          <a:chExt cx="0" cy="0"/>
-        </a:xfrm>
-      </p:grpSpPr>
-      <p:sp>
-        <p:nvSpPr>
           <p:cNvPr id="4" name="文本框 3"/>
           <p:cNvSpPr txBox="1"/>
           <p:nvPr/>
         </p:nvSpPr>
         <p:spPr>
           <a:xfrm>
-            <a:off x="5279570" y="500743"/>
-            <a:ext cx="1415144" cy="646331"/>
+            <a:off x="4898570" y="195943"/>
+            <a:ext cx="3331030" cy="769441"/>
           </a:xfrm>
           <a:prstGeom prst="rect">
             <a:avLst/>
@@ -3650,10 +3423,14 @@
           <a:lstStyle/>
           <a:p>
             <a:r>
-              <a:rPr kumimoji="1" lang="en-US" altLang="zh-CN" sz="3600" smtClean="0"/>
+              <a:rPr lang="en-US" altLang="zh-CN" sz="4400" smtClean="0">
+                <a:solidFill>
+                  <a:srgbClr val="FF0000"/>
+                </a:solidFill>
+              </a:rPr>
               <a:t>Result</a:t>
             </a:r>
-            <a:endParaRPr kumimoji="1" lang="zh-CN" altLang="en-US" sz="3600" dirty="0"/>
+            <a:endParaRPr kumimoji="1" lang="zh-CN" altLang="en-US" sz="4400" dirty="0"/>
           </a:p>
         </p:txBody>
       </p:sp>
@@ -3691,396 +3468,6 @@
     <p:extLst>
       <p:ext uri="{BB962C8B-B14F-4D97-AF65-F5344CB8AC3E}">
         <p14:creationId xmlns:p14="http://schemas.microsoft.com/office/powerpoint/2010/main" val="1930989165"/>
-      </p:ext>
-    </p:extLst>
-  </p:cSld>
-  <p:clrMapOvr>
-    <a:masterClrMapping/>
-  </p:clrMapOvr>
-</p:sld>
-</file>
-
-<file path=ppt/slides/slide13.xml><?xml version="1.0" encoding="utf-8"?>
-<p:sld xmlns:a="http://schemas.openxmlformats.org/drawingml/2006/main" xmlns:r="http://schemas.openxmlformats.org/officeDocument/2006/relationships" xmlns:p="http://schemas.openxmlformats.org/presentationml/2006/main">
-  <p:cSld>
-    <p:spTree>
-      <p:nvGrpSpPr>
-        <p:cNvPr id="1" name=""/>
-        <p:cNvGrpSpPr/>
-        <p:nvPr/>
-      </p:nvGrpSpPr>
-      <p:grpSpPr>
-        <a:xfrm>
-          <a:off x="0" y="0"/>
-          <a:ext cx="0" cy="0"/>
-          <a:chOff x="0" y="0"/>
-          <a:chExt cx="0" cy="0"/>
-        </a:xfrm>
-      </p:grpSpPr>
-      <p:sp>
-        <p:nvSpPr>
-          <p:cNvPr id="4" name="文本框 3"/>
-          <p:cNvSpPr txBox="1"/>
-          <p:nvPr/>
-        </p:nvSpPr>
-        <p:spPr>
-          <a:xfrm>
-            <a:off x="5078680" y="602672"/>
-            <a:ext cx="4582886" cy="646331"/>
-          </a:xfrm>
-          <a:prstGeom prst="rect">
-            <a:avLst/>
-          </a:prstGeom>
-          <a:noFill/>
-        </p:spPr>
-        <p:txBody>
-          <a:bodyPr wrap="square" rtlCol="0">
-            <a:spAutoFit/>
-          </a:bodyPr>
-          <a:lstStyle/>
-          <a:p>
-            <a:r>
-              <a:rPr kumimoji="1" lang="en-US" altLang="zh-CN" sz="3600" dirty="0" smtClean="0"/>
-              <a:t>Discussion</a:t>
-            </a:r>
-            <a:endParaRPr kumimoji="1" lang="zh-CN" altLang="en-US" sz="3600" dirty="0"/>
-          </a:p>
-        </p:txBody>
-      </p:sp>
-      <p:sp>
-        <p:nvSpPr>
-          <p:cNvPr id="5" name="内容占位符 2"/>
-          <p:cNvSpPr>
-            <a:spLocks noGrp="1"/>
-          </p:cNvSpPr>
-          <p:nvPr>
-            <p:ph idx="1"/>
-          </p:nvPr>
-        </p:nvSpPr>
-        <p:spPr>
-          <a:xfrm>
-            <a:off x="1148937" y="1569751"/>
-            <a:ext cx="10537371" cy="4351338"/>
-          </a:xfrm>
-        </p:spPr>
-        <p:txBody>
-          <a:bodyPr/>
-          <a:lstStyle/>
-          <a:p>
-            <a:r>
-              <a:rPr lang="en-US" altLang="zh-CN" dirty="0" smtClean="0"/>
-              <a:t>Our</a:t>
-            </a:r>
-            <a:r>
-              <a:rPr lang="zh-CN" altLang="en-US" dirty="0" smtClean="0"/>
-              <a:t> </a:t>
-            </a:r>
-            <a:r>
-              <a:rPr lang="en-US" altLang="zh-CN" dirty="0" smtClean="0"/>
-              <a:t>team</a:t>
-            </a:r>
-            <a:r>
-              <a:rPr lang="zh-CN" altLang="en-US" dirty="0" smtClean="0"/>
-              <a:t> </a:t>
-            </a:r>
-            <a:r>
-              <a:rPr lang="en-US" altLang="zh-CN" dirty="0" smtClean="0"/>
-              <a:t>first</a:t>
-            </a:r>
-            <a:r>
-              <a:rPr lang="zh-CN" altLang="en-US" dirty="0" smtClean="0"/>
-              <a:t> </a:t>
-            </a:r>
-            <a:r>
-              <a:rPr lang="en-US" altLang="zh-CN" dirty="0" smtClean="0"/>
-              <a:t>implement</a:t>
-            </a:r>
-            <a:r>
-              <a:rPr lang="zh-CN" altLang="en-US" dirty="0" smtClean="0"/>
-              <a:t> </a:t>
-            </a:r>
-            <a:r>
-              <a:rPr lang="en-US" altLang="zh-CN" dirty="0" smtClean="0"/>
-              <a:t>the</a:t>
-            </a:r>
-            <a:r>
-              <a:rPr lang="zh-CN" altLang="en-US" dirty="0" smtClean="0"/>
-              <a:t> </a:t>
-            </a:r>
-            <a:r>
-              <a:rPr lang="en-US" altLang="zh-CN" dirty="0" smtClean="0"/>
-              <a:t>paper</a:t>
-            </a:r>
-            <a:r>
-              <a:rPr lang="zh-CN" altLang="en-US" dirty="0" smtClean="0"/>
-              <a:t> </a:t>
-            </a:r>
-            <a:r>
-              <a:rPr lang="en-US" altLang="zh-CN" dirty="0" smtClean="0"/>
-              <a:t>work,</a:t>
-            </a:r>
-            <a:r>
-              <a:rPr lang="zh-CN" altLang="en-US" dirty="0" smtClean="0"/>
-              <a:t> </a:t>
-            </a:r>
-            <a:r>
-              <a:rPr lang="en-US" altLang="zh-CN" dirty="0" smtClean="0"/>
-              <a:t>which</a:t>
-            </a:r>
-            <a:r>
-              <a:rPr lang="zh-CN" altLang="en-US" dirty="0" smtClean="0"/>
-              <a:t> </a:t>
-            </a:r>
-            <a:r>
-              <a:rPr lang="en-US" altLang="zh-CN" dirty="0" smtClean="0"/>
-              <a:t>applies</a:t>
-            </a:r>
-            <a:r>
-              <a:rPr lang="zh-CN" altLang="en-US" dirty="0" smtClean="0"/>
-              <a:t> </a:t>
-            </a:r>
-            <a:r>
-              <a:rPr lang="en-US" altLang="zh-CN" dirty="0" smtClean="0"/>
-              <a:t>gradient</a:t>
-            </a:r>
-            <a:r>
-              <a:rPr lang="zh-CN" altLang="en-US" dirty="0" smtClean="0"/>
-              <a:t> </a:t>
-            </a:r>
-            <a:r>
-              <a:rPr lang="en-US" altLang="zh-CN" dirty="0" smtClean="0"/>
-              <a:t>derivation</a:t>
-            </a:r>
-            <a:endParaRPr lang="en-US" dirty="0"/>
-          </a:p>
-          <a:p>
-            <a:r>
-              <a:rPr lang="en-US" altLang="zh-CN" dirty="0" smtClean="0"/>
-              <a:t>As</a:t>
-            </a:r>
-            <a:r>
-              <a:rPr lang="zh-CN" altLang="en-US" dirty="0" smtClean="0"/>
-              <a:t> </a:t>
-            </a:r>
-            <a:r>
-              <a:rPr lang="en-US" altLang="zh-CN" dirty="0" smtClean="0"/>
-              <a:t>the</a:t>
-            </a:r>
-            <a:r>
-              <a:rPr lang="zh-CN" altLang="en-US" dirty="0" smtClean="0"/>
-              <a:t> </a:t>
-            </a:r>
-            <a:r>
-              <a:rPr lang="en-US" altLang="zh-CN" dirty="0" smtClean="0"/>
-              <a:t>result</a:t>
-            </a:r>
-            <a:r>
-              <a:rPr lang="zh-CN" altLang="en-US" dirty="0" smtClean="0"/>
-              <a:t> </a:t>
-            </a:r>
-            <a:r>
-              <a:rPr lang="en-US" altLang="zh-CN" dirty="0" smtClean="0"/>
-              <a:t>is</a:t>
-            </a:r>
-            <a:r>
-              <a:rPr lang="zh-CN" altLang="en-US" dirty="0" smtClean="0"/>
-              <a:t> </a:t>
-            </a:r>
-            <a:r>
-              <a:rPr lang="en-US" altLang="zh-CN" dirty="0" smtClean="0"/>
-              <a:t>not</a:t>
-            </a:r>
-            <a:r>
-              <a:rPr lang="zh-CN" altLang="en-US" dirty="0" smtClean="0"/>
-              <a:t> </a:t>
-            </a:r>
-            <a:r>
-              <a:rPr lang="en-US" altLang="zh-CN" dirty="0" smtClean="0"/>
-              <a:t>good</a:t>
-            </a:r>
-            <a:r>
-              <a:rPr lang="zh-CN" altLang="en-US" dirty="0" smtClean="0"/>
-              <a:t> </a:t>
-            </a:r>
-            <a:r>
-              <a:rPr lang="en-US" altLang="zh-CN" dirty="0" smtClean="0"/>
-              <a:t>enough,</a:t>
-            </a:r>
-            <a:r>
-              <a:rPr lang="zh-CN" altLang="en-US" dirty="0" smtClean="0"/>
-              <a:t> </a:t>
-            </a:r>
-            <a:r>
-              <a:rPr lang="en-US" altLang="zh-CN" dirty="0" smtClean="0"/>
-              <a:t>we</a:t>
-            </a:r>
-            <a:r>
-              <a:rPr lang="zh-CN" altLang="en-US" dirty="0" smtClean="0"/>
-              <a:t> </a:t>
-            </a:r>
-            <a:r>
-              <a:rPr lang="en-US" altLang="zh-CN" dirty="0" smtClean="0"/>
-              <a:t>did</a:t>
-            </a:r>
-            <a:r>
-              <a:rPr lang="zh-CN" altLang="en-US" dirty="0" smtClean="0"/>
-              <a:t> </a:t>
-            </a:r>
-            <a:r>
-              <a:rPr lang="en-US" altLang="zh-CN" dirty="0" smtClean="0"/>
-              <a:t>further</a:t>
-            </a:r>
-            <a:r>
-              <a:rPr lang="zh-CN" altLang="en-US" dirty="0" smtClean="0"/>
-              <a:t> </a:t>
-            </a:r>
-            <a:r>
-              <a:rPr lang="en-US" altLang="zh-CN" dirty="0" smtClean="0"/>
-              <a:t>work</a:t>
-            </a:r>
-            <a:r>
-              <a:rPr lang="zh-CN" altLang="en-US" dirty="0" smtClean="0"/>
-              <a:t> </a:t>
-            </a:r>
-            <a:r>
-              <a:rPr lang="en-US" altLang="zh-CN" dirty="0" smtClean="0"/>
-              <a:t>and</a:t>
-            </a:r>
-            <a:r>
-              <a:rPr lang="zh-CN" altLang="en-US" dirty="0" smtClean="0"/>
-              <a:t> </a:t>
-            </a:r>
-            <a:r>
-              <a:rPr lang="en-US" altLang="zh-CN" dirty="0" smtClean="0"/>
-              <a:t>implemented</a:t>
-            </a:r>
-            <a:r>
-              <a:rPr lang="zh-CN" altLang="en-US" dirty="0" smtClean="0"/>
-              <a:t> </a:t>
-            </a:r>
-            <a:r>
-              <a:rPr lang="en-US" altLang="zh-CN" dirty="0" smtClean="0"/>
-              <a:t>three</a:t>
-            </a:r>
-            <a:r>
-              <a:rPr lang="zh-CN" altLang="en-US" dirty="0" smtClean="0"/>
-              <a:t> </a:t>
-            </a:r>
-            <a:r>
-              <a:rPr lang="en-US" altLang="zh-CN" dirty="0" smtClean="0"/>
-              <a:t>advanced</a:t>
-            </a:r>
-            <a:r>
-              <a:rPr lang="zh-CN" altLang="en-US" dirty="0" smtClean="0"/>
-              <a:t> </a:t>
-            </a:r>
-            <a:r>
-              <a:rPr lang="en-US" altLang="zh-CN" dirty="0" smtClean="0"/>
-              <a:t>model.</a:t>
-            </a:r>
-            <a:endParaRPr lang="en-US" dirty="0"/>
-          </a:p>
-          <a:p>
-            <a:r>
-              <a:rPr lang="en-US" altLang="zh-CN" dirty="0" smtClean="0"/>
-              <a:t>Finally,</a:t>
-            </a:r>
-            <a:r>
-              <a:rPr lang="zh-CN" altLang="en-US" dirty="0" smtClean="0"/>
-              <a:t> </a:t>
-            </a:r>
-            <a:r>
-              <a:rPr lang="en-US" altLang="zh-CN" dirty="0" smtClean="0"/>
-              <a:t>ten-fold</a:t>
-            </a:r>
-            <a:r>
-              <a:rPr lang="zh-CN" altLang="en-US" dirty="0" smtClean="0"/>
-              <a:t> </a:t>
-            </a:r>
-            <a:r>
-              <a:rPr lang="en-US" altLang="zh-CN" dirty="0" smtClean="0"/>
-              <a:t>cross</a:t>
-            </a:r>
-            <a:r>
-              <a:rPr lang="zh-CN" altLang="en-US" dirty="0" smtClean="0"/>
-              <a:t> </a:t>
-            </a:r>
-            <a:r>
-              <a:rPr lang="en-US" altLang="zh-CN" dirty="0" smtClean="0"/>
-              <a:t>validation</a:t>
-            </a:r>
-            <a:r>
-              <a:rPr lang="zh-CN" altLang="en-US" dirty="0" smtClean="0"/>
-              <a:t> </a:t>
-            </a:r>
-            <a:r>
-              <a:rPr lang="en-US" altLang="zh-CN" dirty="0" smtClean="0"/>
-              <a:t>method</a:t>
-            </a:r>
-            <a:r>
-              <a:rPr lang="zh-CN" altLang="en-US" dirty="0" smtClean="0"/>
-              <a:t> </a:t>
-            </a:r>
-            <a:r>
-              <a:rPr lang="en-US" altLang="zh-CN" dirty="0" smtClean="0"/>
-              <a:t>is</a:t>
-            </a:r>
-            <a:r>
-              <a:rPr lang="zh-CN" altLang="en-US" dirty="0" smtClean="0"/>
-              <a:t> </a:t>
-            </a:r>
-            <a:r>
-              <a:rPr lang="en-US" altLang="zh-CN" dirty="0" smtClean="0"/>
-              <a:t>used</a:t>
-            </a:r>
-            <a:r>
-              <a:rPr lang="zh-CN" altLang="en-US" dirty="0" smtClean="0"/>
-              <a:t> </a:t>
-            </a:r>
-            <a:r>
-              <a:rPr lang="en-US" altLang="zh-CN" dirty="0" smtClean="0"/>
-              <a:t>for</a:t>
-            </a:r>
-            <a:r>
-              <a:rPr lang="zh-CN" altLang="en-US" dirty="0" smtClean="0"/>
-              <a:t> </a:t>
-            </a:r>
-            <a:r>
-              <a:rPr lang="en-US" altLang="zh-CN" dirty="0" smtClean="0"/>
-              <a:t>evaluation</a:t>
-            </a:r>
-            <a:r>
-              <a:rPr lang="zh-CN" altLang="en-US" dirty="0" smtClean="0"/>
-              <a:t> </a:t>
-            </a:r>
-            <a:r>
-              <a:rPr lang="en-US" altLang="zh-CN" dirty="0" smtClean="0"/>
-              <a:t>and</a:t>
-            </a:r>
-            <a:r>
-              <a:rPr lang="zh-CN" altLang="en-US" dirty="0" smtClean="0"/>
-              <a:t> </a:t>
-            </a:r>
-            <a:r>
-              <a:rPr lang="en-US" altLang="zh-CN" dirty="0" smtClean="0"/>
-              <a:t>turning</a:t>
-            </a:r>
-            <a:r>
-              <a:rPr lang="zh-CN" altLang="en-US" dirty="0" smtClean="0"/>
-              <a:t> </a:t>
-            </a:r>
-            <a:r>
-              <a:rPr lang="en-US" altLang="zh-CN" dirty="0" smtClean="0"/>
-              <a:t>parameters.</a:t>
-            </a:r>
-            <a:endParaRPr lang="en-US" dirty="0" smtClean="0"/>
-          </a:p>
-        </p:txBody>
-      </p:sp>
-    </p:spTree>
-    <p:extLst>
-      <p:ext uri="{BB962C8B-B14F-4D97-AF65-F5344CB8AC3E}">
-        <p14:creationId xmlns:p14="http://schemas.microsoft.com/office/powerpoint/2010/main" val="132300058"/>
       </p:ext>
     </p:extLst>
   </p:cSld>
@@ -4176,647 +3563,6 @@
           <a:chExt cx="0" cy="0"/>
         </a:xfrm>
       </p:grpSpPr>
-      <p:grpSp>
-        <p:nvGrpSpPr>
-          <p:cNvPr id="4" name="组 3"/>
-          <p:cNvGrpSpPr/>
-          <p:nvPr/>
-        </p:nvGrpSpPr>
-        <p:grpSpPr>
-          <a:xfrm>
-            <a:off x="724855" y="1401448"/>
-            <a:ext cx="10780251" cy="4632374"/>
-            <a:chOff x="436097" y="980343"/>
-            <a:chExt cx="10780251" cy="4632374"/>
-          </a:xfrm>
-        </p:grpSpPr>
-        <p:grpSp>
-          <p:nvGrpSpPr>
-            <p:cNvPr id="5" name="组 4"/>
-            <p:cNvGrpSpPr/>
-            <p:nvPr/>
-          </p:nvGrpSpPr>
-          <p:grpSpPr>
-            <a:xfrm>
-              <a:off x="436097" y="980343"/>
-              <a:ext cx="8806377" cy="4632374"/>
-              <a:chOff x="1252024" y="938140"/>
-              <a:chExt cx="8806377" cy="4632374"/>
-            </a:xfrm>
-          </p:grpSpPr>
-          <p:grpSp>
-            <p:nvGrpSpPr>
-              <p:cNvPr id="7" name="组 6"/>
-              <p:cNvGrpSpPr/>
-              <p:nvPr/>
-            </p:nvGrpSpPr>
-            <p:grpSpPr>
-              <a:xfrm>
-                <a:off x="4516609" y="938140"/>
-                <a:ext cx="5541792" cy="4632374"/>
-                <a:chOff x="1337310" y="628650"/>
-                <a:chExt cx="5541792" cy="4632374"/>
-              </a:xfrm>
-            </p:grpSpPr>
-            <p:sp>
-              <p:nvSpPr>
-                <p:cNvPr id="12" name="矩形 11"/>
-                <p:cNvSpPr/>
-                <p:nvPr/>
-              </p:nvSpPr>
-              <p:spPr>
-                <a:xfrm>
-                  <a:off x="1337310" y="628650"/>
-                  <a:ext cx="3028950" cy="1120140"/>
-                </a:xfrm>
-                <a:prstGeom prst="rect">
-                  <a:avLst/>
-                </a:prstGeom>
-              </p:spPr>
-              <p:style>
-                <a:lnRef idx="2">
-                  <a:schemeClr val="accent1">
-                    <a:shade val="50000"/>
-                  </a:schemeClr>
-                </a:lnRef>
-                <a:fillRef idx="1">
-                  <a:schemeClr val="accent1"/>
-                </a:fillRef>
-                <a:effectRef idx="0">
-                  <a:schemeClr val="accent1"/>
-                </a:effectRef>
-                <a:fontRef idx="minor">
-                  <a:schemeClr val="lt1"/>
-                </a:fontRef>
-              </p:style>
-              <p:txBody>
-                <a:bodyPr rtlCol="0" anchor="ctr"/>
-                <a:lstStyle/>
-                <a:p>
-                  <a:pPr algn="ctr"/>
-                  <a:r>
-                    <a:rPr kumimoji="1" lang="en-US" altLang="zh-CN" dirty="0" smtClean="0"/>
-                    <a:t>Basic</a:t>
-                  </a:r>
-                  <a:r>
-                    <a:rPr kumimoji="1" lang="zh-CN" altLang="en-US" dirty="0" smtClean="0"/>
-                    <a:t> </a:t>
-                  </a:r>
-                  <a:r>
-                    <a:rPr kumimoji="1" lang="en-US" altLang="zh-CN" dirty="0" smtClean="0"/>
-                    <a:t>MF</a:t>
-                  </a:r>
-                  <a:endParaRPr kumimoji="1" lang="zh-CN" altLang="en-US" dirty="0"/>
-                </a:p>
-              </p:txBody>
-            </p:sp>
-            <p:sp>
-              <p:nvSpPr>
-                <p:cNvPr id="13" name="矩形 12"/>
-                <p:cNvSpPr/>
-                <p:nvPr/>
-              </p:nvSpPr>
-              <p:spPr>
-                <a:xfrm>
-                  <a:off x="1337310" y="2384767"/>
-                  <a:ext cx="3028950" cy="1120140"/>
-                </a:xfrm>
-                <a:prstGeom prst="rect">
-                  <a:avLst/>
-                </a:prstGeom>
-              </p:spPr>
-              <p:style>
-                <a:lnRef idx="2">
-                  <a:schemeClr val="accent1">
-                    <a:shade val="50000"/>
-                  </a:schemeClr>
-                </a:lnRef>
-                <a:fillRef idx="1">
-                  <a:schemeClr val="accent1"/>
-                </a:fillRef>
-                <a:effectRef idx="0">
-                  <a:schemeClr val="accent1"/>
-                </a:effectRef>
-                <a:fontRef idx="minor">
-                  <a:schemeClr val="lt1"/>
-                </a:fontRef>
-              </p:style>
-              <p:txBody>
-                <a:bodyPr rtlCol="0" anchor="ctr"/>
-                <a:lstStyle/>
-                <a:p>
-                  <a:pPr algn="ctr"/>
-                  <a:r>
-                    <a:rPr kumimoji="1" lang="en-US" altLang="zh-CN" dirty="0" smtClean="0"/>
-                    <a:t>Social</a:t>
-                  </a:r>
-                  <a:r>
-                    <a:rPr kumimoji="1" lang="zh-CN" altLang="en-US" dirty="0" smtClean="0"/>
-                    <a:t> </a:t>
-                  </a:r>
-                  <a:r>
-                    <a:rPr kumimoji="1" lang="en-US" altLang="zh-CN" dirty="0" smtClean="0"/>
-                    <a:t>MF</a:t>
-                  </a:r>
-                  <a:endParaRPr kumimoji="1" lang="zh-CN" altLang="en-US" dirty="0"/>
-                </a:p>
-              </p:txBody>
-            </p:sp>
-            <p:sp>
-              <p:nvSpPr>
-                <p:cNvPr id="14" name="矩形 13"/>
-                <p:cNvSpPr/>
-                <p:nvPr/>
-              </p:nvSpPr>
-              <p:spPr>
-                <a:xfrm>
-                  <a:off x="1337310" y="4140884"/>
-                  <a:ext cx="3028950" cy="1120140"/>
-                </a:xfrm>
-                <a:prstGeom prst="rect">
-                  <a:avLst/>
-                </a:prstGeom>
-              </p:spPr>
-              <p:style>
-                <a:lnRef idx="2">
-                  <a:schemeClr val="accent1">
-                    <a:shade val="50000"/>
-                  </a:schemeClr>
-                </a:lnRef>
-                <a:fillRef idx="1">
-                  <a:schemeClr val="accent1"/>
-                </a:fillRef>
-                <a:effectRef idx="0">
-                  <a:schemeClr val="accent1"/>
-                </a:effectRef>
-                <a:fontRef idx="minor">
-                  <a:schemeClr val="lt1"/>
-                </a:fontRef>
-              </p:style>
-              <p:txBody>
-                <a:bodyPr rtlCol="0" anchor="ctr"/>
-                <a:lstStyle/>
-                <a:p>
-                  <a:pPr algn="ctr"/>
-                  <a:r>
-                    <a:rPr kumimoji="1" lang="en-US" altLang="zh-CN" dirty="0" smtClean="0"/>
-                    <a:t>Topic</a:t>
-                  </a:r>
-                  <a:r>
-                    <a:rPr kumimoji="1" lang="zh-CN" altLang="en-US" dirty="0" smtClean="0"/>
-                    <a:t> </a:t>
-                  </a:r>
-                  <a:r>
-                    <a:rPr kumimoji="1" lang="en-US" altLang="zh-CN" dirty="0" smtClean="0"/>
-                    <a:t>MF</a:t>
-                  </a:r>
-                  <a:endParaRPr kumimoji="1" lang="zh-CN" altLang="en-US" dirty="0"/>
-                </a:p>
-              </p:txBody>
-            </p:sp>
-            <p:cxnSp>
-              <p:nvCxnSpPr>
-                <p:cNvPr id="15" name="直线连接符 14"/>
-                <p:cNvCxnSpPr/>
-                <p:nvPr/>
-              </p:nvCxnSpPr>
-              <p:spPr>
-                <a:xfrm>
-                  <a:off x="4366260" y="2944837"/>
-                  <a:ext cx="1682848" cy="0"/>
-                </a:xfrm>
-                <a:prstGeom prst="line">
-                  <a:avLst/>
-                </a:prstGeom>
-              </p:spPr>
-              <p:style>
-                <a:lnRef idx="1">
-                  <a:schemeClr val="accent1"/>
-                </a:lnRef>
-                <a:fillRef idx="0">
-                  <a:schemeClr val="accent1"/>
-                </a:fillRef>
-                <a:effectRef idx="0">
-                  <a:schemeClr val="accent1"/>
-                </a:effectRef>
-                <a:fontRef idx="minor">
-                  <a:schemeClr val="tx1"/>
-                </a:fontRef>
-              </p:style>
-            </p:cxnSp>
-            <p:cxnSp>
-              <p:nvCxnSpPr>
-                <p:cNvPr id="16" name="直线连接符 15"/>
-                <p:cNvCxnSpPr/>
-                <p:nvPr/>
-              </p:nvCxnSpPr>
-              <p:spPr>
-                <a:xfrm>
-                  <a:off x="4366260" y="4700954"/>
-                  <a:ext cx="1682848" cy="0"/>
-                </a:xfrm>
-                <a:prstGeom prst="line">
-                  <a:avLst/>
-                </a:prstGeom>
-              </p:spPr>
-              <p:style>
-                <a:lnRef idx="1">
-                  <a:schemeClr val="accent1"/>
-                </a:lnRef>
-                <a:fillRef idx="0">
-                  <a:schemeClr val="accent1"/>
-                </a:fillRef>
-                <a:effectRef idx="0">
-                  <a:schemeClr val="accent1"/>
-                </a:effectRef>
-                <a:fontRef idx="minor">
-                  <a:schemeClr val="tx1"/>
-                </a:fontRef>
-              </p:style>
-            </p:cxnSp>
-            <p:cxnSp>
-              <p:nvCxnSpPr>
-                <p:cNvPr id="17" name="直线连接符 16"/>
-                <p:cNvCxnSpPr/>
-                <p:nvPr/>
-              </p:nvCxnSpPr>
-              <p:spPr>
-                <a:xfrm>
-                  <a:off x="6049108" y="1188720"/>
-                  <a:ext cx="0" cy="3512234"/>
-                </a:xfrm>
-                <a:prstGeom prst="line">
-                  <a:avLst/>
-                </a:prstGeom>
-              </p:spPr>
-              <p:style>
-                <a:lnRef idx="1">
-                  <a:schemeClr val="accent1"/>
-                </a:lnRef>
-                <a:fillRef idx="0">
-                  <a:schemeClr val="accent1"/>
-                </a:fillRef>
-                <a:effectRef idx="0">
-                  <a:schemeClr val="accent1"/>
-                </a:effectRef>
-                <a:fontRef idx="minor">
-                  <a:schemeClr val="tx1"/>
-                </a:fontRef>
-              </p:style>
-            </p:cxnSp>
-            <p:cxnSp>
-              <p:nvCxnSpPr>
-                <p:cNvPr id="18" name="直线箭头连接符 17"/>
-                <p:cNvCxnSpPr/>
-                <p:nvPr/>
-              </p:nvCxnSpPr>
-              <p:spPr>
-                <a:xfrm flipV="1">
-                  <a:off x="6049108" y="2944836"/>
-                  <a:ext cx="829994" cy="2"/>
-                </a:xfrm>
-                <a:prstGeom prst="straightConnector1">
-                  <a:avLst/>
-                </a:prstGeom>
-                <a:ln>
-                  <a:tailEnd type="triangle"/>
-                </a:ln>
-              </p:spPr>
-              <p:style>
-                <a:lnRef idx="1">
-                  <a:schemeClr val="accent1"/>
-                </a:lnRef>
-                <a:fillRef idx="0">
-                  <a:schemeClr val="accent1"/>
-                </a:fillRef>
-                <a:effectRef idx="0">
-                  <a:schemeClr val="accent1"/>
-                </a:effectRef>
-                <a:fontRef idx="minor">
-                  <a:schemeClr val="tx1"/>
-                </a:fontRef>
-              </p:style>
-            </p:cxnSp>
-          </p:grpSp>
-          <p:sp>
-            <p:nvSpPr>
-              <p:cNvPr id="8" name="矩形 7"/>
-              <p:cNvSpPr/>
-              <p:nvPr/>
-            </p:nvSpPr>
-            <p:spPr>
-              <a:xfrm>
-                <a:off x="1252024" y="2694257"/>
-                <a:ext cx="2293034" cy="1120140"/>
-              </a:xfrm>
-              <a:prstGeom prst="rect">
-                <a:avLst/>
-              </a:prstGeom>
-            </p:spPr>
-            <p:style>
-              <a:lnRef idx="2">
-                <a:schemeClr val="accent1">
-                  <a:shade val="50000"/>
-                </a:schemeClr>
-              </a:lnRef>
-              <a:fillRef idx="1">
-                <a:schemeClr val="accent1"/>
-              </a:fillRef>
-              <a:effectRef idx="0">
-                <a:schemeClr val="accent1"/>
-              </a:effectRef>
-              <a:fontRef idx="minor">
-                <a:schemeClr val="lt1"/>
-              </a:fontRef>
-            </p:style>
-            <p:txBody>
-              <a:bodyPr rtlCol="0" anchor="ctr"/>
-              <a:lstStyle/>
-              <a:p>
-                <a:pPr algn="ctr"/>
-                <a:r>
-                  <a:rPr kumimoji="1" lang="en-US" altLang="zh-CN" dirty="0" smtClean="0"/>
-                  <a:t>Data</a:t>
-                </a:r>
-                <a:r>
-                  <a:rPr kumimoji="1" lang="zh-CN" altLang="en-US" dirty="0" smtClean="0"/>
-                  <a:t> </a:t>
-                </a:r>
-                <a:r>
-                  <a:rPr kumimoji="1" lang="en-US" altLang="zh-CN" dirty="0" smtClean="0"/>
-                  <a:t>Pre-processing</a:t>
-                </a:r>
-                <a:endParaRPr kumimoji="1" lang="zh-CN" altLang="en-US" dirty="0"/>
-              </a:p>
-            </p:txBody>
-          </p:sp>
-          <p:cxnSp>
-            <p:nvCxnSpPr>
-              <p:cNvPr id="9" name="直线箭头连接符 8"/>
-              <p:cNvCxnSpPr>
-                <a:endCxn id="6" idx="1"/>
-              </p:cNvCxnSpPr>
-              <p:nvPr/>
-            </p:nvCxnSpPr>
-            <p:spPr>
-              <a:xfrm flipV="1">
-                <a:off x="2398541" y="1498210"/>
-                <a:ext cx="2118068" cy="1196047"/>
-              </a:xfrm>
-              <a:prstGeom prst="straightConnector1">
-                <a:avLst/>
-              </a:prstGeom>
-              <a:ln>
-                <a:tailEnd type="triangle"/>
-              </a:ln>
-            </p:spPr>
-            <p:style>
-              <a:lnRef idx="1">
-                <a:schemeClr val="accent1"/>
-              </a:lnRef>
-              <a:fillRef idx="0">
-                <a:schemeClr val="accent1"/>
-              </a:fillRef>
-              <a:effectRef idx="0">
-                <a:schemeClr val="accent1"/>
-              </a:effectRef>
-              <a:fontRef idx="minor">
-                <a:schemeClr val="tx1"/>
-              </a:fontRef>
-            </p:style>
-          </p:cxnSp>
-          <p:cxnSp>
-            <p:nvCxnSpPr>
-              <p:cNvPr id="10" name="直线箭头连接符 9"/>
-              <p:cNvCxnSpPr>
-                <a:endCxn id="7" idx="1"/>
-              </p:cNvCxnSpPr>
-              <p:nvPr/>
-            </p:nvCxnSpPr>
-            <p:spPr>
-              <a:xfrm>
-                <a:off x="3545058" y="3254327"/>
-                <a:ext cx="971551" cy="0"/>
-              </a:xfrm>
-              <a:prstGeom prst="straightConnector1">
-                <a:avLst/>
-              </a:prstGeom>
-              <a:ln>
-                <a:tailEnd type="triangle"/>
-              </a:ln>
-            </p:spPr>
-            <p:style>
-              <a:lnRef idx="1">
-                <a:schemeClr val="accent1"/>
-              </a:lnRef>
-              <a:fillRef idx="0">
-                <a:schemeClr val="accent1"/>
-              </a:fillRef>
-              <a:effectRef idx="0">
-                <a:schemeClr val="accent1"/>
-              </a:effectRef>
-              <a:fontRef idx="minor">
-                <a:schemeClr val="tx1"/>
-              </a:fontRef>
-            </p:style>
-          </p:cxnSp>
-          <p:cxnSp>
-            <p:nvCxnSpPr>
-              <p:cNvPr id="11" name="直线箭头连接符 10"/>
-              <p:cNvCxnSpPr>
-                <a:endCxn id="8" idx="1"/>
-              </p:cNvCxnSpPr>
-              <p:nvPr/>
-            </p:nvCxnSpPr>
-            <p:spPr>
-              <a:xfrm>
-                <a:off x="2532185" y="3814397"/>
-                <a:ext cx="1984424" cy="1196047"/>
-              </a:xfrm>
-              <a:prstGeom prst="straightConnector1">
-                <a:avLst/>
-              </a:prstGeom>
-              <a:ln>
-                <a:tailEnd type="triangle"/>
-              </a:ln>
-            </p:spPr>
-            <p:style>
-              <a:lnRef idx="1">
-                <a:schemeClr val="accent1"/>
-              </a:lnRef>
-              <a:fillRef idx="0">
-                <a:schemeClr val="accent1"/>
-              </a:fillRef>
-              <a:effectRef idx="0">
-                <a:schemeClr val="accent1"/>
-              </a:effectRef>
-              <a:fontRef idx="minor">
-                <a:schemeClr val="tx1"/>
-              </a:fontRef>
-            </p:style>
-          </p:cxnSp>
-        </p:grpSp>
-        <p:sp>
-          <p:nvSpPr>
-            <p:cNvPr id="6" name="矩形 5"/>
-            <p:cNvSpPr/>
-            <p:nvPr/>
-          </p:nvSpPr>
-          <p:spPr>
-            <a:xfrm>
-              <a:off x="9237199" y="2789066"/>
-              <a:ext cx="1979149" cy="1014926"/>
-            </a:xfrm>
-            <a:prstGeom prst="rect">
-              <a:avLst/>
-            </a:prstGeom>
-          </p:spPr>
-          <p:style>
-            <a:lnRef idx="2">
-              <a:schemeClr val="accent1">
-                <a:shade val="50000"/>
-              </a:schemeClr>
-            </a:lnRef>
-            <a:fillRef idx="1">
-              <a:schemeClr val="accent1"/>
-            </a:fillRef>
-            <a:effectRef idx="0">
-              <a:schemeClr val="accent1"/>
-            </a:effectRef>
-            <a:fontRef idx="minor">
-              <a:schemeClr val="lt1"/>
-            </a:fontRef>
-          </p:style>
-          <p:txBody>
-            <a:bodyPr rtlCol="0" anchor="ctr"/>
-            <a:lstStyle/>
-            <a:p>
-              <a:pPr algn="ctr"/>
-              <a:r>
-                <a:rPr kumimoji="1" lang="en-US" altLang="zh-CN" dirty="0" smtClean="0"/>
-                <a:t>Combination</a:t>
-              </a:r>
-              <a:endParaRPr kumimoji="1" lang="zh-CN" altLang="en-US" dirty="0"/>
-            </a:p>
-          </p:txBody>
-        </p:sp>
-      </p:grpSp>
-      <p:cxnSp>
-        <p:nvCxnSpPr>
-          <p:cNvPr id="22" name="直线连接符 21"/>
-          <p:cNvCxnSpPr>
-            <a:endCxn id="12" idx="3"/>
-          </p:cNvCxnSpPr>
-          <p:nvPr/>
-        </p:nvCxnSpPr>
-        <p:spPr>
-          <a:xfrm flipH="1">
-            <a:off x="7018390" y="1961518"/>
-            <a:ext cx="1682848" cy="0"/>
-          </a:xfrm>
-          <a:prstGeom prst="line">
-            <a:avLst/>
-          </a:prstGeom>
-        </p:spPr>
-        <p:style>
-          <a:lnRef idx="1">
-            <a:schemeClr val="accent1"/>
-          </a:lnRef>
-          <a:fillRef idx="0">
-            <a:schemeClr val="accent1"/>
-          </a:fillRef>
-          <a:effectRef idx="0">
-            <a:schemeClr val="accent1"/>
-          </a:effectRef>
-          <a:fontRef idx="minor">
-            <a:schemeClr val="tx1"/>
-          </a:fontRef>
-        </p:style>
-      </p:cxnSp>
-      <p:sp>
-        <p:nvSpPr>
-          <p:cNvPr id="23" name="文本框 22"/>
-          <p:cNvSpPr txBox="1"/>
-          <p:nvPr/>
-        </p:nvSpPr>
-        <p:spPr>
-          <a:xfrm>
-            <a:off x="5201834" y="455219"/>
-            <a:ext cx="4131876" cy="461665"/>
-          </a:xfrm>
-          <a:prstGeom prst="rect">
-            <a:avLst/>
-          </a:prstGeom>
-          <a:noFill/>
-        </p:spPr>
-        <p:txBody>
-          <a:bodyPr wrap="square" rtlCol="0">
-            <a:spAutoFit/>
-          </a:bodyPr>
-          <a:lstStyle/>
-          <a:p>
-            <a:r>
-              <a:rPr kumimoji="1" lang="en-US" altLang="zh-CN" sz="2400" b="1" dirty="0" smtClean="0">
-                <a:solidFill>
-                  <a:schemeClr val="bg1"/>
-                </a:solidFill>
-              </a:rPr>
-              <a:t>Overall</a:t>
-            </a:r>
-            <a:r>
-              <a:rPr kumimoji="1" lang="zh-CN" altLang="en-US" sz="2400" b="1" dirty="0" smtClean="0">
-                <a:solidFill>
-                  <a:schemeClr val="bg1"/>
-                </a:solidFill>
-              </a:rPr>
-              <a:t> </a:t>
-            </a:r>
-            <a:r>
-              <a:rPr kumimoji="1" lang="en-US" altLang="zh-CN" sz="2400" b="1" dirty="0" smtClean="0">
-                <a:solidFill>
-                  <a:schemeClr val="bg1"/>
-                </a:solidFill>
-              </a:rPr>
-              <a:t>Structure</a:t>
-            </a:r>
-            <a:endParaRPr kumimoji="1" lang="zh-CN" altLang="en-US" sz="2400" b="1" dirty="0">
-              <a:solidFill>
-                <a:schemeClr val="bg1"/>
-              </a:solidFill>
-            </a:endParaRPr>
-          </a:p>
-        </p:txBody>
-      </p:sp>
-    </p:spTree>
-    <p:extLst>
-      <p:ext uri="{BB962C8B-B14F-4D97-AF65-F5344CB8AC3E}">
-        <p14:creationId xmlns:p14="http://schemas.microsoft.com/office/powerpoint/2010/main" val="198608991"/>
-      </p:ext>
-    </p:extLst>
-  </p:cSld>
-  <p:clrMapOvr>
-    <a:masterClrMapping/>
-  </p:clrMapOvr>
-</p:sld>
-</file>
-
-<file path=ppt/slides/slide4.xml><?xml version="1.0" encoding="utf-8"?>
-<p:sld xmlns:a="http://schemas.openxmlformats.org/drawingml/2006/main" xmlns:r="http://schemas.openxmlformats.org/officeDocument/2006/relationships" xmlns:p="http://schemas.openxmlformats.org/presentationml/2006/main">
-  <p:cSld>
-    <p:spTree>
-      <p:nvGrpSpPr>
-        <p:cNvPr id="1" name=""/>
-        <p:cNvGrpSpPr/>
-        <p:nvPr/>
-      </p:nvGrpSpPr>
-      <p:grpSpPr>
-        <a:xfrm>
-          <a:off x="0" y="0"/>
-          <a:ext cx="0" cy="0"/>
-          <a:chOff x="0" y="0"/>
-          <a:chExt cx="0" cy="0"/>
-        </a:xfrm>
-      </p:grpSpPr>
       <p:sp>
         <p:nvSpPr>
           <p:cNvPr id="21" name="Rectangle 20"/>
@@ -5199,7 +3945,7 @@
 </p:sld>
 </file>
 
-<file path=ppt/slides/slide5.xml><?xml version="1.0" encoding="utf-8"?>
+<file path=ppt/slides/slide4.xml><?xml version="1.0" encoding="utf-8"?>
 <p:sld xmlns:a="http://schemas.openxmlformats.org/drawingml/2006/main" xmlns:r="http://schemas.openxmlformats.org/officeDocument/2006/relationships" xmlns:p="http://schemas.openxmlformats.org/presentationml/2006/main">
   <p:cSld>
     <p:spTree>
@@ -5478,6 +4224,277 @@
 </p:sld>
 </file>
 
+<file path=ppt/slides/slide5.xml><?xml version="1.0" encoding="utf-8"?>
+<p:sld xmlns:a="http://schemas.openxmlformats.org/drawingml/2006/main" xmlns:r="http://schemas.openxmlformats.org/officeDocument/2006/relationships" xmlns:p="http://schemas.openxmlformats.org/presentationml/2006/main">
+  <p:cSld>
+    <p:spTree>
+      <p:nvGrpSpPr>
+        <p:cNvPr id="1" name=""/>
+        <p:cNvGrpSpPr/>
+        <p:nvPr/>
+      </p:nvGrpSpPr>
+      <p:grpSpPr>
+        <a:xfrm>
+          <a:off x="0" y="0"/>
+          <a:ext cx="0" cy="0"/>
+          <a:chOff x="0" y="0"/>
+          <a:chExt cx="0" cy="0"/>
+        </a:xfrm>
+      </p:grpSpPr>
+      <p:sp>
+        <p:nvSpPr>
+          <p:cNvPr id="2" name="标题 1"/>
+          <p:cNvSpPr>
+            <a:spLocks noGrp="1"/>
+          </p:cNvSpPr>
+          <p:nvPr>
+            <p:ph type="title"/>
+          </p:nvPr>
+        </p:nvSpPr>
+        <p:spPr/>
+        <p:txBody>
+          <a:bodyPr/>
+          <a:lstStyle/>
+          <a:p>
+            <a:r>
+              <a:rPr lang="en-US" dirty="0" smtClean="0">
+                <a:solidFill>
+                  <a:schemeClr val="accent2">
+                    <a:lumMod val="60000"/>
+                    <a:lumOff val="40000"/>
+                  </a:schemeClr>
+                </a:solidFill>
+              </a:rPr>
+              <a:t>Basic MF</a:t>
+            </a:r>
+            <a:endParaRPr lang="en-US" dirty="0">
+              <a:solidFill>
+                <a:schemeClr val="accent2">
+                  <a:lumMod val="60000"/>
+                  <a:lumOff val="40000"/>
+                </a:schemeClr>
+              </a:solidFill>
+            </a:endParaRPr>
+          </a:p>
+        </p:txBody>
+      </p:sp>
+      <p:sp>
+        <p:nvSpPr>
+          <p:cNvPr id="3" name="内容占位符 2"/>
+          <p:cNvSpPr>
+            <a:spLocks noGrp="1"/>
+          </p:cNvSpPr>
+          <p:nvPr>
+            <p:ph idx="1"/>
+          </p:nvPr>
+        </p:nvSpPr>
+        <p:spPr>
+          <a:xfrm>
+            <a:off x="838200" y="1825625"/>
+            <a:ext cx="6241869" cy="4351338"/>
+          </a:xfrm>
+        </p:spPr>
+        <p:txBody>
+          <a:bodyPr/>
+          <a:lstStyle/>
+          <a:p>
+            <a:r>
+              <a:rPr lang="en-US" dirty="0" smtClean="0"/>
+              <a:t>Basic MF uses SVD method to deposit the rating matrix into U*V</a:t>
+            </a:r>
+          </a:p>
+          <a:p>
+            <a:endParaRPr lang="en-US" dirty="0"/>
+          </a:p>
+          <a:p>
+            <a:endParaRPr lang="en-US" dirty="0"/>
+          </a:p>
+          <a:p>
+            <a:r>
+              <a:rPr lang="en-US" dirty="0" smtClean="0"/>
+              <a:t>Predict unknown rating by U*V</a:t>
+            </a:r>
+          </a:p>
+          <a:p>
+            <a:endParaRPr lang="en-US" dirty="0"/>
+          </a:p>
+          <a:p>
+            <a:r>
+              <a:rPr lang="en-US" dirty="0" smtClean="0"/>
+              <a:t>The latent factor number K chosen 30</a:t>
+            </a:r>
+          </a:p>
+        </p:txBody>
+      </p:sp>
+      <p:pic>
+        <p:nvPicPr>
+          <p:cNvPr id="4" name="图片 3"/>
+          <p:cNvPicPr>
+            <a:picLocks noChangeAspect="1"/>
+          </p:cNvPicPr>
+          <p:nvPr/>
+        </p:nvPicPr>
+        <p:blipFill>
+          <a:blip r:embed="rId2"/>
+          <a:stretch>
+            <a:fillRect/>
+          </a:stretch>
+        </p:blipFill>
+        <p:spPr>
+          <a:xfrm>
+            <a:off x="2287006" y="4231806"/>
+            <a:ext cx="2990492" cy="514364"/>
+          </a:xfrm>
+          <a:prstGeom prst="rect">
+            <a:avLst/>
+          </a:prstGeom>
+        </p:spPr>
+      </p:pic>
+      <p:pic>
+        <p:nvPicPr>
+          <p:cNvPr id="5" name="图片 4"/>
+          <p:cNvPicPr>
+            <a:picLocks noChangeAspect="1"/>
+          </p:cNvPicPr>
+          <p:nvPr/>
+        </p:nvPicPr>
+        <p:blipFill>
+          <a:blip r:embed="rId3"/>
+          <a:stretch>
+            <a:fillRect/>
+          </a:stretch>
+        </p:blipFill>
+        <p:spPr>
+          <a:xfrm>
+            <a:off x="7080069" y="880450"/>
+            <a:ext cx="4101737" cy="2820692"/>
+          </a:xfrm>
+          <a:prstGeom prst="rect">
+            <a:avLst/>
+          </a:prstGeom>
+        </p:spPr>
+      </p:pic>
+      <p:pic>
+        <p:nvPicPr>
+          <p:cNvPr id="6" name="图片 5"/>
+          <p:cNvPicPr>
+            <a:picLocks noChangeAspect="1"/>
+          </p:cNvPicPr>
+          <p:nvPr/>
+        </p:nvPicPr>
+        <p:blipFill>
+          <a:blip r:embed="rId4"/>
+          <a:stretch>
+            <a:fillRect/>
+          </a:stretch>
+        </p:blipFill>
+        <p:spPr>
+          <a:xfrm>
+            <a:off x="2165086" y="2920386"/>
+            <a:ext cx="3826160" cy="493373"/>
+          </a:xfrm>
+          <a:prstGeom prst="rect">
+            <a:avLst/>
+          </a:prstGeom>
+        </p:spPr>
+      </p:pic>
+      <p:pic>
+        <p:nvPicPr>
+          <p:cNvPr id="7" name="图片 6"/>
+          <p:cNvPicPr>
+            <a:picLocks noChangeAspect="1"/>
+          </p:cNvPicPr>
+          <p:nvPr/>
+        </p:nvPicPr>
+        <p:blipFill>
+          <a:blip r:embed="rId5"/>
+          <a:stretch>
+            <a:fillRect/>
+          </a:stretch>
+        </p:blipFill>
+        <p:spPr>
+          <a:xfrm>
+            <a:off x="7080069" y="3701142"/>
+            <a:ext cx="4101737" cy="2842847"/>
+          </a:xfrm>
+          <a:prstGeom prst="rect">
+            <a:avLst/>
+          </a:prstGeom>
+        </p:spPr>
+      </p:pic>
+      <p:sp>
+        <p:nvSpPr>
+          <p:cNvPr id="8" name="文本框 7"/>
+          <p:cNvSpPr txBox="1"/>
+          <p:nvPr/>
+        </p:nvSpPr>
+        <p:spPr>
+          <a:xfrm>
+            <a:off x="6248400" y="2978724"/>
+            <a:ext cx="441146" cy="369332"/>
+          </a:xfrm>
+          <a:prstGeom prst="rect">
+            <a:avLst/>
+          </a:prstGeom>
+          <a:noFill/>
+        </p:spPr>
+        <p:txBody>
+          <a:bodyPr wrap="none" rtlCol="0">
+            <a:spAutoFit/>
+          </a:bodyPr>
+          <a:lstStyle/>
+          <a:p>
+            <a:r>
+              <a:rPr kumimoji="1" lang="en-US" altLang="zh-CN" smtClean="0"/>
+              <a:t>(1)</a:t>
+            </a:r>
+            <a:endParaRPr kumimoji="1" lang="zh-CN" altLang="en-US" dirty="0"/>
+          </a:p>
+        </p:txBody>
+      </p:sp>
+      <p:sp>
+        <p:nvSpPr>
+          <p:cNvPr id="9" name="文本框 8"/>
+          <p:cNvSpPr txBox="1"/>
+          <p:nvPr/>
+        </p:nvSpPr>
+        <p:spPr>
+          <a:xfrm>
+            <a:off x="6248395" y="4253349"/>
+            <a:ext cx="441146" cy="369332"/>
+          </a:xfrm>
+          <a:prstGeom prst="rect">
+            <a:avLst/>
+          </a:prstGeom>
+          <a:noFill/>
+        </p:spPr>
+        <p:txBody>
+          <a:bodyPr wrap="none" rtlCol="0">
+            <a:spAutoFit/>
+          </a:bodyPr>
+          <a:lstStyle/>
+          <a:p>
+            <a:r>
+              <a:rPr kumimoji="1" lang="en-US" altLang="zh-CN" dirty="0" smtClean="0"/>
+              <a:t>(2)</a:t>
+            </a:r>
+            <a:endParaRPr kumimoji="1" lang="zh-CN" altLang="en-US" dirty="0"/>
+          </a:p>
+        </p:txBody>
+      </p:sp>
+    </p:spTree>
+    <p:extLst>
+      <p:ext uri="{BB962C8B-B14F-4D97-AF65-F5344CB8AC3E}">
+        <p14:creationId xmlns:p14="http://schemas.microsoft.com/office/powerpoint/2010/main" val="1099051979"/>
+      </p:ext>
+    </p:extLst>
+  </p:cSld>
+  <p:clrMapOvr>
+    <a:masterClrMapping/>
+  </p:clrMapOvr>
+</p:sld>
+</file>
+
 <file path=ppt/slides/slide6.xml><?xml version="1.0" encoding="utf-8"?>
 <p:sld xmlns:a="http://schemas.openxmlformats.org/drawingml/2006/main" xmlns:r="http://schemas.openxmlformats.org/officeDocument/2006/relationships" xmlns:p="http://schemas.openxmlformats.org/presentationml/2006/main">
   <p:cSld>
@@ -5497,14 +4514,352 @@
       </p:grpSpPr>
       <p:sp>
         <p:nvSpPr>
-          <p:cNvPr id="4" name="文本框 3"/>
+          <p:cNvPr id="2" name="标题 1"/>
+          <p:cNvSpPr>
+            <a:spLocks noGrp="1"/>
+          </p:cNvSpPr>
+          <p:nvPr>
+            <p:ph type="title"/>
+          </p:nvPr>
+        </p:nvSpPr>
+        <p:spPr/>
+        <p:txBody>
+          <a:bodyPr/>
+          <a:lstStyle/>
+          <a:p>
+            <a:r>
+              <a:rPr lang="en-US" b="1" dirty="0" smtClean="0">
+                <a:ln w="22225">
+                  <a:solidFill>
+                    <a:schemeClr val="accent2"/>
+                  </a:solidFill>
+                  <a:prstDash val="solid"/>
+                </a:ln>
+                <a:solidFill>
+                  <a:schemeClr val="accent2">
+                    <a:lumMod val="40000"/>
+                    <a:lumOff val="60000"/>
+                  </a:schemeClr>
+                </a:solidFill>
+              </a:rPr>
+              <a:t>Topic </a:t>
+            </a:r>
+            <a:r>
+              <a:rPr lang="en-US" b="1" dirty="0" smtClean="0">
+                <a:ln w="22225">
+                  <a:solidFill>
+                    <a:schemeClr val="accent2"/>
+                  </a:solidFill>
+                  <a:prstDash val="solid"/>
+                </a:ln>
+                <a:solidFill>
+                  <a:schemeClr val="accent2">
+                    <a:lumMod val="40000"/>
+                    <a:lumOff val="60000"/>
+                  </a:schemeClr>
+                </a:solidFill>
+              </a:rPr>
+              <a:t>MF</a:t>
+            </a:r>
+            <a:r>
+              <a:rPr lang="zh-CN" altLang="en-US" b="1" dirty="0" smtClean="0">
+                <a:ln w="22225">
+                  <a:solidFill>
+                    <a:schemeClr val="accent2"/>
+                  </a:solidFill>
+                  <a:prstDash val="solid"/>
+                </a:ln>
+                <a:solidFill>
+                  <a:schemeClr val="accent2">
+                    <a:lumMod val="40000"/>
+                    <a:lumOff val="60000"/>
+                  </a:schemeClr>
+                </a:solidFill>
+              </a:rPr>
+              <a:t> </a:t>
+            </a:r>
+            <a:r>
+              <a:rPr lang="en-US" altLang="zh-CN" b="1" dirty="0" smtClean="0">
+                <a:ln w="22225">
+                  <a:solidFill>
+                    <a:schemeClr val="accent2"/>
+                  </a:solidFill>
+                  <a:prstDash val="solid"/>
+                </a:ln>
+                <a:solidFill>
+                  <a:schemeClr val="accent2">
+                    <a:lumMod val="40000"/>
+                    <a:lumOff val="60000"/>
+                  </a:schemeClr>
+                </a:solidFill>
+              </a:rPr>
+              <a:t>in</a:t>
+            </a:r>
+            <a:r>
+              <a:rPr lang="zh-CN" altLang="en-US" b="1" dirty="0" smtClean="0">
+                <a:ln w="22225">
+                  <a:solidFill>
+                    <a:schemeClr val="accent2"/>
+                  </a:solidFill>
+                  <a:prstDash val="solid"/>
+                </a:ln>
+                <a:solidFill>
+                  <a:schemeClr val="accent2">
+                    <a:lumMod val="40000"/>
+                    <a:lumOff val="60000"/>
+                  </a:schemeClr>
+                </a:solidFill>
+              </a:rPr>
+              <a:t> </a:t>
+            </a:r>
+            <a:r>
+              <a:rPr lang="en-US" altLang="zh-CN" b="1" dirty="0" smtClean="0">
+                <a:ln w="22225">
+                  <a:solidFill>
+                    <a:schemeClr val="accent2"/>
+                  </a:solidFill>
+                  <a:prstDash val="solid"/>
+                </a:ln>
+                <a:solidFill>
+                  <a:schemeClr val="accent2">
+                    <a:lumMod val="40000"/>
+                    <a:lumOff val="60000"/>
+                  </a:schemeClr>
+                </a:solidFill>
+              </a:rPr>
+              <a:t>the</a:t>
+            </a:r>
+            <a:r>
+              <a:rPr lang="zh-CN" altLang="en-US" b="1" dirty="0" smtClean="0">
+                <a:ln w="22225">
+                  <a:solidFill>
+                    <a:schemeClr val="accent2"/>
+                  </a:solidFill>
+                  <a:prstDash val="solid"/>
+                </a:ln>
+                <a:solidFill>
+                  <a:schemeClr val="accent2">
+                    <a:lumMod val="40000"/>
+                    <a:lumOff val="60000"/>
+                  </a:schemeClr>
+                </a:solidFill>
+              </a:rPr>
+              <a:t> </a:t>
+            </a:r>
+            <a:r>
+              <a:rPr lang="en-US" altLang="zh-CN" b="1" dirty="0" smtClean="0">
+                <a:ln w="22225">
+                  <a:solidFill>
+                    <a:schemeClr val="accent2"/>
+                  </a:solidFill>
+                  <a:prstDash val="solid"/>
+                </a:ln>
+                <a:solidFill>
+                  <a:schemeClr val="accent2">
+                    <a:lumMod val="40000"/>
+                    <a:lumOff val="60000"/>
+                  </a:schemeClr>
+                </a:solidFill>
+              </a:rPr>
+              <a:t>paper</a:t>
+            </a:r>
+            <a:endParaRPr lang="en-US" b="1" dirty="0">
+              <a:ln w="22225">
+                <a:solidFill>
+                  <a:schemeClr val="accent2"/>
+                </a:solidFill>
+                <a:prstDash val="solid"/>
+              </a:ln>
+              <a:solidFill>
+                <a:schemeClr val="accent2">
+                  <a:lumMod val="40000"/>
+                  <a:lumOff val="60000"/>
+                </a:schemeClr>
+              </a:solidFill>
+            </a:endParaRPr>
+          </a:p>
+        </p:txBody>
+      </p:sp>
+      <p:sp>
+        <p:nvSpPr>
+          <p:cNvPr id="3" name="内容占位符 2"/>
+          <p:cNvSpPr>
+            <a:spLocks noGrp="1"/>
+          </p:cNvSpPr>
+          <p:nvPr>
+            <p:ph idx="1"/>
+          </p:nvPr>
+        </p:nvSpPr>
+        <p:spPr>
+          <a:xfrm>
+            <a:off x="838200" y="1825625"/>
+            <a:ext cx="6616337" cy="4351338"/>
+          </a:xfrm>
+        </p:spPr>
+        <p:txBody>
+          <a:bodyPr/>
+          <a:lstStyle/>
+          <a:p>
+            <a:r>
+              <a:rPr lang="en-US" dirty="0"/>
+              <a:t>To get the topic distribution of reviews and words, LDA (Latent </a:t>
+            </a:r>
+            <a:r>
+              <a:rPr lang="en-US" dirty="0" err="1"/>
+              <a:t>Dirichlet</a:t>
+            </a:r>
+            <a:r>
+              <a:rPr lang="en-US" dirty="0"/>
+              <a:t> Allocation) is </a:t>
+            </a:r>
+            <a:r>
+              <a:rPr lang="en-US" dirty="0" smtClean="0"/>
+              <a:t>used</a:t>
+            </a:r>
+          </a:p>
+          <a:p>
+            <a:r>
+              <a:rPr lang="en-US" dirty="0" smtClean="0"/>
+              <a:t>The model is trained as:</a:t>
+            </a:r>
+          </a:p>
+          <a:p>
+            <a:endParaRPr lang="en-US" dirty="0" smtClean="0"/>
+          </a:p>
+          <a:p>
+            <a:endParaRPr lang="en-US" dirty="0"/>
+          </a:p>
+          <a:p>
+            <a:r>
+              <a:rPr lang="en-US" dirty="0" smtClean="0"/>
+              <a:t>Result after parameter adjust,</a:t>
+            </a:r>
+            <a:r>
+              <a:rPr lang="en-US" altLang="en-US" dirty="0">
+                <a:solidFill>
+                  <a:srgbClr val="000000"/>
+                </a:solidFill>
+                <a:latin typeface="Courier New" panose="02070309020205020404" pitchFamily="49" charset="0"/>
+                <a:cs typeface="Courier New" panose="02070309020205020404" pitchFamily="49" charset="0"/>
+              </a:rPr>
+              <a:t> 0.907157138867</a:t>
+            </a:r>
+            <a:r>
+              <a:rPr lang="en-US" dirty="0" smtClean="0"/>
+              <a:t> </a:t>
+            </a:r>
+          </a:p>
+          <a:p>
+            <a:endParaRPr lang="en-US" dirty="0"/>
+          </a:p>
+        </p:txBody>
+      </p:sp>
+      <p:pic>
+        <p:nvPicPr>
+          <p:cNvPr id="4" name="图片 3"/>
+          <p:cNvPicPr>
+            <a:picLocks noChangeAspect="1"/>
+          </p:cNvPicPr>
+          <p:nvPr/>
+        </p:nvPicPr>
+        <p:blipFill>
+          <a:blip r:embed="rId2"/>
+          <a:stretch>
+            <a:fillRect/>
+          </a:stretch>
+        </p:blipFill>
+        <p:spPr>
+          <a:xfrm>
+            <a:off x="2163383" y="3715519"/>
+            <a:ext cx="3528366" cy="571550"/>
+          </a:xfrm>
+          <a:prstGeom prst="rect">
+            <a:avLst/>
+          </a:prstGeom>
+        </p:spPr>
+      </p:pic>
+      <p:pic>
+        <p:nvPicPr>
+          <p:cNvPr id="8" name="图片 7"/>
+          <p:cNvPicPr>
+            <a:picLocks noChangeAspect="1"/>
+          </p:cNvPicPr>
+          <p:nvPr/>
+        </p:nvPicPr>
+        <p:blipFill>
+          <a:blip r:embed="rId3"/>
+          <a:stretch>
+            <a:fillRect/>
+          </a:stretch>
+        </p:blipFill>
+        <p:spPr>
+          <a:xfrm>
+            <a:off x="7606714" y="234494"/>
+            <a:ext cx="3143251" cy="2232632"/>
+          </a:xfrm>
+          <a:prstGeom prst="rect">
+            <a:avLst/>
+          </a:prstGeom>
+        </p:spPr>
+      </p:pic>
+      <p:pic>
+        <p:nvPicPr>
+          <p:cNvPr id="9" name="图片 8"/>
+          <p:cNvPicPr>
+            <a:picLocks noChangeAspect="1"/>
+          </p:cNvPicPr>
+          <p:nvPr/>
+        </p:nvPicPr>
+        <p:blipFill>
+          <a:blip r:embed="rId4"/>
+          <a:stretch>
+            <a:fillRect/>
+          </a:stretch>
+        </p:blipFill>
+        <p:spPr>
+          <a:xfrm>
+            <a:off x="7606715" y="2466367"/>
+            <a:ext cx="3143250" cy="2180700"/>
+          </a:xfrm>
+          <a:prstGeom prst="rect">
+            <a:avLst/>
+          </a:prstGeom>
+        </p:spPr>
+      </p:pic>
+      <p:pic>
+        <p:nvPicPr>
+          <p:cNvPr id="10" name="图片 9"/>
+          <p:cNvPicPr>
+            <a:picLocks noChangeAspect="1"/>
+          </p:cNvPicPr>
+          <p:nvPr/>
+        </p:nvPicPr>
+        <p:blipFill>
+          <a:blip r:embed="rId5"/>
+          <a:stretch>
+            <a:fillRect/>
+          </a:stretch>
+        </p:blipFill>
+        <p:spPr>
+          <a:xfrm>
+            <a:off x="7606714" y="4639837"/>
+            <a:ext cx="3143251" cy="2147121"/>
+          </a:xfrm>
+          <a:prstGeom prst="rect">
+            <a:avLst/>
+          </a:prstGeom>
+        </p:spPr>
+      </p:pic>
+      <p:sp>
+        <p:nvSpPr>
+          <p:cNvPr id="11" name="文本框 10"/>
           <p:cNvSpPr txBox="1"/>
           <p:nvPr/>
         </p:nvSpPr>
         <p:spPr>
           <a:xfrm>
-            <a:off x="3601453" y="2805545"/>
-            <a:ext cx="6100010" cy="707886"/>
+            <a:off x="6248400" y="3796145"/>
+            <a:ext cx="441146" cy="369332"/>
           </a:xfrm>
           <a:prstGeom prst="rect">
             <a:avLst/>
@@ -5512,47 +4867,23 @@
           <a:noFill/>
         </p:spPr>
         <p:txBody>
-          <a:bodyPr wrap="square" rtlCol="0">
+          <a:bodyPr wrap="none" rtlCol="0">
             <a:spAutoFit/>
           </a:bodyPr>
           <a:lstStyle/>
           <a:p>
             <a:r>
-              <a:rPr kumimoji="1" lang="en-US" altLang="zh-CN" sz="4000" dirty="0" smtClean="0"/>
-              <a:t>Paper</a:t>
-            </a:r>
-            <a:r>
-              <a:rPr kumimoji="1" lang="zh-CN" altLang="en-US" sz="4000" dirty="0" smtClean="0"/>
-              <a:t> </a:t>
-            </a:r>
-            <a:r>
-              <a:rPr kumimoji="1" lang="en-US" altLang="zh-CN" sz="4000" dirty="0" smtClean="0"/>
-              <a:t>&amp;</a:t>
-            </a:r>
-            <a:r>
-              <a:rPr kumimoji="1" lang="zh-CN" altLang="en-US" sz="4000" dirty="0" smtClean="0"/>
-              <a:t> </a:t>
-            </a:r>
-            <a:r>
-              <a:rPr kumimoji="1" lang="en-US" altLang="zh-CN" sz="4000" dirty="0" smtClean="0"/>
-              <a:t>Related</a:t>
-            </a:r>
-            <a:r>
-              <a:rPr kumimoji="1" lang="zh-CN" altLang="en-US" sz="4000" dirty="0" smtClean="0"/>
-              <a:t> </a:t>
-            </a:r>
-            <a:r>
-              <a:rPr kumimoji="1" lang="en-US" altLang="zh-CN" sz="4000" dirty="0" smtClean="0"/>
-              <a:t>Work</a:t>
-            </a:r>
-            <a:endParaRPr kumimoji="1" lang="zh-CN" altLang="en-US" sz="4000" dirty="0"/>
+              <a:rPr kumimoji="1" lang="en-US" altLang="zh-CN" dirty="0" smtClean="0"/>
+              <a:t>(3)</a:t>
+            </a:r>
+            <a:endParaRPr kumimoji="1" lang="zh-CN" altLang="en-US" dirty="0"/>
           </a:p>
         </p:txBody>
       </p:sp>
     </p:spTree>
     <p:extLst>
       <p:ext uri="{BB962C8B-B14F-4D97-AF65-F5344CB8AC3E}">
-        <p14:creationId xmlns:p14="http://schemas.microsoft.com/office/powerpoint/2010/main" val="1998626500"/>
+        <p14:creationId xmlns:p14="http://schemas.microsoft.com/office/powerpoint/2010/main" val="341617437"/>
       </p:ext>
     </p:extLst>
   </p:cSld>
@@ -5579,104 +4910,118 @@
           <a:chExt cx="0" cy="0"/>
         </a:xfrm>
       </p:grpSpPr>
-      <p:sp>
-        <p:nvSpPr>
-          <p:cNvPr id="2" name="标题 1"/>
-          <p:cNvSpPr>
-            <a:spLocks noGrp="1"/>
-          </p:cNvSpPr>
-          <p:nvPr>
-            <p:ph type="title"/>
-          </p:nvPr>
-        </p:nvSpPr>
-        <p:spPr/>
-        <p:txBody>
-          <a:bodyPr/>
-          <a:lstStyle/>
-          <a:p>
-            <a:r>
-              <a:rPr lang="en-US" dirty="0" smtClean="0"/>
-              <a:t>Basic MF</a:t>
-            </a:r>
-            <a:endParaRPr lang="en-US" dirty="0"/>
-          </a:p>
-        </p:txBody>
-      </p:sp>
-      <p:sp>
-        <p:nvSpPr>
-          <p:cNvPr id="3" name="内容占位符 2"/>
-          <p:cNvSpPr>
-            <a:spLocks noGrp="1"/>
-          </p:cNvSpPr>
-          <p:nvPr>
-            <p:ph idx="1"/>
-          </p:nvPr>
-        </p:nvSpPr>
-        <p:spPr>
-          <a:xfrm>
-            <a:off x="838200" y="1825625"/>
-            <a:ext cx="6241869" cy="4351338"/>
-          </a:xfrm>
-        </p:spPr>
-        <p:txBody>
-          <a:bodyPr/>
-          <a:lstStyle/>
-          <a:p>
-            <a:r>
-              <a:rPr lang="en-US" dirty="0" smtClean="0"/>
-              <a:t>Basic MF uses SVD method to deposit the rating matrix into U*V</a:t>
-            </a:r>
-          </a:p>
-          <a:p>
-            <a:endParaRPr lang="en-US" dirty="0"/>
-          </a:p>
-          <a:p>
-            <a:endParaRPr lang="en-US" dirty="0"/>
-          </a:p>
-          <a:p>
-            <a:r>
-              <a:rPr lang="en-US" dirty="0" smtClean="0"/>
-              <a:t>Predict unknown rating by U*V</a:t>
-            </a:r>
-          </a:p>
-          <a:p>
-            <a:endParaRPr lang="en-US" dirty="0"/>
-          </a:p>
-          <a:p>
-            <a:r>
-              <a:rPr lang="en-US" dirty="0" smtClean="0"/>
-              <a:t>The latent factor number K chosen 30</a:t>
-            </a:r>
-          </a:p>
-        </p:txBody>
-      </p:sp>
       <p:pic>
         <p:nvPicPr>
-          <p:cNvPr id="4" name="图片 3"/>
+          <p:cNvPr id="4" name="Picture 3"/>
           <p:cNvPicPr>
             <a:picLocks noChangeAspect="1"/>
           </p:cNvPicPr>
           <p:nvPr/>
         </p:nvPicPr>
         <p:blipFill>
-          <a:blip r:embed="rId2"/>
+          <a:blip r:embed="rId2">
+            <a:extLst>
+              <a:ext uri="{28A0092B-C50C-407E-A947-70E740481C1C}">
+                <a14:useLocalDpi xmlns:a14="http://schemas.microsoft.com/office/drawing/2010/main" val="0"/>
+              </a:ext>
+            </a:extLst>
+          </a:blip>
           <a:stretch>
             <a:fillRect/>
           </a:stretch>
         </p:blipFill>
         <p:spPr>
           <a:xfrm>
-            <a:off x="2287006" y="4231806"/>
-            <a:ext cx="2990492" cy="514364"/>
+            <a:off x="6021070" y="828040"/>
+            <a:ext cx="5852160" cy="4389120"/>
           </a:xfrm>
           <a:prstGeom prst="rect">
             <a:avLst/>
           </a:prstGeom>
         </p:spPr>
       </p:pic>
+      <p:sp>
+        <p:nvSpPr>
+          <p:cNvPr id="5" name="Rectangle 4"/>
+          <p:cNvSpPr/>
+          <p:nvPr/>
+        </p:nvSpPr>
+        <p:spPr>
+          <a:xfrm>
+            <a:off x="487680" y="1323340"/>
+            <a:ext cx="4846320" cy="4524315"/>
+          </a:xfrm>
+          <a:prstGeom prst="rect">
+            <a:avLst/>
+          </a:prstGeom>
+        </p:spPr>
+        <p:txBody>
+          <a:bodyPr wrap="square">
+            <a:spAutoFit/>
+          </a:bodyPr>
+          <a:lstStyle/>
+          <a:p>
+            <a:r>
+              <a:rPr lang="en-US" sz="2400" dirty="0" smtClean="0"/>
+              <a:t>Pre-processed </a:t>
+            </a:r>
+            <a:r>
+              <a:rPr lang="en-US" sz="2400" dirty="0"/>
+              <a:t>all reviews </a:t>
+            </a:r>
+          </a:p>
+          <a:p>
+            <a:endParaRPr lang="en-US" sz="2400" dirty="0"/>
+          </a:p>
+          <a:p>
+            <a:r>
+              <a:rPr lang="en-US" sz="2400" dirty="0" smtClean="0"/>
+              <a:t>For </a:t>
+            </a:r>
+            <a:r>
+              <a:rPr lang="en-US" sz="2400" dirty="0"/>
+              <a:t>each business, we grouped all its reviews in training data as bag-of-words, and then use the LDA library to calculate the topic distribution for each business. </a:t>
+            </a:r>
+            <a:endParaRPr lang="en-US" sz="2400" dirty="0" smtClean="0"/>
+          </a:p>
+          <a:p>
+            <a:endParaRPr lang="en-US" sz="2400" dirty="0"/>
+          </a:p>
+          <a:p>
+            <a:r>
+              <a:rPr lang="en-US" sz="2400" dirty="0" smtClean="0"/>
+              <a:t>For </a:t>
+            </a:r>
+            <a:r>
+              <a:rPr lang="en-US" sz="2400" dirty="0"/>
+              <a:t>each user, we calculate his/her topic rating using linear regression based on his/her real-ratings in </a:t>
+            </a:r>
+            <a:r>
+              <a:rPr lang="en-US" sz="2400" dirty="0" smtClean="0"/>
+              <a:t>training </a:t>
+            </a:r>
+            <a:r>
+              <a:rPr lang="en-US" sz="2400" dirty="0"/>
+              <a:t>data </a:t>
+            </a:r>
+            <a:r>
+              <a:rPr lang="en-US" sz="2400" dirty="0" smtClean="0"/>
+              <a:t>subtract </a:t>
+            </a:r>
+            <a:r>
+              <a:rPr lang="en-US" sz="2400" dirty="0" err="1"/>
+              <a:t>Ubb</a:t>
+            </a:r>
+            <a:r>
+              <a:rPr lang="en-US" sz="2400" dirty="0"/>
+              <a:t>. </a:t>
+            </a:r>
+          </a:p>
+        </p:txBody>
+      </p:sp>
       <p:pic>
         <p:nvPicPr>
-          <p:cNvPr id="5" name="图片 4"/>
+          <p:cNvPr id="6" name="Picture 5"/>
           <p:cNvPicPr>
             <a:picLocks noChangeAspect="1"/>
           </p:cNvPicPr>
@@ -5690,66 +5035,157 @@
         </p:blipFill>
         <p:spPr>
           <a:xfrm>
-            <a:off x="7080069" y="880450"/>
-            <a:ext cx="4101737" cy="2820692"/>
+            <a:off x="5104130" y="5536505"/>
+            <a:ext cx="6769100" cy="622300"/>
           </a:xfrm>
           <a:prstGeom prst="rect">
             <a:avLst/>
           </a:prstGeom>
         </p:spPr>
       </p:pic>
-      <p:pic>
-        <p:nvPicPr>
-          <p:cNvPr id="6" name="图片 5"/>
-          <p:cNvPicPr>
-            <a:picLocks noChangeAspect="1"/>
-          </p:cNvPicPr>
-          <p:nvPr/>
-        </p:nvPicPr>
-        <p:blipFill>
-          <a:blip r:embed="rId4"/>
-          <a:stretch>
-            <a:fillRect/>
-          </a:stretch>
-        </p:blipFill>
-        <p:spPr>
-          <a:xfrm>
-            <a:off x="2165086" y="2920386"/>
-            <a:ext cx="3826160" cy="493373"/>
-          </a:xfrm>
-          <a:prstGeom prst="rect">
-            <a:avLst/>
-          </a:prstGeom>
-        </p:spPr>
-      </p:pic>
-      <p:pic>
-        <p:nvPicPr>
-          <p:cNvPr id="7" name="图片 6"/>
-          <p:cNvPicPr>
-            <a:picLocks noChangeAspect="1"/>
-          </p:cNvPicPr>
-          <p:nvPr/>
-        </p:nvPicPr>
-        <p:blipFill>
-          <a:blip r:embed="rId5"/>
-          <a:stretch>
-            <a:fillRect/>
-          </a:stretch>
-        </p:blipFill>
-        <p:spPr>
-          <a:xfrm>
-            <a:off x="7080069" y="3701142"/>
-            <a:ext cx="4101737" cy="2842847"/>
-          </a:xfrm>
-          <a:prstGeom prst="rect">
-            <a:avLst/>
-          </a:prstGeom>
-        </p:spPr>
-      </p:pic>
+      <p:sp>
+        <p:nvSpPr>
+          <p:cNvPr id="7" name="标题 1"/>
+          <p:cNvSpPr>
+            <a:spLocks noGrp="1"/>
+          </p:cNvSpPr>
+          <p:nvPr>
+            <p:ph type="title"/>
+          </p:nvPr>
+        </p:nvSpPr>
+        <p:spPr>
+          <a:xfrm>
+            <a:off x="514350" y="365125"/>
+            <a:ext cx="10515600" cy="1325563"/>
+          </a:xfrm>
+        </p:spPr>
+        <p:txBody>
+          <a:bodyPr/>
+          <a:lstStyle/>
+          <a:p>
+            <a:r>
+              <a:rPr lang="en-US" b="1" dirty="0" smtClean="0">
+                <a:ln w="22225">
+                  <a:solidFill>
+                    <a:schemeClr val="accent2"/>
+                  </a:solidFill>
+                  <a:prstDash val="solid"/>
+                </a:ln>
+                <a:solidFill>
+                  <a:schemeClr val="accent2">
+                    <a:lumMod val="40000"/>
+                    <a:lumOff val="60000"/>
+                  </a:schemeClr>
+                </a:solidFill>
+              </a:rPr>
+              <a:t>Topic </a:t>
+            </a:r>
+            <a:r>
+              <a:rPr lang="en-US" b="1" dirty="0" smtClean="0">
+                <a:ln w="22225">
+                  <a:solidFill>
+                    <a:schemeClr val="accent2"/>
+                  </a:solidFill>
+                  <a:prstDash val="solid"/>
+                </a:ln>
+                <a:solidFill>
+                  <a:schemeClr val="accent2">
+                    <a:lumMod val="40000"/>
+                    <a:lumOff val="60000"/>
+                  </a:schemeClr>
+                </a:solidFill>
+              </a:rPr>
+              <a:t>MF</a:t>
+            </a:r>
+            <a:r>
+              <a:rPr lang="zh-CN" altLang="en-US" b="1" dirty="0" smtClean="0">
+                <a:ln w="22225">
+                  <a:solidFill>
+                    <a:schemeClr val="accent2"/>
+                  </a:solidFill>
+                  <a:prstDash val="solid"/>
+                </a:ln>
+                <a:solidFill>
+                  <a:schemeClr val="accent2">
+                    <a:lumMod val="40000"/>
+                    <a:lumOff val="60000"/>
+                  </a:schemeClr>
+                </a:solidFill>
+              </a:rPr>
+              <a:t> </a:t>
+            </a:r>
+            <a:r>
+              <a:rPr lang="en-US" altLang="zh-CN" b="1" dirty="0">
+                <a:ln w="22225">
+                  <a:solidFill>
+                    <a:schemeClr val="accent2"/>
+                  </a:solidFill>
+                  <a:prstDash val="solid"/>
+                </a:ln>
+                <a:solidFill>
+                  <a:schemeClr val="accent2">
+                    <a:lumMod val="40000"/>
+                    <a:lumOff val="60000"/>
+                  </a:schemeClr>
+                </a:solidFill>
+              </a:rPr>
+              <a:t>by</a:t>
+            </a:r>
+            <a:r>
+              <a:rPr lang="zh-CN" altLang="en-US" b="1" dirty="0">
+                <a:ln w="22225">
+                  <a:solidFill>
+                    <a:schemeClr val="accent2"/>
+                  </a:solidFill>
+                  <a:prstDash val="solid"/>
+                </a:ln>
+                <a:solidFill>
+                  <a:schemeClr val="accent2">
+                    <a:lumMod val="40000"/>
+                    <a:lumOff val="60000"/>
+                  </a:schemeClr>
+                </a:solidFill>
+              </a:rPr>
+              <a:t> </a:t>
+            </a:r>
+            <a:r>
+              <a:rPr lang="en-US" altLang="zh-CN" b="1" dirty="0">
+                <a:ln w="22225">
+                  <a:solidFill>
+                    <a:schemeClr val="accent2"/>
+                  </a:solidFill>
+                  <a:prstDash val="solid"/>
+                </a:ln>
+                <a:solidFill>
+                  <a:schemeClr val="accent2">
+                    <a:lumMod val="40000"/>
+                    <a:lumOff val="60000"/>
+                  </a:schemeClr>
+                </a:solidFill>
+              </a:rPr>
+              <a:t>ourselves</a:t>
+            </a:r>
+            <a:endParaRPr lang="en-US" b="1" dirty="0">
+              <a:ln w="22225">
+                <a:solidFill>
+                  <a:schemeClr val="accent2"/>
+                </a:solidFill>
+                <a:prstDash val="solid"/>
+              </a:ln>
+              <a:solidFill>
+                <a:schemeClr val="accent2">
+                  <a:lumMod val="40000"/>
+                  <a:lumOff val="60000"/>
+                </a:schemeClr>
+              </a:solidFill>
+            </a:endParaRPr>
+          </a:p>
+        </p:txBody>
+      </p:sp>
     </p:spTree>
     <p:extLst>
       <p:ext uri="{BB962C8B-B14F-4D97-AF65-F5344CB8AC3E}">
-        <p14:creationId xmlns:p14="http://schemas.microsoft.com/office/powerpoint/2010/main" val="1099051979"/>
+        <p14:creationId xmlns:p14="http://schemas.microsoft.com/office/powerpoint/2010/main" val="798641859"/>
       </p:ext>
     </p:extLst>
   </p:cSld>
@@ -5792,83 +5228,164 @@
           <a:lstStyle/>
           <a:p>
             <a:r>
+              <a:rPr lang="en-US" dirty="0" smtClean="0">
+                <a:solidFill>
+                  <a:srgbClr val="FF0000"/>
+                </a:solidFill>
+              </a:rPr>
+              <a:t>Social </a:t>
+            </a:r>
+            <a:r>
+              <a:rPr lang="en-US" dirty="0" smtClean="0">
+                <a:solidFill>
+                  <a:srgbClr val="FF0000"/>
+                </a:solidFill>
+              </a:rPr>
+              <a:t>MF</a:t>
+            </a:r>
+            <a:r>
+              <a:rPr lang="zh-CN" altLang="en-US" dirty="0" smtClean="0">
+                <a:solidFill>
+                  <a:srgbClr val="FF0000"/>
+                </a:solidFill>
+              </a:rPr>
+              <a:t> </a:t>
+            </a:r>
+            <a:r>
+              <a:rPr lang="en-US" altLang="zh-CN" dirty="0" smtClean="0">
+                <a:solidFill>
+                  <a:srgbClr val="FF0000"/>
+                </a:solidFill>
+              </a:rPr>
+              <a:t>in</a:t>
+            </a:r>
+            <a:r>
+              <a:rPr lang="zh-CN" altLang="en-US" dirty="0" smtClean="0">
+                <a:solidFill>
+                  <a:srgbClr val="FF0000"/>
+                </a:solidFill>
+              </a:rPr>
+              <a:t> </a:t>
+            </a:r>
+            <a:r>
+              <a:rPr lang="en-US" altLang="zh-CN" dirty="0">
+                <a:solidFill>
+                  <a:srgbClr val="FF0000"/>
+                </a:solidFill>
+              </a:rPr>
+              <a:t>P</a:t>
+            </a:r>
+            <a:r>
+              <a:rPr lang="en-US" altLang="zh-CN" dirty="0" smtClean="0">
+                <a:solidFill>
+                  <a:srgbClr val="FF0000"/>
+                </a:solidFill>
+              </a:rPr>
+              <a:t>aper</a:t>
+            </a:r>
+            <a:endParaRPr lang="en-US" dirty="0">
+              <a:solidFill>
+                <a:srgbClr val="FF0000"/>
+              </a:solidFill>
+            </a:endParaRPr>
+          </a:p>
+        </p:txBody>
+      </p:sp>
+      <p:sp>
+        <p:nvSpPr>
+          <p:cNvPr id="3" name="内容占位符 2"/>
+          <p:cNvSpPr>
+            <a:spLocks noGrp="1"/>
+          </p:cNvSpPr>
+          <p:nvPr>
+            <p:ph idx="1"/>
+          </p:nvPr>
+        </p:nvSpPr>
+        <p:spPr/>
+        <p:txBody>
+          <a:bodyPr/>
+          <a:lstStyle/>
+          <a:p>
+            <a:r>
               <a:rPr lang="en-US" dirty="0" smtClean="0"/>
-              <a:t>Topic MF</a:t>
-            </a:r>
+              <a:t>Users are </a:t>
+            </a:r>
+            <a:r>
+              <a:rPr lang="en-US" dirty="0"/>
+              <a:t>likely to ask for suggestions from their local </a:t>
+            </a:r>
+            <a:r>
+              <a:rPr lang="en-US" dirty="0" smtClean="0"/>
+              <a:t>friends</a:t>
+            </a:r>
+          </a:p>
+          <a:p>
+            <a:r>
+              <a:rPr lang="en-US" dirty="0" smtClean="0"/>
+              <a:t>Users tend </a:t>
+            </a:r>
+            <a:r>
+              <a:rPr lang="en-US" dirty="0"/>
+              <a:t>to seek suggestions from </a:t>
+            </a:r>
+            <a:r>
+              <a:rPr lang="en-US" dirty="0" smtClean="0"/>
+              <a:t>those </a:t>
+            </a:r>
+            <a:r>
+              <a:rPr lang="en-US" dirty="0"/>
+              <a:t>with high </a:t>
+            </a:r>
+            <a:r>
+              <a:rPr lang="en-US" dirty="0" smtClean="0"/>
+              <a:t>reputations</a:t>
+            </a:r>
+          </a:p>
+          <a:p>
+            <a:r>
+              <a:rPr lang="en-US" dirty="0" smtClean="0"/>
+              <a:t>Combined the two indication, social MF is modeled as</a:t>
+            </a:r>
+            <a:r>
+              <a:rPr lang="en-US" dirty="0" smtClean="0"/>
+              <a:t>:</a:t>
+            </a:r>
+          </a:p>
+          <a:p>
             <a:endParaRPr lang="en-US" dirty="0"/>
           </a:p>
-        </p:txBody>
-      </p:sp>
-      <p:sp>
-        <p:nvSpPr>
-          <p:cNvPr id="3" name="内容占位符 2"/>
-          <p:cNvSpPr>
-            <a:spLocks noGrp="1"/>
-          </p:cNvSpPr>
-          <p:nvPr>
-            <p:ph idx="1"/>
-          </p:nvPr>
-        </p:nvSpPr>
-        <p:spPr>
-          <a:xfrm>
-            <a:off x="838200" y="1825625"/>
-            <a:ext cx="6616337" cy="4351338"/>
-          </a:xfrm>
-        </p:spPr>
-        <p:txBody>
-          <a:bodyPr/>
-          <a:lstStyle/>
-          <a:p>
-            <a:r>
-              <a:rPr lang="en-US" dirty="0"/>
-              <a:t>To get the topic distribution of reviews and words, LDA (Latent </a:t>
-            </a:r>
-            <a:r>
-              <a:rPr lang="en-US" dirty="0" err="1"/>
-              <a:t>Dirichlet</a:t>
-            </a:r>
-            <a:r>
-              <a:rPr lang="en-US" dirty="0"/>
-              <a:t> Allocation) is </a:t>
-            </a:r>
-            <a:r>
-              <a:rPr lang="en-US" dirty="0" smtClean="0"/>
-              <a:t>used</a:t>
-            </a:r>
-          </a:p>
-          <a:p>
-            <a:r>
-              <a:rPr lang="en-US" dirty="0" smtClean="0"/>
-              <a:t>The model is trained as:</a:t>
-            </a:r>
-          </a:p>
           <a:p>
             <a:endParaRPr lang="en-US" dirty="0" smtClean="0"/>
           </a:p>
           <a:p>
-            <a:endParaRPr lang="en-US" dirty="0"/>
-          </a:p>
-          <a:p>
-            <a:r>
-              <a:rPr lang="en-US" dirty="0" smtClean="0"/>
-              <a:t>Result after parameter adjust,</a:t>
-            </a:r>
-            <a:r>
-              <a:rPr lang="en-US" altLang="en-US" dirty="0">
-                <a:solidFill>
-                  <a:srgbClr val="000000"/>
-                </a:solidFill>
-                <a:latin typeface="Courier New" panose="02070309020205020404" pitchFamily="49" charset="0"/>
-                <a:cs typeface="Courier New" panose="02070309020205020404" pitchFamily="49" charset="0"/>
-              </a:rPr>
-              <a:t> 0.907157138867</a:t>
-            </a:r>
-            <a:r>
-              <a:rPr lang="en-US" dirty="0" smtClean="0"/>
+            <a:r>
+              <a:rPr lang="en-US" altLang="zh-CN" dirty="0" smtClean="0"/>
+              <a:t>Finally,</a:t>
+            </a:r>
+            <a:r>
+              <a:rPr lang="zh-CN" altLang="en-US" dirty="0" smtClean="0"/>
               <a:t> </a:t>
             </a:r>
-          </a:p>
-          <a:p>
+            <a:r>
+              <a:rPr lang="en-US" altLang="zh-CN" dirty="0" smtClean="0"/>
+              <a:t>RMSE</a:t>
+            </a:r>
+            <a:r>
+              <a:rPr lang="zh-CN" altLang="en-US" dirty="0" smtClean="0"/>
+              <a:t> </a:t>
+            </a:r>
+            <a:r>
+              <a:rPr lang="en-US" altLang="zh-CN" dirty="0" smtClean="0"/>
+              <a:t>is</a:t>
+            </a:r>
+            <a:r>
+              <a:rPr lang="zh-CN" altLang="en-US" dirty="0" smtClean="0"/>
+              <a:t> </a:t>
+            </a:r>
+            <a:r>
+              <a:rPr lang="is-IS" altLang="zh-CN" i="1" dirty="0" smtClean="0"/>
+              <a:t>1.04159139513</a:t>
+            </a:r>
             <a:endParaRPr lang="en-US" dirty="0"/>
           </a:p>
         </p:txBody>
@@ -5889,80 +5406,8 @@
         </p:blipFill>
         <p:spPr>
           <a:xfrm>
-            <a:off x="2163383" y="3715519"/>
-            <a:ext cx="3528366" cy="571550"/>
-          </a:xfrm>
-          <a:prstGeom prst="rect">
-            <a:avLst/>
-          </a:prstGeom>
-        </p:spPr>
-      </p:pic>
-      <p:pic>
-        <p:nvPicPr>
-          <p:cNvPr id="8" name="图片 7"/>
-          <p:cNvPicPr>
-            <a:picLocks noChangeAspect="1"/>
-          </p:cNvPicPr>
-          <p:nvPr/>
-        </p:nvPicPr>
-        <p:blipFill>
-          <a:blip r:embed="rId3"/>
-          <a:stretch>
-            <a:fillRect/>
-          </a:stretch>
-        </p:blipFill>
-        <p:spPr>
-          <a:xfrm>
-            <a:off x="7606714" y="234494"/>
-            <a:ext cx="3143251" cy="2232632"/>
-          </a:xfrm>
-          <a:prstGeom prst="rect">
-            <a:avLst/>
-          </a:prstGeom>
-        </p:spPr>
-      </p:pic>
-      <p:pic>
-        <p:nvPicPr>
-          <p:cNvPr id="9" name="图片 8"/>
-          <p:cNvPicPr>
-            <a:picLocks noChangeAspect="1"/>
-          </p:cNvPicPr>
-          <p:nvPr/>
-        </p:nvPicPr>
-        <p:blipFill>
-          <a:blip r:embed="rId4"/>
-          <a:stretch>
-            <a:fillRect/>
-          </a:stretch>
-        </p:blipFill>
-        <p:spPr>
-          <a:xfrm>
-            <a:off x="7606715" y="2466367"/>
-            <a:ext cx="3143250" cy="2180700"/>
-          </a:xfrm>
-          <a:prstGeom prst="rect">
-            <a:avLst/>
-          </a:prstGeom>
-        </p:spPr>
-      </p:pic>
-      <p:pic>
-        <p:nvPicPr>
-          <p:cNvPr id="10" name="图片 9"/>
-          <p:cNvPicPr>
-            <a:picLocks noChangeAspect="1"/>
-          </p:cNvPicPr>
-          <p:nvPr/>
-        </p:nvPicPr>
-        <p:blipFill>
-          <a:blip r:embed="rId5"/>
-          <a:stretch>
-            <a:fillRect/>
-          </a:stretch>
-        </p:blipFill>
-        <p:spPr>
-          <a:xfrm>
-            <a:off x="7606714" y="4639837"/>
-            <a:ext cx="3143251" cy="2147121"/>
+            <a:off x="3865348" y="3528808"/>
+            <a:ext cx="3886537" cy="533446"/>
           </a:xfrm>
           <a:prstGeom prst="rect">
             <a:avLst/>
@@ -5972,7 +5417,7 @@
     </p:spTree>
     <p:extLst>
       <p:ext uri="{BB962C8B-B14F-4D97-AF65-F5344CB8AC3E}">
-        <p14:creationId xmlns:p14="http://schemas.microsoft.com/office/powerpoint/2010/main" val="341617437"/>
+        <p14:creationId xmlns:p14="http://schemas.microsoft.com/office/powerpoint/2010/main" val="1185038310"/>
       </p:ext>
     </p:extLst>
   </p:cSld>
@@ -6021,7 +5466,7 @@
         </p:blipFill>
         <p:spPr>
           <a:xfrm>
-            <a:off x="5562600" y="923290"/>
+            <a:off x="5802630" y="365125"/>
             <a:ext cx="5852160" cy="4389120"/>
           </a:xfrm>
           <a:prstGeom prst="rect">
@@ -6029,88 +5474,9 @@
           </a:prstGeom>
         </p:spPr>
       </p:pic>
-      <p:sp>
-        <p:nvSpPr>
-          <p:cNvPr id="5" name="Rectangle 4"/>
-          <p:cNvSpPr/>
-          <p:nvPr/>
-        </p:nvSpPr>
-        <p:spPr>
-          <a:xfrm>
-            <a:off x="487680" y="1323340"/>
-            <a:ext cx="4846320" cy="4524315"/>
-          </a:xfrm>
-          <a:prstGeom prst="rect">
-            <a:avLst/>
-          </a:prstGeom>
-        </p:spPr>
-        <p:txBody>
-          <a:bodyPr wrap="square">
-            <a:spAutoFit/>
-          </a:bodyPr>
-          <a:lstStyle/>
-          <a:p>
-            <a:r>
-              <a:rPr lang="en-US" sz="2400" dirty="0" smtClean="0"/>
-              <a:t>Pre-processed </a:t>
-            </a:r>
-            <a:r>
-              <a:rPr lang="en-US" sz="2400" dirty="0"/>
-              <a:t>all reviews </a:t>
-            </a:r>
-          </a:p>
-          <a:p>
-            <a:endParaRPr lang="en-US" sz="2400" dirty="0"/>
-          </a:p>
-          <a:p>
-            <a:r>
-              <a:rPr lang="en-US" sz="2400" dirty="0" smtClean="0"/>
-              <a:t>For </a:t>
-            </a:r>
-            <a:r>
-              <a:rPr lang="en-US" sz="2400" dirty="0"/>
-              <a:t>each business, we grouped all its reviews in training data as bag-of-words, and then use the LDA library to calculate the topic distribution for each business. </a:t>
-            </a:r>
-            <a:endParaRPr lang="en-US" sz="2400" dirty="0" smtClean="0"/>
-          </a:p>
-          <a:p>
-            <a:endParaRPr lang="en-US" sz="2400" dirty="0"/>
-          </a:p>
-          <a:p>
-            <a:r>
-              <a:rPr lang="en-US" sz="2400" dirty="0" smtClean="0"/>
-              <a:t>For </a:t>
-            </a:r>
-            <a:r>
-              <a:rPr lang="en-US" sz="2400" dirty="0"/>
-              <a:t>each user, we calculate his/her topic rating using linear regression based on his/her real-ratings in </a:t>
-            </a:r>
-            <a:r>
-              <a:rPr lang="en-US" sz="2400" dirty="0" smtClean="0"/>
-              <a:t>training </a:t>
-            </a:r>
-            <a:r>
-              <a:rPr lang="en-US" sz="2400" dirty="0"/>
-              <a:t>data </a:t>
-            </a:r>
-            <a:r>
-              <a:rPr lang="en-US" sz="2400" dirty="0" smtClean="0"/>
-              <a:t>subtract </a:t>
-            </a:r>
-            <a:r>
-              <a:rPr lang="en-US" sz="2400" dirty="0" err="1"/>
-              <a:t>Ubb</a:t>
-            </a:r>
-            <a:r>
-              <a:rPr lang="en-US" sz="2400" dirty="0"/>
-              <a:t>. </a:t>
-            </a:r>
-          </a:p>
-        </p:txBody>
-      </p:sp>
       <p:pic>
         <p:nvPicPr>
-          <p:cNvPr id="6" name="Picture 5"/>
+          <p:cNvPr id="2" name="Picture 1"/>
           <p:cNvPicPr>
             <a:picLocks noChangeAspect="1"/>
           </p:cNvPicPr>
@@ -6124,18 +5490,161 @@
         </p:blipFill>
         <p:spPr>
           <a:xfrm>
-            <a:off x="5104130" y="5536505"/>
-            <a:ext cx="6769100" cy="622300"/>
+            <a:off x="4415790" y="5039995"/>
+            <a:ext cx="7239000" cy="1701800"/>
           </a:xfrm>
           <a:prstGeom prst="rect">
             <a:avLst/>
           </a:prstGeom>
         </p:spPr>
       </p:pic>
+      <p:sp>
+        <p:nvSpPr>
+          <p:cNvPr id="5" name="标题 1"/>
+          <p:cNvSpPr>
+            <a:spLocks noGrp="1"/>
+          </p:cNvSpPr>
+          <p:nvPr>
+            <p:ph type="title"/>
+          </p:nvPr>
+        </p:nvSpPr>
+        <p:spPr>
+          <a:xfrm>
+            <a:off x="544830" y="365125"/>
+            <a:ext cx="10515600" cy="1325563"/>
+          </a:xfrm>
+        </p:spPr>
+        <p:txBody>
+          <a:bodyPr/>
+          <a:lstStyle/>
+          <a:p>
+            <a:r>
+              <a:rPr lang="en-US" altLang="zh-CN" dirty="0" smtClean="0">
+                <a:solidFill>
+                  <a:srgbClr val="FF0000"/>
+                </a:solidFill>
+              </a:rPr>
+              <a:t>Our</a:t>
+            </a:r>
+            <a:r>
+              <a:rPr lang="zh-CN" altLang="en-US" dirty="0" smtClean="0">
+                <a:solidFill>
+                  <a:srgbClr val="FF0000"/>
+                </a:solidFill>
+              </a:rPr>
+              <a:t> </a:t>
+            </a:r>
+            <a:r>
+              <a:rPr lang="en-US" dirty="0" smtClean="0">
+                <a:solidFill>
+                  <a:srgbClr val="FF0000"/>
+                </a:solidFill>
+              </a:rPr>
+              <a:t>Social </a:t>
+            </a:r>
+            <a:r>
+              <a:rPr lang="en-US" altLang="zh-CN" dirty="0" smtClean="0">
+                <a:solidFill>
+                  <a:srgbClr val="FF0000"/>
+                </a:solidFill>
+              </a:rPr>
+              <a:t>Model</a:t>
+            </a:r>
+            <a:r>
+              <a:rPr lang="zh-CN" altLang="en-US" dirty="0" smtClean="0">
+                <a:solidFill>
+                  <a:srgbClr val="FF0000"/>
+                </a:solidFill>
+              </a:rPr>
+              <a:t>  </a:t>
+            </a:r>
+            <a:endParaRPr lang="en-US" dirty="0">
+              <a:solidFill>
+                <a:srgbClr val="FF0000"/>
+              </a:solidFill>
+            </a:endParaRPr>
+          </a:p>
+        </p:txBody>
+      </p:sp>
+      <p:sp>
+        <p:nvSpPr>
+          <p:cNvPr id="6" name="标题 1"/>
+          <p:cNvSpPr txBox="1">
+            <a:spLocks/>
+          </p:cNvSpPr>
+          <p:nvPr/>
+        </p:nvSpPr>
+        <p:spPr>
+          <a:xfrm>
+            <a:off x="544830" y="2604770"/>
+            <a:ext cx="10515600" cy="1325563"/>
+          </a:xfrm>
+          <a:prstGeom prst="rect">
+            <a:avLst/>
+          </a:prstGeom>
+        </p:spPr>
+        <p:txBody>
+          <a:bodyPr vert="horz" lIns="91440" tIns="45720" rIns="91440" bIns="45720" rtlCol="0" anchor="ctr">
+            <a:noAutofit/>
+          </a:bodyPr>
+          <a:lstStyle>
+            <a:lvl1pPr algn="l" defTabSz="914400" rtl="0" eaLnBrk="1" latinLnBrk="0" hangingPunct="1">
+              <a:lnSpc>
+                <a:spcPct val="90000"/>
+              </a:lnSpc>
+              <a:spcBef>
+                <a:spcPct val="0"/>
+              </a:spcBef>
+              <a:buNone/>
+              <a:defRPr sz="4400" kern="1200">
+                <a:solidFill>
+                  <a:schemeClr val="tx1"/>
+                </a:solidFill>
+                <a:latin typeface="+mj-lt"/>
+                <a:ea typeface="+mj-ea"/>
+                <a:cs typeface="+mj-cs"/>
+              </a:defRPr>
+            </a:lvl1pPr>
+          </a:lstStyle>
+          <a:p>
+            <a:r>
+              <a:rPr lang="en-US" altLang="zh-CN" sz="3600" dirty="0" smtClean="0"/>
+              <a:t>Relation</a:t>
+            </a:r>
+          </a:p>
+          <a:p>
+            <a:endParaRPr lang="en-US" sz="3600" dirty="0"/>
+          </a:p>
+          <a:p>
+            <a:r>
+              <a:rPr lang="en-US" altLang="zh-CN" sz="3600" dirty="0" smtClean="0"/>
+              <a:t>VIP</a:t>
+            </a:r>
+            <a:r>
+              <a:rPr lang="zh-CN" altLang="en-US" sz="3600" dirty="0" smtClean="0"/>
+              <a:t> </a:t>
+            </a:r>
+            <a:r>
+              <a:rPr lang="en-US" altLang="zh-CN" sz="3600" dirty="0" smtClean="0"/>
+              <a:t>User</a:t>
+            </a:r>
+          </a:p>
+          <a:p>
+            <a:endParaRPr lang="en-US" sz="3600" dirty="0"/>
+          </a:p>
+          <a:p>
+            <a:r>
+              <a:rPr lang="en-US" altLang="zh-CN" sz="3600" dirty="0" smtClean="0"/>
+              <a:t>Similarity</a:t>
+            </a:r>
+            <a:endParaRPr lang="en-US" sz="3600" dirty="0"/>
+          </a:p>
+        </p:txBody>
+      </p:sp>
     </p:spTree>
     <p:extLst>
       <p:ext uri="{BB962C8B-B14F-4D97-AF65-F5344CB8AC3E}">
-        <p14:creationId xmlns:p14="http://schemas.microsoft.com/office/powerpoint/2010/main" val="798641859"/>
+        <p14:creationId xmlns:p14="http://schemas.microsoft.com/office/powerpoint/2010/main" val="1250436372"/>
       </p:ext>
     </p:extLst>
   </p:cSld>
